--- a/contents/articles/Similarity-and-Distance-algorithms/img.pptx
+++ b/contents/articles/Similarity-and-Distance-algorithms/img.pptx
@@ -104,6 +104,11 @@
       </a:defRPr>
     </a:lvl9pPr>
   </p:defaultTextStyle>
+  <p:extLst>
+    <p:ext uri="{EFAFB233-063F-42B5-8137-9DF3F51BA10A}">
+      <p15:sldGuideLst xmlns:p15="http://schemas.microsoft.com/office/powerpoint/2012/main"/>
+    </p:ext>
+  </p:extLst>
 </p:presentation>
 </file>
 
@@ -4372,7 +4377,7 @@
         <p:spPr>
           <a:xfrm>
             <a:off x="435291" y="725028"/>
-            <a:ext cx="2236879" cy="338554"/>
+            <a:ext cx="2236879" cy="276999"/>
           </a:xfrm>
           <a:prstGeom prst="rect">
             <a:avLst/>
@@ -4387,7 +4392,7 @@
           <a:p>
             <a:pPr algn="ctr"/>
             <a:r>
-              <a:rPr lang="en-US" sz="1600" b="1" i="0" dirty="0">
+              <a:rPr lang="en-US" sz="1200" b="1" i="0" dirty="0">
                 <a:solidFill>
                   <a:srgbClr val="009BD6"/>
                 </a:solidFill>
@@ -4414,7 +4419,7 @@
         <p:spPr>
           <a:xfrm>
             <a:off x="3313918" y="718983"/>
-            <a:ext cx="2236879" cy="338554"/>
+            <a:ext cx="2236879" cy="276999"/>
           </a:xfrm>
           <a:prstGeom prst="rect">
             <a:avLst/>
@@ -4429,7 +4434,7 @@
           <a:p>
             <a:pPr algn="ctr"/>
             <a:r>
-              <a:rPr lang="en-US" sz="1600" b="1" i="0" dirty="0">
+              <a:rPr lang="en-US" sz="1200" b="1" i="0" dirty="0">
                 <a:solidFill>
                   <a:srgbClr val="009BD6"/>
                 </a:solidFill>
@@ -4570,6 +4575,3411 @@
           </a:p>
         </p:txBody>
       </p:sp>
+      <p:sp>
+        <p:nvSpPr>
+          <p:cNvPr id="24" name="正方形/長方形 23">
+            <a:extLst>
+              <a:ext uri="{FF2B5EF4-FFF2-40B4-BE49-F238E27FC236}">
+                <a16:creationId xmlns:a16="http://schemas.microsoft.com/office/drawing/2014/main" id="{138E0149-4A09-487F-B5BD-E331FDEA1172}"/>
+              </a:ext>
+            </a:extLst>
+          </p:cNvPr>
+          <p:cNvSpPr/>
+          <p:nvPr/>
+        </p:nvSpPr>
+        <p:spPr>
+          <a:xfrm>
+            <a:off x="6192800" y="615145"/>
+            <a:ext cx="2460567" cy="2360814"/>
+          </a:xfrm>
+          <a:prstGeom prst="rect">
+            <a:avLst/>
+          </a:prstGeom>
+          <a:solidFill>
+            <a:schemeClr val="bg1">
+              <a:lumMod val="95000"/>
+            </a:schemeClr>
+          </a:solidFill>
+          <a:ln>
+            <a:noFill/>
+          </a:ln>
+        </p:spPr>
+        <p:style>
+          <a:lnRef idx="2">
+            <a:schemeClr val="accent1">
+              <a:shade val="50000"/>
+            </a:schemeClr>
+          </a:lnRef>
+          <a:fillRef idx="1">
+            <a:schemeClr val="accent1"/>
+          </a:fillRef>
+          <a:effectRef idx="0">
+            <a:schemeClr val="accent1"/>
+          </a:effectRef>
+          <a:fontRef idx="minor">
+            <a:schemeClr val="lt1"/>
+          </a:fontRef>
+        </p:style>
+        <p:txBody>
+          <a:bodyPr rtlCol="0" anchor="ctr"/>
+          <a:lstStyle/>
+          <a:p>
+            <a:pPr algn="ctr"/>
+            <a:endParaRPr lang="en-US" sz="1600"/>
+          </a:p>
+        </p:txBody>
+      </p:sp>
+      <p:sp>
+        <p:nvSpPr>
+          <p:cNvPr id="26" name="正方形/長方形 25">
+            <a:extLst>
+              <a:ext uri="{FF2B5EF4-FFF2-40B4-BE49-F238E27FC236}">
+                <a16:creationId xmlns:a16="http://schemas.microsoft.com/office/drawing/2014/main" id="{76839AF2-5C4A-4239-8A89-26A83E111227}"/>
+              </a:ext>
+            </a:extLst>
+          </p:cNvPr>
+          <p:cNvSpPr/>
+          <p:nvPr/>
+        </p:nvSpPr>
+        <p:spPr>
+          <a:xfrm>
+            <a:off x="6304645" y="722454"/>
+            <a:ext cx="2236879" cy="2146195"/>
+          </a:xfrm>
+          <a:prstGeom prst="rect">
+            <a:avLst/>
+          </a:prstGeom>
+          <a:solidFill>
+            <a:schemeClr val="bg1"/>
+          </a:solidFill>
+          <a:ln>
+            <a:noFill/>
+          </a:ln>
+        </p:spPr>
+        <p:style>
+          <a:lnRef idx="2">
+            <a:schemeClr val="accent1">
+              <a:shade val="50000"/>
+            </a:schemeClr>
+          </a:lnRef>
+          <a:fillRef idx="1">
+            <a:schemeClr val="accent1"/>
+          </a:fillRef>
+          <a:effectRef idx="0">
+            <a:schemeClr val="accent1"/>
+          </a:effectRef>
+          <a:fontRef idx="minor">
+            <a:schemeClr val="lt1"/>
+          </a:fontRef>
+        </p:style>
+        <p:txBody>
+          <a:bodyPr rtlCol="0" anchor="ctr"/>
+          <a:lstStyle/>
+          <a:p>
+            <a:pPr algn="ctr"/>
+            <a:endParaRPr lang="en-US" sz="1600" dirty="0"/>
+          </a:p>
+        </p:txBody>
+      </p:sp>
+      <p:sp>
+        <p:nvSpPr>
+          <p:cNvPr id="42" name="テキスト ボックス 41">
+            <a:extLst>
+              <a:ext uri="{FF2B5EF4-FFF2-40B4-BE49-F238E27FC236}">
+                <a16:creationId xmlns:a16="http://schemas.microsoft.com/office/drawing/2014/main" id="{49F64BAF-1BF4-42B4-8CE2-A23D4CB37718}"/>
+              </a:ext>
+            </a:extLst>
+          </p:cNvPr>
+          <p:cNvSpPr txBox="1"/>
+          <p:nvPr/>
+        </p:nvSpPr>
+        <p:spPr>
+          <a:xfrm>
+            <a:off x="6896896" y="1850507"/>
+            <a:ext cx="310786" cy="335756"/>
+          </a:xfrm>
+          <a:prstGeom prst="rect">
+            <a:avLst/>
+          </a:prstGeom>
+          <a:noFill/>
+        </p:spPr>
+        <p:txBody>
+          <a:bodyPr wrap="square" rtlCol="0">
+            <a:spAutoFit/>
+          </a:bodyPr>
+          <a:lstStyle/>
+          <a:p>
+            <a:r>
+              <a:rPr lang="en-US" sz="1600" dirty="0"/>
+              <a:t>p</a:t>
+            </a:r>
+          </a:p>
+        </p:txBody>
+      </p:sp>
+      <p:sp>
+        <p:nvSpPr>
+          <p:cNvPr id="43" name="テキスト ボックス 42">
+            <a:extLst>
+              <a:ext uri="{FF2B5EF4-FFF2-40B4-BE49-F238E27FC236}">
+                <a16:creationId xmlns:a16="http://schemas.microsoft.com/office/drawing/2014/main" id="{86B3A3FA-8CA4-473B-B176-DA26EAF6A1E8}"/>
+              </a:ext>
+            </a:extLst>
+          </p:cNvPr>
+          <p:cNvSpPr txBox="1"/>
+          <p:nvPr/>
+        </p:nvSpPr>
+        <p:spPr>
+          <a:xfrm>
+            <a:off x="7902561" y="1287781"/>
+            <a:ext cx="310786" cy="335756"/>
+          </a:xfrm>
+          <a:prstGeom prst="rect">
+            <a:avLst/>
+          </a:prstGeom>
+          <a:noFill/>
+        </p:spPr>
+        <p:txBody>
+          <a:bodyPr wrap="square" rtlCol="0">
+            <a:spAutoFit/>
+          </a:bodyPr>
+          <a:lstStyle/>
+          <a:p>
+            <a:r>
+              <a:rPr lang="en-US" altLang="ja-JP" sz="1600" dirty="0"/>
+              <a:t>q</a:t>
+            </a:r>
+            <a:endParaRPr lang="en-US" sz="1600" dirty="0"/>
+          </a:p>
+        </p:txBody>
+      </p:sp>
+      <p:sp>
+        <p:nvSpPr>
+          <p:cNvPr id="44" name="テキスト ボックス 43">
+            <a:extLst>
+              <a:ext uri="{FF2B5EF4-FFF2-40B4-BE49-F238E27FC236}">
+                <a16:creationId xmlns:a16="http://schemas.microsoft.com/office/drawing/2014/main" id="{1B760FB1-0F70-48F1-A1DB-074E7B59EC0A}"/>
+              </a:ext>
+            </a:extLst>
+          </p:cNvPr>
+          <p:cNvSpPr txBox="1"/>
+          <p:nvPr/>
+        </p:nvSpPr>
+        <p:spPr>
+          <a:xfrm>
+            <a:off x="7127437" y="2608444"/>
+            <a:ext cx="256848" cy="169277"/>
+          </a:xfrm>
+          <a:prstGeom prst="rect">
+            <a:avLst/>
+          </a:prstGeom>
+          <a:noFill/>
+        </p:spPr>
+        <p:txBody>
+          <a:bodyPr wrap="square" lIns="0" tIns="0" rIns="0" bIns="0" rtlCol="0">
+            <a:noAutofit/>
+          </a:bodyPr>
+          <a:lstStyle/>
+          <a:p>
+            <a:pPr algn="ctr"/>
+            <a:r>
+              <a:rPr lang="en-US" sz="1100" dirty="0"/>
+              <a:t>p1</a:t>
+            </a:r>
+          </a:p>
+        </p:txBody>
+      </p:sp>
+      <p:sp>
+        <p:nvSpPr>
+          <p:cNvPr id="45" name="テキスト ボックス 44">
+            <a:extLst>
+              <a:ext uri="{FF2B5EF4-FFF2-40B4-BE49-F238E27FC236}">
+                <a16:creationId xmlns:a16="http://schemas.microsoft.com/office/drawing/2014/main" id="{265B22C4-C2B1-4B4C-9FDA-7BFD53E3BCEE}"/>
+              </a:ext>
+            </a:extLst>
+          </p:cNvPr>
+          <p:cNvSpPr txBox="1"/>
+          <p:nvPr/>
+        </p:nvSpPr>
+        <p:spPr>
+          <a:xfrm>
+            <a:off x="6486299" y="2146011"/>
+            <a:ext cx="256848" cy="170474"/>
+          </a:xfrm>
+          <a:prstGeom prst="rect">
+            <a:avLst/>
+          </a:prstGeom>
+          <a:noFill/>
+        </p:spPr>
+        <p:txBody>
+          <a:bodyPr wrap="square" lIns="0" tIns="0" rIns="0" bIns="0" rtlCol="0">
+            <a:noAutofit/>
+          </a:bodyPr>
+          <a:lstStyle/>
+          <a:p>
+            <a:pPr algn="ctr"/>
+            <a:r>
+              <a:rPr lang="en-US" altLang="ja-JP" sz="1100" dirty="0"/>
+              <a:t>p2</a:t>
+            </a:r>
+            <a:endParaRPr lang="en-US" sz="1100" dirty="0"/>
+          </a:p>
+        </p:txBody>
+      </p:sp>
+      <p:sp>
+        <p:nvSpPr>
+          <p:cNvPr id="46" name="テキスト ボックス 45">
+            <a:extLst>
+              <a:ext uri="{FF2B5EF4-FFF2-40B4-BE49-F238E27FC236}">
+                <a16:creationId xmlns:a16="http://schemas.microsoft.com/office/drawing/2014/main" id="{7514CB78-CC03-449C-85AA-41CB093110E4}"/>
+              </a:ext>
+            </a:extLst>
+          </p:cNvPr>
+          <p:cNvSpPr txBox="1"/>
+          <p:nvPr/>
+        </p:nvSpPr>
+        <p:spPr>
+          <a:xfrm>
+            <a:off x="6292807" y="722257"/>
+            <a:ext cx="2236879" cy="276999"/>
+          </a:xfrm>
+          <a:prstGeom prst="rect">
+            <a:avLst/>
+          </a:prstGeom>
+          <a:noFill/>
+        </p:spPr>
+        <p:txBody>
+          <a:bodyPr wrap="square">
+            <a:spAutoFit/>
+          </a:bodyPr>
+          <a:lstStyle/>
+          <a:p>
+            <a:pPr algn="ctr"/>
+            <a:r>
+              <a:rPr lang="en-US" sz="1200" b="1" i="0" dirty="0">
+                <a:solidFill>
+                  <a:srgbClr val="009BD6"/>
+                </a:solidFill>
+                <a:effectLst/>
+                <a:latin typeface="Trebuchet MS" panose="020B0603020202020204" pitchFamily="34" charset="0"/>
+              </a:rPr>
+              <a:t>Euclidean Distance</a:t>
+            </a:r>
+          </a:p>
+        </p:txBody>
+      </p:sp>
+      <p:cxnSp>
+        <p:nvCxnSpPr>
+          <p:cNvPr id="7" name="直線コネクタ 6">
+            <a:extLst>
+              <a:ext uri="{FF2B5EF4-FFF2-40B4-BE49-F238E27FC236}">
+                <a16:creationId xmlns:a16="http://schemas.microsoft.com/office/drawing/2014/main" id="{5923EF26-7974-43FE-A8AF-26B2F9319D32}"/>
+              </a:ext>
+            </a:extLst>
+          </p:cNvPr>
+          <p:cNvCxnSpPr/>
+          <p:nvPr/>
+        </p:nvCxnSpPr>
+        <p:spPr>
+          <a:xfrm>
+            <a:off x="6792714" y="1719284"/>
+            <a:ext cx="1071318" cy="0"/>
+          </a:xfrm>
+          <a:prstGeom prst="line">
+            <a:avLst/>
+          </a:prstGeom>
+          <a:ln>
+            <a:solidFill>
+              <a:schemeClr val="tx1">
+                <a:lumMod val="65000"/>
+                <a:lumOff val="35000"/>
+              </a:schemeClr>
+            </a:solidFill>
+            <a:prstDash val="dash"/>
+          </a:ln>
+        </p:spPr>
+        <p:style>
+          <a:lnRef idx="1">
+            <a:schemeClr val="accent1"/>
+          </a:lnRef>
+          <a:fillRef idx="0">
+            <a:schemeClr val="accent1"/>
+          </a:fillRef>
+          <a:effectRef idx="0">
+            <a:schemeClr val="accent1"/>
+          </a:effectRef>
+          <a:fontRef idx="minor">
+            <a:schemeClr val="tx1"/>
+          </a:fontRef>
+        </p:style>
+      </p:cxnSp>
+      <p:cxnSp>
+        <p:nvCxnSpPr>
+          <p:cNvPr id="47" name="直線コネクタ 46">
+            <a:extLst>
+              <a:ext uri="{FF2B5EF4-FFF2-40B4-BE49-F238E27FC236}">
+                <a16:creationId xmlns:a16="http://schemas.microsoft.com/office/drawing/2014/main" id="{003C501C-95DA-4FA5-8468-FE0CFAD0BE26}"/>
+              </a:ext>
+            </a:extLst>
+          </p:cNvPr>
+          <p:cNvCxnSpPr>
+            <a:cxnSpLocks/>
+          </p:cNvCxnSpPr>
+          <p:nvPr/>
+        </p:nvCxnSpPr>
+        <p:spPr>
+          <a:xfrm>
+            <a:off x="6823944" y="2235728"/>
+            <a:ext cx="1046877" cy="0"/>
+          </a:xfrm>
+          <a:prstGeom prst="line">
+            <a:avLst/>
+          </a:prstGeom>
+          <a:ln>
+            <a:solidFill>
+              <a:schemeClr val="tx1">
+                <a:lumMod val="65000"/>
+                <a:lumOff val="35000"/>
+              </a:schemeClr>
+            </a:solidFill>
+            <a:prstDash val="dash"/>
+          </a:ln>
+        </p:spPr>
+        <p:style>
+          <a:lnRef idx="1">
+            <a:schemeClr val="accent1"/>
+          </a:lnRef>
+          <a:fillRef idx="0">
+            <a:schemeClr val="accent1"/>
+          </a:fillRef>
+          <a:effectRef idx="0">
+            <a:schemeClr val="accent1"/>
+          </a:effectRef>
+          <a:fontRef idx="minor">
+            <a:schemeClr val="tx1"/>
+          </a:fontRef>
+        </p:style>
+      </p:cxnSp>
+      <p:cxnSp>
+        <p:nvCxnSpPr>
+          <p:cNvPr id="48" name="直線コネクタ 47">
+            <a:extLst>
+              <a:ext uri="{FF2B5EF4-FFF2-40B4-BE49-F238E27FC236}">
+                <a16:creationId xmlns:a16="http://schemas.microsoft.com/office/drawing/2014/main" id="{F896FBBE-1DA0-4C2D-8DA4-49A009A0FB61}"/>
+              </a:ext>
+            </a:extLst>
+          </p:cNvPr>
+          <p:cNvCxnSpPr>
+            <a:cxnSpLocks/>
+          </p:cNvCxnSpPr>
+          <p:nvPr/>
+        </p:nvCxnSpPr>
+        <p:spPr>
+          <a:xfrm flipV="1">
+            <a:off x="7238580" y="2235182"/>
+            <a:ext cx="0" cy="334200"/>
+          </a:xfrm>
+          <a:prstGeom prst="line">
+            <a:avLst/>
+          </a:prstGeom>
+          <a:ln>
+            <a:solidFill>
+              <a:schemeClr val="tx1">
+                <a:lumMod val="65000"/>
+                <a:lumOff val="35000"/>
+              </a:schemeClr>
+            </a:solidFill>
+            <a:prstDash val="dash"/>
+          </a:ln>
+        </p:spPr>
+        <p:style>
+          <a:lnRef idx="1">
+            <a:schemeClr val="accent1"/>
+          </a:lnRef>
+          <a:fillRef idx="0">
+            <a:schemeClr val="accent1"/>
+          </a:fillRef>
+          <a:effectRef idx="0">
+            <a:schemeClr val="accent1"/>
+          </a:effectRef>
+          <a:fontRef idx="minor">
+            <a:schemeClr val="tx1"/>
+          </a:fontRef>
+        </p:style>
+      </p:cxnSp>
+      <p:cxnSp>
+        <p:nvCxnSpPr>
+          <p:cNvPr id="49" name="直線コネクタ 48">
+            <a:extLst>
+              <a:ext uri="{FF2B5EF4-FFF2-40B4-BE49-F238E27FC236}">
+                <a16:creationId xmlns:a16="http://schemas.microsoft.com/office/drawing/2014/main" id="{53CEE371-9AB8-4BA6-95A8-2809F8896351}"/>
+              </a:ext>
+            </a:extLst>
+          </p:cNvPr>
+          <p:cNvCxnSpPr>
+            <a:cxnSpLocks/>
+          </p:cNvCxnSpPr>
+          <p:nvPr/>
+        </p:nvCxnSpPr>
+        <p:spPr>
+          <a:xfrm flipV="1">
+            <a:off x="7870821" y="1754120"/>
+            <a:ext cx="0" cy="815262"/>
+          </a:xfrm>
+          <a:prstGeom prst="line">
+            <a:avLst/>
+          </a:prstGeom>
+          <a:ln>
+            <a:solidFill>
+              <a:schemeClr val="tx1">
+                <a:lumMod val="65000"/>
+                <a:lumOff val="35000"/>
+              </a:schemeClr>
+            </a:solidFill>
+            <a:prstDash val="dash"/>
+          </a:ln>
+        </p:spPr>
+        <p:style>
+          <a:lnRef idx="1">
+            <a:schemeClr val="accent1"/>
+          </a:lnRef>
+          <a:fillRef idx="0">
+            <a:schemeClr val="accent1"/>
+          </a:fillRef>
+          <a:effectRef idx="0">
+            <a:schemeClr val="accent1"/>
+          </a:effectRef>
+          <a:fontRef idx="minor">
+            <a:schemeClr val="tx1"/>
+          </a:fontRef>
+        </p:style>
+      </p:cxnSp>
+      <p:cxnSp>
+        <p:nvCxnSpPr>
+          <p:cNvPr id="27" name="直線コネクタ 26">
+            <a:extLst>
+              <a:ext uri="{FF2B5EF4-FFF2-40B4-BE49-F238E27FC236}">
+                <a16:creationId xmlns:a16="http://schemas.microsoft.com/office/drawing/2014/main" id="{2636D505-6FD8-4B0A-857F-C67C7271D542}"/>
+              </a:ext>
+            </a:extLst>
+          </p:cNvPr>
+          <p:cNvCxnSpPr/>
+          <p:nvPr/>
+        </p:nvCxnSpPr>
+        <p:spPr>
+          <a:xfrm flipV="1">
+            <a:off x="6797866" y="1191485"/>
+            <a:ext cx="0" cy="1632318"/>
+          </a:xfrm>
+          <a:prstGeom prst="line">
+            <a:avLst/>
+          </a:prstGeom>
+          <a:ln w="28575">
+            <a:solidFill>
+              <a:schemeClr val="tx1">
+                <a:lumMod val="50000"/>
+                <a:lumOff val="50000"/>
+              </a:schemeClr>
+            </a:solidFill>
+          </a:ln>
+        </p:spPr>
+        <p:style>
+          <a:lnRef idx="1">
+            <a:schemeClr val="accent1"/>
+          </a:lnRef>
+          <a:fillRef idx="0">
+            <a:schemeClr val="accent1"/>
+          </a:fillRef>
+          <a:effectRef idx="0">
+            <a:schemeClr val="accent1"/>
+          </a:effectRef>
+          <a:fontRef idx="minor">
+            <a:schemeClr val="tx1"/>
+          </a:fontRef>
+        </p:style>
+      </p:cxnSp>
+      <p:cxnSp>
+        <p:nvCxnSpPr>
+          <p:cNvPr id="28" name="直線コネクタ 27">
+            <a:extLst>
+              <a:ext uri="{FF2B5EF4-FFF2-40B4-BE49-F238E27FC236}">
+                <a16:creationId xmlns:a16="http://schemas.microsoft.com/office/drawing/2014/main" id="{E87D6A18-A42A-4571-B733-4BD5C849A1D5}"/>
+              </a:ext>
+            </a:extLst>
+          </p:cNvPr>
+          <p:cNvCxnSpPr>
+            <a:cxnSpLocks/>
+          </p:cNvCxnSpPr>
+          <p:nvPr/>
+        </p:nvCxnSpPr>
+        <p:spPr>
+          <a:xfrm rot="16200000" flipV="1">
+            <a:off x="7359603" y="1753224"/>
+            <a:ext cx="0" cy="1632317"/>
+          </a:xfrm>
+          <a:prstGeom prst="line">
+            <a:avLst/>
+          </a:prstGeom>
+          <a:ln w="28575">
+            <a:solidFill>
+              <a:schemeClr val="tx1">
+                <a:lumMod val="50000"/>
+                <a:lumOff val="50000"/>
+              </a:schemeClr>
+            </a:solidFill>
+          </a:ln>
+        </p:spPr>
+        <p:style>
+          <a:lnRef idx="1">
+            <a:schemeClr val="accent1"/>
+          </a:lnRef>
+          <a:fillRef idx="0">
+            <a:schemeClr val="accent1"/>
+          </a:fillRef>
+          <a:effectRef idx="0">
+            <a:schemeClr val="accent1"/>
+          </a:effectRef>
+          <a:fontRef idx="minor">
+            <a:schemeClr val="tx1"/>
+          </a:fontRef>
+        </p:style>
+      </p:cxnSp>
+      <p:cxnSp>
+        <p:nvCxnSpPr>
+          <p:cNvPr id="34" name="直線矢印コネクタ 33">
+            <a:extLst>
+              <a:ext uri="{FF2B5EF4-FFF2-40B4-BE49-F238E27FC236}">
+                <a16:creationId xmlns:a16="http://schemas.microsoft.com/office/drawing/2014/main" id="{B398588B-F837-44D2-8A40-70E6860933EF}"/>
+              </a:ext>
+            </a:extLst>
+          </p:cNvPr>
+          <p:cNvCxnSpPr>
+            <a:cxnSpLocks/>
+          </p:cNvCxnSpPr>
+          <p:nvPr/>
+        </p:nvCxnSpPr>
+        <p:spPr>
+          <a:xfrm flipV="1">
+            <a:off x="7238580" y="1703060"/>
+            <a:ext cx="632241" cy="532122"/>
+          </a:xfrm>
+          <a:prstGeom prst="straightConnector1">
+            <a:avLst/>
+          </a:prstGeom>
+          <a:ln>
+            <a:solidFill>
+              <a:schemeClr val="accent1">
+                <a:lumMod val="75000"/>
+              </a:schemeClr>
+            </a:solidFill>
+            <a:headEnd type="oval" w="med" len="med"/>
+            <a:tailEnd type="oval" w="med" len="med"/>
+          </a:ln>
+        </p:spPr>
+        <p:style>
+          <a:lnRef idx="1">
+            <a:schemeClr val="accent1"/>
+          </a:lnRef>
+          <a:fillRef idx="0">
+            <a:schemeClr val="accent1"/>
+          </a:fillRef>
+          <a:effectRef idx="0">
+            <a:schemeClr val="accent1"/>
+          </a:effectRef>
+          <a:fontRef idx="minor">
+            <a:schemeClr val="tx1"/>
+          </a:fontRef>
+        </p:style>
+      </p:cxnSp>
+      <p:sp>
+        <p:nvSpPr>
+          <p:cNvPr id="17" name="正方形/長方形 16">
+            <a:extLst>
+              <a:ext uri="{FF2B5EF4-FFF2-40B4-BE49-F238E27FC236}">
+                <a16:creationId xmlns:a16="http://schemas.microsoft.com/office/drawing/2014/main" id="{2E4F1AB3-D3AA-4FDA-B81D-297E240E41CB}"/>
+              </a:ext>
+            </a:extLst>
+          </p:cNvPr>
+          <p:cNvSpPr/>
+          <p:nvPr/>
+        </p:nvSpPr>
+        <p:spPr>
+          <a:xfrm>
+            <a:off x="7797630" y="2165983"/>
+            <a:ext cx="73631" cy="73631"/>
+          </a:xfrm>
+          <a:prstGeom prst="rect">
+            <a:avLst/>
+          </a:prstGeom>
+          <a:noFill/>
+          <a:ln>
+            <a:solidFill>
+              <a:schemeClr val="tx1">
+                <a:lumMod val="65000"/>
+                <a:lumOff val="35000"/>
+              </a:schemeClr>
+            </a:solidFill>
+          </a:ln>
+        </p:spPr>
+        <p:style>
+          <a:lnRef idx="2">
+            <a:schemeClr val="accent1">
+              <a:shade val="50000"/>
+            </a:schemeClr>
+          </a:lnRef>
+          <a:fillRef idx="1">
+            <a:schemeClr val="accent1"/>
+          </a:fillRef>
+          <a:effectRef idx="0">
+            <a:schemeClr val="accent1"/>
+          </a:effectRef>
+          <a:fontRef idx="minor">
+            <a:schemeClr val="lt1"/>
+          </a:fontRef>
+        </p:style>
+        <p:txBody>
+          <a:bodyPr rtlCol="0" anchor="ctr"/>
+          <a:lstStyle/>
+          <a:p>
+            <a:pPr algn="ctr"/>
+            <a:endParaRPr lang="en-US"/>
+          </a:p>
+        </p:txBody>
+      </p:sp>
+      <p:sp>
+        <p:nvSpPr>
+          <p:cNvPr id="51" name="テキスト ボックス 50">
+            <a:extLst>
+              <a:ext uri="{FF2B5EF4-FFF2-40B4-BE49-F238E27FC236}">
+                <a16:creationId xmlns:a16="http://schemas.microsoft.com/office/drawing/2014/main" id="{547DB53A-DACE-4DAB-AE4A-3B3154FC3945}"/>
+              </a:ext>
+            </a:extLst>
+          </p:cNvPr>
+          <p:cNvSpPr txBox="1"/>
+          <p:nvPr/>
+        </p:nvSpPr>
+        <p:spPr>
+          <a:xfrm>
+            <a:off x="7756719" y="2608444"/>
+            <a:ext cx="256848" cy="169277"/>
+          </a:xfrm>
+          <a:prstGeom prst="rect">
+            <a:avLst/>
+          </a:prstGeom>
+          <a:noFill/>
+        </p:spPr>
+        <p:txBody>
+          <a:bodyPr wrap="square" lIns="0" tIns="0" rIns="0" bIns="0" rtlCol="0">
+            <a:noAutofit/>
+          </a:bodyPr>
+          <a:lstStyle/>
+          <a:p>
+            <a:pPr algn="ctr"/>
+            <a:r>
+              <a:rPr lang="en-US" sz="1100" dirty="0"/>
+              <a:t>q1</a:t>
+            </a:r>
+          </a:p>
+        </p:txBody>
+      </p:sp>
+      <p:sp>
+        <p:nvSpPr>
+          <p:cNvPr id="52" name="テキスト ボックス 51">
+            <a:extLst>
+              <a:ext uri="{FF2B5EF4-FFF2-40B4-BE49-F238E27FC236}">
+                <a16:creationId xmlns:a16="http://schemas.microsoft.com/office/drawing/2014/main" id="{CEBE45C1-FF46-453E-97F7-60CA35A0925C}"/>
+              </a:ext>
+            </a:extLst>
+          </p:cNvPr>
+          <p:cNvSpPr txBox="1"/>
+          <p:nvPr/>
+        </p:nvSpPr>
+        <p:spPr>
+          <a:xfrm>
+            <a:off x="6486299" y="1610426"/>
+            <a:ext cx="256848" cy="169277"/>
+          </a:xfrm>
+          <a:prstGeom prst="rect">
+            <a:avLst/>
+          </a:prstGeom>
+          <a:noFill/>
+        </p:spPr>
+        <p:txBody>
+          <a:bodyPr wrap="square" lIns="0" tIns="0" rIns="0" bIns="0" rtlCol="0">
+            <a:noAutofit/>
+          </a:bodyPr>
+          <a:lstStyle/>
+          <a:p>
+            <a:pPr algn="ctr"/>
+            <a:r>
+              <a:rPr lang="en-US" altLang="ja-JP" sz="1100" dirty="0"/>
+              <a:t>q2</a:t>
+            </a:r>
+            <a:endParaRPr lang="en-US" sz="1100" dirty="0"/>
+          </a:p>
+        </p:txBody>
+      </p:sp>
+      <p:sp>
+        <p:nvSpPr>
+          <p:cNvPr id="54" name="正方形/長方形 53">
+            <a:extLst>
+              <a:ext uri="{FF2B5EF4-FFF2-40B4-BE49-F238E27FC236}">
+                <a16:creationId xmlns:a16="http://schemas.microsoft.com/office/drawing/2014/main" id="{B10C3A29-E5C9-4021-A301-1FDB7F721CB2}"/>
+              </a:ext>
+            </a:extLst>
+          </p:cNvPr>
+          <p:cNvSpPr/>
+          <p:nvPr/>
+        </p:nvSpPr>
+        <p:spPr>
+          <a:xfrm>
+            <a:off x="9183527" y="602608"/>
+            <a:ext cx="2460567" cy="2360814"/>
+          </a:xfrm>
+          <a:prstGeom prst="rect">
+            <a:avLst/>
+          </a:prstGeom>
+          <a:solidFill>
+            <a:schemeClr val="bg1">
+              <a:lumMod val="95000"/>
+            </a:schemeClr>
+          </a:solidFill>
+          <a:ln>
+            <a:noFill/>
+          </a:ln>
+        </p:spPr>
+        <p:style>
+          <a:lnRef idx="2">
+            <a:schemeClr val="accent1">
+              <a:shade val="50000"/>
+            </a:schemeClr>
+          </a:lnRef>
+          <a:fillRef idx="1">
+            <a:schemeClr val="accent1"/>
+          </a:fillRef>
+          <a:effectRef idx="0">
+            <a:schemeClr val="accent1"/>
+          </a:effectRef>
+          <a:fontRef idx="minor">
+            <a:schemeClr val="lt1"/>
+          </a:fontRef>
+        </p:style>
+        <p:txBody>
+          <a:bodyPr rtlCol="0" anchor="ctr"/>
+          <a:lstStyle/>
+          <a:p>
+            <a:pPr algn="ctr"/>
+            <a:endParaRPr lang="en-US" sz="1600"/>
+          </a:p>
+        </p:txBody>
+      </p:sp>
+      <p:sp>
+        <p:nvSpPr>
+          <p:cNvPr id="55" name="正方形/長方形 54">
+            <a:extLst>
+              <a:ext uri="{FF2B5EF4-FFF2-40B4-BE49-F238E27FC236}">
+                <a16:creationId xmlns:a16="http://schemas.microsoft.com/office/drawing/2014/main" id="{8F80A4F8-F5B5-4BC3-85ED-5CEDA26B65F0}"/>
+              </a:ext>
+            </a:extLst>
+          </p:cNvPr>
+          <p:cNvSpPr/>
+          <p:nvPr/>
+        </p:nvSpPr>
+        <p:spPr>
+          <a:xfrm>
+            <a:off x="9295372" y="709917"/>
+            <a:ext cx="2236879" cy="2146195"/>
+          </a:xfrm>
+          <a:prstGeom prst="rect">
+            <a:avLst/>
+          </a:prstGeom>
+          <a:solidFill>
+            <a:schemeClr val="bg1"/>
+          </a:solidFill>
+          <a:ln>
+            <a:noFill/>
+          </a:ln>
+        </p:spPr>
+        <p:style>
+          <a:lnRef idx="2">
+            <a:schemeClr val="accent1">
+              <a:shade val="50000"/>
+            </a:schemeClr>
+          </a:lnRef>
+          <a:fillRef idx="1">
+            <a:schemeClr val="accent1"/>
+          </a:fillRef>
+          <a:effectRef idx="0">
+            <a:schemeClr val="accent1"/>
+          </a:effectRef>
+          <a:fontRef idx="minor">
+            <a:schemeClr val="lt1"/>
+          </a:fontRef>
+        </p:style>
+        <p:txBody>
+          <a:bodyPr rtlCol="0" anchor="ctr"/>
+          <a:lstStyle/>
+          <a:p>
+            <a:pPr algn="ctr"/>
+            <a:endParaRPr lang="en-US" sz="1600" dirty="0"/>
+          </a:p>
+        </p:txBody>
+      </p:sp>
+      <p:sp>
+        <p:nvSpPr>
+          <p:cNvPr id="60" name="テキスト ボックス 59">
+            <a:extLst>
+              <a:ext uri="{FF2B5EF4-FFF2-40B4-BE49-F238E27FC236}">
+                <a16:creationId xmlns:a16="http://schemas.microsoft.com/office/drawing/2014/main" id="{5395AA3C-EFB2-46A2-908B-7D51BA0EDE58}"/>
+              </a:ext>
+            </a:extLst>
+          </p:cNvPr>
+          <p:cNvSpPr txBox="1"/>
+          <p:nvPr/>
+        </p:nvSpPr>
+        <p:spPr>
+          <a:xfrm>
+            <a:off x="9283534" y="709720"/>
+            <a:ext cx="2236879" cy="276999"/>
+          </a:xfrm>
+          <a:prstGeom prst="rect">
+            <a:avLst/>
+          </a:prstGeom>
+          <a:noFill/>
+        </p:spPr>
+        <p:txBody>
+          <a:bodyPr wrap="square">
+            <a:spAutoFit/>
+          </a:bodyPr>
+          <a:lstStyle/>
+          <a:p>
+            <a:pPr algn="ctr"/>
+            <a:r>
+              <a:rPr lang="en-US" sz="1200" b="1" i="0" dirty="0">
+                <a:solidFill>
+                  <a:srgbClr val="009BD6"/>
+                </a:solidFill>
+                <a:effectLst/>
+                <a:latin typeface="Trebuchet MS" panose="020B0603020202020204" pitchFamily="34" charset="0"/>
+              </a:rPr>
+              <a:t>Manhattan Distance</a:t>
+            </a:r>
+          </a:p>
+        </p:txBody>
+      </p:sp>
+      <p:cxnSp>
+        <p:nvCxnSpPr>
+          <p:cNvPr id="65" name="直線コネクタ 64">
+            <a:extLst>
+              <a:ext uri="{FF2B5EF4-FFF2-40B4-BE49-F238E27FC236}">
+                <a16:creationId xmlns:a16="http://schemas.microsoft.com/office/drawing/2014/main" id="{3F120837-B7F3-420C-A279-992D8189684F}"/>
+              </a:ext>
+            </a:extLst>
+          </p:cNvPr>
+          <p:cNvCxnSpPr>
+            <a:cxnSpLocks/>
+          </p:cNvCxnSpPr>
+          <p:nvPr/>
+        </p:nvCxnSpPr>
+        <p:spPr>
+          <a:xfrm flipV="1">
+            <a:off x="9788593" y="1178948"/>
+            <a:ext cx="0" cy="1632318"/>
+          </a:xfrm>
+          <a:prstGeom prst="line">
+            <a:avLst/>
+          </a:prstGeom>
+          <a:ln w="57150">
+            <a:solidFill>
+              <a:schemeClr val="bg1">
+                <a:lumMod val="75000"/>
+              </a:schemeClr>
+            </a:solidFill>
+          </a:ln>
+        </p:spPr>
+        <p:style>
+          <a:lnRef idx="1">
+            <a:schemeClr val="accent1"/>
+          </a:lnRef>
+          <a:fillRef idx="0">
+            <a:schemeClr val="accent1"/>
+          </a:fillRef>
+          <a:effectRef idx="0">
+            <a:schemeClr val="accent1"/>
+          </a:effectRef>
+          <a:fontRef idx="minor">
+            <a:schemeClr val="tx1"/>
+          </a:fontRef>
+        </p:style>
+      </p:cxnSp>
+      <p:cxnSp>
+        <p:nvCxnSpPr>
+          <p:cNvPr id="66" name="直線コネクタ 65">
+            <a:extLst>
+              <a:ext uri="{FF2B5EF4-FFF2-40B4-BE49-F238E27FC236}">
+                <a16:creationId xmlns:a16="http://schemas.microsoft.com/office/drawing/2014/main" id="{701B555E-2CD8-40A6-887A-7CF47AD3A407}"/>
+              </a:ext>
+            </a:extLst>
+          </p:cNvPr>
+          <p:cNvCxnSpPr>
+            <a:cxnSpLocks/>
+          </p:cNvCxnSpPr>
+          <p:nvPr/>
+        </p:nvCxnSpPr>
+        <p:spPr>
+          <a:xfrm rot="16200000" flipV="1">
+            <a:off x="10350330" y="1740687"/>
+            <a:ext cx="0" cy="1632317"/>
+          </a:xfrm>
+          <a:prstGeom prst="line">
+            <a:avLst/>
+          </a:prstGeom>
+          <a:ln w="57150">
+            <a:solidFill>
+              <a:schemeClr val="bg1">
+                <a:lumMod val="75000"/>
+              </a:schemeClr>
+            </a:solidFill>
+          </a:ln>
+        </p:spPr>
+        <p:style>
+          <a:lnRef idx="1">
+            <a:schemeClr val="accent1"/>
+          </a:lnRef>
+          <a:fillRef idx="0">
+            <a:schemeClr val="accent1"/>
+          </a:fillRef>
+          <a:effectRef idx="0">
+            <a:schemeClr val="accent1"/>
+          </a:effectRef>
+          <a:fontRef idx="minor">
+            <a:schemeClr val="tx1"/>
+          </a:fontRef>
+        </p:style>
+      </p:cxnSp>
+      <p:cxnSp>
+        <p:nvCxnSpPr>
+          <p:cNvPr id="71" name="直線コネクタ 70">
+            <a:extLst>
+              <a:ext uri="{FF2B5EF4-FFF2-40B4-BE49-F238E27FC236}">
+                <a16:creationId xmlns:a16="http://schemas.microsoft.com/office/drawing/2014/main" id="{3C4AA867-412F-4700-99F4-0F88D84E8E6E}"/>
+              </a:ext>
+            </a:extLst>
+          </p:cNvPr>
+          <p:cNvCxnSpPr>
+            <a:cxnSpLocks/>
+          </p:cNvCxnSpPr>
+          <p:nvPr/>
+        </p:nvCxnSpPr>
+        <p:spPr>
+          <a:xfrm flipV="1">
+            <a:off x="10082224" y="1178948"/>
+            <a:ext cx="0" cy="1632318"/>
+          </a:xfrm>
+          <a:prstGeom prst="line">
+            <a:avLst/>
+          </a:prstGeom>
+          <a:ln w="57150">
+            <a:solidFill>
+              <a:schemeClr val="bg1">
+                <a:lumMod val="75000"/>
+              </a:schemeClr>
+            </a:solidFill>
+          </a:ln>
+        </p:spPr>
+        <p:style>
+          <a:lnRef idx="1">
+            <a:schemeClr val="accent1"/>
+          </a:lnRef>
+          <a:fillRef idx="0">
+            <a:schemeClr val="accent1"/>
+          </a:fillRef>
+          <a:effectRef idx="0">
+            <a:schemeClr val="accent1"/>
+          </a:effectRef>
+          <a:fontRef idx="minor">
+            <a:schemeClr val="tx1"/>
+          </a:fontRef>
+        </p:style>
+      </p:cxnSp>
+      <p:cxnSp>
+        <p:nvCxnSpPr>
+          <p:cNvPr id="72" name="直線コネクタ 71">
+            <a:extLst>
+              <a:ext uri="{FF2B5EF4-FFF2-40B4-BE49-F238E27FC236}">
+                <a16:creationId xmlns:a16="http://schemas.microsoft.com/office/drawing/2014/main" id="{8BC30CAE-0095-42A5-9C84-08A7C888C484}"/>
+              </a:ext>
+            </a:extLst>
+          </p:cNvPr>
+          <p:cNvCxnSpPr>
+            <a:cxnSpLocks/>
+          </p:cNvCxnSpPr>
+          <p:nvPr/>
+        </p:nvCxnSpPr>
+        <p:spPr>
+          <a:xfrm flipV="1">
+            <a:off x="10375855" y="1178948"/>
+            <a:ext cx="0" cy="1632318"/>
+          </a:xfrm>
+          <a:prstGeom prst="line">
+            <a:avLst/>
+          </a:prstGeom>
+          <a:ln w="57150">
+            <a:solidFill>
+              <a:schemeClr val="bg1">
+                <a:lumMod val="75000"/>
+              </a:schemeClr>
+            </a:solidFill>
+          </a:ln>
+        </p:spPr>
+        <p:style>
+          <a:lnRef idx="1">
+            <a:schemeClr val="accent1"/>
+          </a:lnRef>
+          <a:fillRef idx="0">
+            <a:schemeClr val="accent1"/>
+          </a:fillRef>
+          <a:effectRef idx="0">
+            <a:schemeClr val="accent1"/>
+          </a:effectRef>
+          <a:fontRef idx="minor">
+            <a:schemeClr val="tx1"/>
+          </a:fontRef>
+        </p:style>
+      </p:cxnSp>
+      <p:cxnSp>
+        <p:nvCxnSpPr>
+          <p:cNvPr id="73" name="直線コネクタ 72">
+            <a:extLst>
+              <a:ext uri="{FF2B5EF4-FFF2-40B4-BE49-F238E27FC236}">
+                <a16:creationId xmlns:a16="http://schemas.microsoft.com/office/drawing/2014/main" id="{C7D757EB-C186-49F5-8371-783E6E3264A8}"/>
+              </a:ext>
+            </a:extLst>
+          </p:cNvPr>
+          <p:cNvCxnSpPr>
+            <a:cxnSpLocks/>
+          </p:cNvCxnSpPr>
+          <p:nvPr/>
+        </p:nvCxnSpPr>
+        <p:spPr>
+          <a:xfrm flipV="1">
+            <a:off x="10669486" y="1178948"/>
+            <a:ext cx="0" cy="1632318"/>
+          </a:xfrm>
+          <a:prstGeom prst="line">
+            <a:avLst/>
+          </a:prstGeom>
+          <a:ln w="57150">
+            <a:solidFill>
+              <a:schemeClr val="bg1">
+                <a:lumMod val="75000"/>
+              </a:schemeClr>
+            </a:solidFill>
+          </a:ln>
+        </p:spPr>
+        <p:style>
+          <a:lnRef idx="1">
+            <a:schemeClr val="accent1"/>
+          </a:lnRef>
+          <a:fillRef idx="0">
+            <a:schemeClr val="accent1"/>
+          </a:fillRef>
+          <a:effectRef idx="0">
+            <a:schemeClr val="accent1"/>
+          </a:effectRef>
+          <a:fontRef idx="minor">
+            <a:schemeClr val="tx1"/>
+          </a:fontRef>
+        </p:style>
+      </p:cxnSp>
+      <p:cxnSp>
+        <p:nvCxnSpPr>
+          <p:cNvPr id="74" name="直線コネクタ 73">
+            <a:extLst>
+              <a:ext uri="{FF2B5EF4-FFF2-40B4-BE49-F238E27FC236}">
+                <a16:creationId xmlns:a16="http://schemas.microsoft.com/office/drawing/2014/main" id="{FEA94F76-73DF-4E12-A1F7-6CD3C885A86E}"/>
+              </a:ext>
+            </a:extLst>
+          </p:cNvPr>
+          <p:cNvCxnSpPr>
+            <a:cxnSpLocks/>
+          </p:cNvCxnSpPr>
+          <p:nvPr/>
+        </p:nvCxnSpPr>
+        <p:spPr>
+          <a:xfrm flipV="1">
+            <a:off x="10963115" y="1178948"/>
+            <a:ext cx="0" cy="1632318"/>
+          </a:xfrm>
+          <a:prstGeom prst="line">
+            <a:avLst/>
+          </a:prstGeom>
+          <a:ln w="57150">
+            <a:solidFill>
+              <a:schemeClr val="bg1">
+                <a:lumMod val="75000"/>
+              </a:schemeClr>
+            </a:solidFill>
+          </a:ln>
+        </p:spPr>
+        <p:style>
+          <a:lnRef idx="1">
+            <a:schemeClr val="accent1"/>
+          </a:lnRef>
+          <a:fillRef idx="0">
+            <a:schemeClr val="accent1"/>
+          </a:fillRef>
+          <a:effectRef idx="0">
+            <a:schemeClr val="accent1"/>
+          </a:effectRef>
+          <a:fontRef idx="minor">
+            <a:schemeClr val="tx1"/>
+          </a:fontRef>
+        </p:style>
+      </p:cxnSp>
+      <p:cxnSp>
+        <p:nvCxnSpPr>
+          <p:cNvPr id="75" name="直線コネクタ 74">
+            <a:extLst>
+              <a:ext uri="{FF2B5EF4-FFF2-40B4-BE49-F238E27FC236}">
+                <a16:creationId xmlns:a16="http://schemas.microsoft.com/office/drawing/2014/main" id="{7429B879-3051-4D59-9C79-8BDEDFB026BA}"/>
+              </a:ext>
+            </a:extLst>
+          </p:cNvPr>
+          <p:cNvCxnSpPr>
+            <a:cxnSpLocks/>
+          </p:cNvCxnSpPr>
+          <p:nvPr/>
+        </p:nvCxnSpPr>
+        <p:spPr>
+          <a:xfrm rot="16200000" flipV="1">
+            <a:off x="10350330" y="547548"/>
+            <a:ext cx="0" cy="1632317"/>
+          </a:xfrm>
+          <a:prstGeom prst="line">
+            <a:avLst/>
+          </a:prstGeom>
+          <a:ln w="57150">
+            <a:solidFill>
+              <a:schemeClr val="bg1">
+                <a:lumMod val="75000"/>
+              </a:schemeClr>
+            </a:solidFill>
+          </a:ln>
+        </p:spPr>
+        <p:style>
+          <a:lnRef idx="1">
+            <a:schemeClr val="accent1"/>
+          </a:lnRef>
+          <a:fillRef idx="0">
+            <a:schemeClr val="accent1"/>
+          </a:fillRef>
+          <a:effectRef idx="0">
+            <a:schemeClr val="accent1"/>
+          </a:effectRef>
+          <a:fontRef idx="minor">
+            <a:schemeClr val="tx1"/>
+          </a:fontRef>
+        </p:style>
+      </p:cxnSp>
+      <p:cxnSp>
+        <p:nvCxnSpPr>
+          <p:cNvPr id="76" name="直線コネクタ 75">
+            <a:extLst>
+              <a:ext uri="{FF2B5EF4-FFF2-40B4-BE49-F238E27FC236}">
+                <a16:creationId xmlns:a16="http://schemas.microsoft.com/office/drawing/2014/main" id="{59DB8DE2-7C73-428E-AC46-B30418D446EB}"/>
+              </a:ext>
+            </a:extLst>
+          </p:cNvPr>
+          <p:cNvCxnSpPr>
+            <a:cxnSpLocks/>
+          </p:cNvCxnSpPr>
+          <p:nvPr/>
+        </p:nvCxnSpPr>
+        <p:spPr>
+          <a:xfrm rot="16200000" flipV="1">
+            <a:off x="10350330" y="845833"/>
+            <a:ext cx="0" cy="1632317"/>
+          </a:xfrm>
+          <a:prstGeom prst="line">
+            <a:avLst/>
+          </a:prstGeom>
+          <a:ln w="57150">
+            <a:solidFill>
+              <a:schemeClr val="bg1">
+                <a:lumMod val="75000"/>
+              </a:schemeClr>
+            </a:solidFill>
+          </a:ln>
+        </p:spPr>
+        <p:style>
+          <a:lnRef idx="1">
+            <a:schemeClr val="accent1"/>
+          </a:lnRef>
+          <a:fillRef idx="0">
+            <a:schemeClr val="accent1"/>
+          </a:fillRef>
+          <a:effectRef idx="0">
+            <a:schemeClr val="accent1"/>
+          </a:effectRef>
+          <a:fontRef idx="minor">
+            <a:schemeClr val="tx1"/>
+          </a:fontRef>
+        </p:style>
+      </p:cxnSp>
+      <p:cxnSp>
+        <p:nvCxnSpPr>
+          <p:cNvPr id="77" name="直線コネクタ 76">
+            <a:extLst>
+              <a:ext uri="{FF2B5EF4-FFF2-40B4-BE49-F238E27FC236}">
+                <a16:creationId xmlns:a16="http://schemas.microsoft.com/office/drawing/2014/main" id="{4524E981-0A04-490F-991C-EBE2B7855DD0}"/>
+              </a:ext>
+            </a:extLst>
+          </p:cNvPr>
+          <p:cNvCxnSpPr>
+            <a:cxnSpLocks/>
+          </p:cNvCxnSpPr>
+          <p:nvPr/>
+        </p:nvCxnSpPr>
+        <p:spPr>
+          <a:xfrm rot="16200000" flipV="1">
+            <a:off x="10350330" y="1144118"/>
+            <a:ext cx="0" cy="1632317"/>
+          </a:xfrm>
+          <a:prstGeom prst="line">
+            <a:avLst/>
+          </a:prstGeom>
+          <a:ln w="57150">
+            <a:solidFill>
+              <a:schemeClr val="bg1">
+                <a:lumMod val="75000"/>
+              </a:schemeClr>
+            </a:solidFill>
+          </a:ln>
+        </p:spPr>
+        <p:style>
+          <a:lnRef idx="1">
+            <a:schemeClr val="accent1"/>
+          </a:lnRef>
+          <a:fillRef idx="0">
+            <a:schemeClr val="accent1"/>
+          </a:fillRef>
+          <a:effectRef idx="0">
+            <a:schemeClr val="accent1"/>
+          </a:effectRef>
+          <a:fontRef idx="minor">
+            <a:schemeClr val="tx1"/>
+          </a:fontRef>
+        </p:style>
+      </p:cxnSp>
+      <p:cxnSp>
+        <p:nvCxnSpPr>
+          <p:cNvPr id="78" name="直線コネクタ 77">
+            <a:extLst>
+              <a:ext uri="{FF2B5EF4-FFF2-40B4-BE49-F238E27FC236}">
+                <a16:creationId xmlns:a16="http://schemas.microsoft.com/office/drawing/2014/main" id="{5838E6B6-C0BC-4862-82E0-81291E06F389}"/>
+              </a:ext>
+            </a:extLst>
+          </p:cNvPr>
+          <p:cNvCxnSpPr>
+            <a:cxnSpLocks/>
+          </p:cNvCxnSpPr>
+          <p:nvPr/>
+        </p:nvCxnSpPr>
+        <p:spPr>
+          <a:xfrm rot="16200000" flipV="1">
+            <a:off x="10350330" y="1442403"/>
+            <a:ext cx="0" cy="1632317"/>
+          </a:xfrm>
+          <a:prstGeom prst="line">
+            <a:avLst/>
+          </a:prstGeom>
+          <a:ln w="57150">
+            <a:solidFill>
+              <a:schemeClr val="bg1">
+                <a:lumMod val="75000"/>
+              </a:schemeClr>
+            </a:solidFill>
+          </a:ln>
+        </p:spPr>
+        <p:style>
+          <a:lnRef idx="1">
+            <a:schemeClr val="accent1"/>
+          </a:lnRef>
+          <a:fillRef idx="0">
+            <a:schemeClr val="accent1"/>
+          </a:fillRef>
+          <a:effectRef idx="0">
+            <a:schemeClr val="accent1"/>
+          </a:effectRef>
+          <a:fontRef idx="minor">
+            <a:schemeClr val="tx1"/>
+          </a:fontRef>
+        </p:style>
+      </p:cxnSp>
+      <p:sp>
+        <p:nvSpPr>
+          <p:cNvPr id="56" name="テキスト ボックス 55">
+            <a:extLst>
+              <a:ext uri="{FF2B5EF4-FFF2-40B4-BE49-F238E27FC236}">
+                <a16:creationId xmlns:a16="http://schemas.microsoft.com/office/drawing/2014/main" id="{0BAF7353-A031-4178-8789-0403417DC370}"/>
+              </a:ext>
+            </a:extLst>
+          </p:cNvPr>
+          <p:cNvSpPr txBox="1"/>
+          <p:nvPr/>
+        </p:nvSpPr>
+        <p:spPr>
+          <a:xfrm>
+            <a:off x="9477518" y="2217615"/>
+            <a:ext cx="310786" cy="335756"/>
+          </a:xfrm>
+          <a:prstGeom prst="rect">
+            <a:avLst/>
+          </a:prstGeom>
+          <a:noFill/>
+        </p:spPr>
+        <p:txBody>
+          <a:bodyPr wrap="square" rtlCol="0">
+            <a:spAutoFit/>
+          </a:bodyPr>
+          <a:lstStyle/>
+          <a:p>
+            <a:r>
+              <a:rPr lang="en-US" sz="1600" dirty="0"/>
+              <a:t>p</a:t>
+            </a:r>
+          </a:p>
+        </p:txBody>
+      </p:sp>
+      <p:sp>
+        <p:nvSpPr>
+          <p:cNvPr id="57" name="テキスト ボックス 56">
+            <a:extLst>
+              <a:ext uri="{FF2B5EF4-FFF2-40B4-BE49-F238E27FC236}">
+                <a16:creationId xmlns:a16="http://schemas.microsoft.com/office/drawing/2014/main" id="{EBA2239F-FE27-4E9D-80F9-1F2A718F978D}"/>
+              </a:ext>
+            </a:extLst>
+          </p:cNvPr>
+          <p:cNvSpPr txBox="1"/>
+          <p:nvPr/>
+        </p:nvSpPr>
+        <p:spPr>
+          <a:xfrm>
+            <a:off x="10669042" y="1037355"/>
+            <a:ext cx="266108" cy="348257"/>
+          </a:xfrm>
+          <a:prstGeom prst="rect">
+            <a:avLst/>
+          </a:prstGeom>
+          <a:noFill/>
+        </p:spPr>
+        <p:txBody>
+          <a:bodyPr wrap="square" rtlCol="0">
+            <a:spAutoFit/>
+          </a:bodyPr>
+          <a:lstStyle/>
+          <a:p>
+            <a:r>
+              <a:rPr lang="en-US" altLang="ja-JP" sz="1600" dirty="0"/>
+              <a:t>q</a:t>
+            </a:r>
+            <a:endParaRPr lang="en-US" sz="1600" dirty="0"/>
+          </a:p>
+        </p:txBody>
+      </p:sp>
+      <p:sp>
+        <p:nvSpPr>
+          <p:cNvPr id="18" name="フリーフォーム: 図形 17">
+            <a:extLst>
+              <a:ext uri="{FF2B5EF4-FFF2-40B4-BE49-F238E27FC236}">
+                <a16:creationId xmlns:a16="http://schemas.microsoft.com/office/drawing/2014/main" id="{DC331990-86D1-4BB9-BB1D-3ADF7F0C4019}"/>
+              </a:ext>
+            </a:extLst>
+          </p:cNvPr>
+          <p:cNvSpPr/>
+          <p:nvPr/>
+        </p:nvSpPr>
+        <p:spPr>
+          <a:xfrm>
+            <a:off x="9779726" y="1358537"/>
+            <a:ext cx="870857" cy="1201783"/>
+          </a:xfrm>
+          <a:custGeom>
+            <a:avLst/>
+            <a:gdLst>
+              <a:gd name="connsiteX0" fmla="*/ 0 w 870857"/>
+              <a:gd name="connsiteY0" fmla="*/ 1201783 h 1201783"/>
+              <a:gd name="connsiteX1" fmla="*/ 313508 w 870857"/>
+              <a:gd name="connsiteY1" fmla="*/ 1201783 h 1201783"/>
+              <a:gd name="connsiteX2" fmla="*/ 313508 w 870857"/>
+              <a:gd name="connsiteY2" fmla="*/ 896983 h 1201783"/>
+              <a:gd name="connsiteX3" fmla="*/ 592183 w 870857"/>
+              <a:gd name="connsiteY3" fmla="*/ 896983 h 1201783"/>
+              <a:gd name="connsiteX4" fmla="*/ 592183 w 870857"/>
+              <a:gd name="connsiteY4" fmla="*/ 296092 h 1201783"/>
+              <a:gd name="connsiteX5" fmla="*/ 870857 w 870857"/>
+              <a:gd name="connsiteY5" fmla="*/ 296092 h 1201783"/>
+              <a:gd name="connsiteX6" fmla="*/ 870857 w 870857"/>
+              <a:gd name="connsiteY6" fmla="*/ 0 h 1201783"/>
+            </a:gdLst>
+            <a:ahLst/>
+            <a:cxnLst>
+              <a:cxn ang="0">
+                <a:pos x="connsiteX0" y="connsiteY0"/>
+              </a:cxn>
+              <a:cxn ang="0">
+                <a:pos x="connsiteX1" y="connsiteY1"/>
+              </a:cxn>
+              <a:cxn ang="0">
+                <a:pos x="connsiteX2" y="connsiteY2"/>
+              </a:cxn>
+              <a:cxn ang="0">
+                <a:pos x="connsiteX3" y="connsiteY3"/>
+              </a:cxn>
+              <a:cxn ang="0">
+                <a:pos x="connsiteX4" y="connsiteY4"/>
+              </a:cxn>
+              <a:cxn ang="0">
+                <a:pos x="connsiteX5" y="connsiteY5"/>
+              </a:cxn>
+              <a:cxn ang="0">
+                <a:pos x="connsiteX6" y="connsiteY6"/>
+              </a:cxn>
+            </a:cxnLst>
+            <a:rect l="l" t="t" r="r" b="b"/>
+            <a:pathLst>
+              <a:path w="870857" h="1201783">
+                <a:moveTo>
+                  <a:pt x="0" y="1201783"/>
+                </a:moveTo>
+                <a:lnTo>
+                  <a:pt x="313508" y="1201783"/>
+                </a:lnTo>
+                <a:lnTo>
+                  <a:pt x="313508" y="896983"/>
+                </a:lnTo>
+                <a:lnTo>
+                  <a:pt x="592183" y="896983"/>
+                </a:lnTo>
+                <a:lnTo>
+                  <a:pt x="592183" y="296092"/>
+                </a:lnTo>
+                <a:lnTo>
+                  <a:pt x="870857" y="296092"/>
+                </a:lnTo>
+                <a:lnTo>
+                  <a:pt x="870857" y="0"/>
+                </a:lnTo>
+              </a:path>
+            </a:pathLst>
+          </a:custGeom>
+          <a:noFill/>
+          <a:ln w="57150">
+            <a:solidFill>
+              <a:schemeClr val="accent1"/>
+            </a:solidFill>
+            <a:headEnd type="oval" w="med" len="med"/>
+            <a:tailEnd type="oval" w="med" len="med"/>
+          </a:ln>
+        </p:spPr>
+        <p:style>
+          <a:lnRef idx="2">
+            <a:schemeClr val="accent1">
+              <a:shade val="50000"/>
+            </a:schemeClr>
+          </a:lnRef>
+          <a:fillRef idx="1">
+            <a:schemeClr val="accent1"/>
+          </a:fillRef>
+          <a:effectRef idx="0">
+            <a:schemeClr val="accent1"/>
+          </a:effectRef>
+          <a:fontRef idx="minor">
+            <a:schemeClr val="lt1"/>
+          </a:fontRef>
+        </p:style>
+        <p:txBody>
+          <a:bodyPr rtlCol="0" anchor="ctr"/>
+          <a:lstStyle/>
+          <a:p>
+            <a:pPr algn="ctr"/>
+            <a:endParaRPr lang="en-US"/>
+          </a:p>
+        </p:txBody>
+      </p:sp>
+      <p:sp>
+        <p:nvSpPr>
+          <p:cNvPr id="80" name="正方形/長方形 79">
+            <a:extLst>
+              <a:ext uri="{FF2B5EF4-FFF2-40B4-BE49-F238E27FC236}">
+                <a16:creationId xmlns:a16="http://schemas.microsoft.com/office/drawing/2014/main" id="{AEDCB958-898D-47DC-BEEB-0C1D1FC068DF}"/>
+              </a:ext>
+            </a:extLst>
+          </p:cNvPr>
+          <p:cNvSpPr/>
+          <p:nvPr/>
+        </p:nvSpPr>
+        <p:spPr>
+          <a:xfrm>
+            <a:off x="335284" y="3183960"/>
+            <a:ext cx="2460567" cy="2360814"/>
+          </a:xfrm>
+          <a:prstGeom prst="rect">
+            <a:avLst/>
+          </a:prstGeom>
+          <a:solidFill>
+            <a:schemeClr val="bg1">
+              <a:lumMod val="95000"/>
+            </a:schemeClr>
+          </a:solidFill>
+          <a:ln>
+            <a:noFill/>
+          </a:ln>
+        </p:spPr>
+        <p:style>
+          <a:lnRef idx="2">
+            <a:schemeClr val="accent1">
+              <a:shade val="50000"/>
+            </a:schemeClr>
+          </a:lnRef>
+          <a:fillRef idx="1">
+            <a:schemeClr val="accent1"/>
+          </a:fillRef>
+          <a:effectRef idx="0">
+            <a:schemeClr val="accent1"/>
+          </a:effectRef>
+          <a:fontRef idx="minor">
+            <a:schemeClr val="lt1"/>
+          </a:fontRef>
+        </p:style>
+        <p:txBody>
+          <a:bodyPr rtlCol="0" anchor="ctr"/>
+          <a:lstStyle/>
+          <a:p>
+            <a:pPr algn="ctr"/>
+            <a:endParaRPr lang="en-US" sz="1600"/>
+          </a:p>
+        </p:txBody>
+      </p:sp>
+      <p:sp>
+        <p:nvSpPr>
+          <p:cNvPr id="81" name="正方形/長方形 80">
+            <a:extLst>
+              <a:ext uri="{FF2B5EF4-FFF2-40B4-BE49-F238E27FC236}">
+                <a16:creationId xmlns:a16="http://schemas.microsoft.com/office/drawing/2014/main" id="{A53E3E4B-1D8F-4420-815A-E7D2A3A0757B}"/>
+              </a:ext>
+            </a:extLst>
+          </p:cNvPr>
+          <p:cNvSpPr/>
+          <p:nvPr/>
+        </p:nvSpPr>
+        <p:spPr>
+          <a:xfrm>
+            <a:off x="447129" y="3291269"/>
+            <a:ext cx="2236879" cy="2146195"/>
+          </a:xfrm>
+          <a:prstGeom prst="rect">
+            <a:avLst/>
+          </a:prstGeom>
+          <a:solidFill>
+            <a:schemeClr val="bg1"/>
+          </a:solidFill>
+          <a:ln>
+            <a:noFill/>
+          </a:ln>
+        </p:spPr>
+        <p:style>
+          <a:lnRef idx="2">
+            <a:schemeClr val="accent1">
+              <a:shade val="50000"/>
+            </a:schemeClr>
+          </a:lnRef>
+          <a:fillRef idx="1">
+            <a:schemeClr val="accent1"/>
+          </a:fillRef>
+          <a:effectRef idx="0">
+            <a:schemeClr val="accent1"/>
+          </a:effectRef>
+          <a:fontRef idx="minor">
+            <a:schemeClr val="lt1"/>
+          </a:fontRef>
+        </p:style>
+        <p:txBody>
+          <a:bodyPr rtlCol="0" anchor="ctr"/>
+          <a:lstStyle/>
+          <a:p>
+            <a:pPr algn="ctr"/>
+            <a:endParaRPr lang="en-US" sz="1600" dirty="0"/>
+          </a:p>
+        </p:txBody>
+      </p:sp>
+      <p:sp>
+        <p:nvSpPr>
+          <p:cNvPr id="82" name="テキスト ボックス 81">
+            <a:extLst>
+              <a:ext uri="{FF2B5EF4-FFF2-40B4-BE49-F238E27FC236}">
+                <a16:creationId xmlns:a16="http://schemas.microsoft.com/office/drawing/2014/main" id="{3237CB2E-F88D-4397-9A23-B5602B34A57F}"/>
+              </a:ext>
+            </a:extLst>
+          </p:cNvPr>
+          <p:cNvSpPr txBox="1"/>
+          <p:nvPr/>
+        </p:nvSpPr>
+        <p:spPr>
+          <a:xfrm>
+            <a:off x="435291" y="3291072"/>
+            <a:ext cx="2236879" cy="276999"/>
+          </a:xfrm>
+          <a:prstGeom prst="rect">
+            <a:avLst/>
+          </a:prstGeom>
+          <a:noFill/>
+        </p:spPr>
+        <p:txBody>
+          <a:bodyPr wrap="square">
+            <a:spAutoFit/>
+          </a:bodyPr>
+          <a:lstStyle/>
+          <a:p>
+            <a:pPr algn="ctr"/>
+            <a:r>
+              <a:rPr lang="en-US" sz="1200" b="1" i="0" dirty="0">
+                <a:solidFill>
+                  <a:srgbClr val="009BD6"/>
+                </a:solidFill>
+                <a:effectLst/>
+                <a:latin typeface="Trebuchet MS" panose="020B0603020202020204" pitchFamily="34" charset="0"/>
+              </a:rPr>
+              <a:t>Chebyshev Distance</a:t>
+            </a:r>
+          </a:p>
+        </p:txBody>
+      </p:sp>
+      <p:cxnSp>
+        <p:nvCxnSpPr>
+          <p:cNvPr id="83" name="直線コネクタ 82">
+            <a:extLst>
+              <a:ext uri="{FF2B5EF4-FFF2-40B4-BE49-F238E27FC236}">
+                <a16:creationId xmlns:a16="http://schemas.microsoft.com/office/drawing/2014/main" id="{F6EB120F-A3E7-43CA-9939-F61892FF1E95}"/>
+              </a:ext>
+            </a:extLst>
+          </p:cNvPr>
+          <p:cNvCxnSpPr>
+            <a:cxnSpLocks/>
+          </p:cNvCxnSpPr>
+          <p:nvPr/>
+        </p:nvCxnSpPr>
+        <p:spPr>
+          <a:xfrm flipV="1">
+            <a:off x="844554" y="3712571"/>
+            <a:ext cx="0" cy="1483925"/>
+          </a:xfrm>
+          <a:prstGeom prst="line">
+            <a:avLst/>
+          </a:prstGeom>
+          <a:ln w="57150">
+            <a:solidFill>
+              <a:schemeClr val="bg1">
+                <a:lumMod val="75000"/>
+              </a:schemeClr>
+            </a:solidFill>
+          </a:ln>
+        </p:spPr>
+        <p:style>
+          <a:lnRef idx="1">
+            <a:schemeClr val="accent1"/>
+          </a:lnRef>
+          <a:fillRef idx="0">
+            <a:schemeClr val="accent1"/>
+          </a:fillRef>
+          <a:effectRef idx="0">
+            <a:schemeClr val="accent1"/>
+          </a:effectRef>
+          <a:fontRef idx="minor">
+            <a:schemeClr val="tx1"/>
+          </a:fontRef>
+        </p:style>
+      </p:cxnSp>
+      <p:cxnSp>
+        <p:nvCxnSpPr>
+          <p:cNvPr id="84" name="直線コネクタ 83">
+            <a:extLst>
+              <a:ext uri="{FF2B5EF4-FFF2-40B4-BE49-F238E27FC236}">
+                <a16:creationId xmlns:a16="http://schemas.microsoft.com/office/drawing/2014/main" id="{D3296F77-DC39-41B4-A37A-742C0F807F32}"/>
+              </a:ext>
+            </a:extLst>
+          </p:cNvPr>
+          <p:cNvCxnSpPr>
+            <a:cxnSpLocks/>
+          </p:cNvCxnSpPr>
+          <p:nvPr/>
+        </p:nvCxnSpPr>
+        <p:spPr>
+          <a:xfrm rot="16200000" flipV="1">
+            <a:off x="1589176" y="4448489"/>
+            <a:ext cx="0" cy="1483925"/>
+          </a:xfrm>
+          <a:prstGeom prst="line">
+            <a:avLst/>
+          </a:prstGeom>
+          <a:ln w="57150">
+            <a:solidFill>
+              <a:schemeClr val="bg1">
+                <a:lumMod val="75000"/>
+              </a:schemeClr>
+            </a:solidFill>
+          </a:ln>
+        </p:spPr>
+        <p:style>
+          <a:lnRef idx="1">
+            <a:schemeClr val="accent1"/>
+          </a:lnRef>
+          <a:fillRef idx="0">
+            <a:schemeClr val="accent1"/>
+          </a:fillRef>
+          <a:effectRef idx="0">
+            <a:schemeClr val="accent1"/>
+          </a:effectRef>
+          <a:fontRef idx="minor">
+            <a:schemeClr val="tx1"/>
+          </a:fontRef>
+        </p:style>
+      </p:cxnSp>
+      <p:cxnSp>
+        <p:nvCxnSpPr>
+          <p:cNvPr id="85" name="直線コネクタ 84">
+            <a:extLst>
+              <a:ext uri="{FF2B5EF4-FFF2-40B4-BE49-F238E27FC236}">
+                <a16:creationId xmlns:a16="http://schemas.microsoft.com/office/drawing/2014/main" id="{C82562ED-4C1F-4BB6-BC82-04F394A69BD0}"/>
+              </a:ext>
+            </a:extLst>
+          </p:cNvPr>
+          <p:cNvCxnSpPr>
+            <a:cxnSpLocks/>
+          </p:cNvCxnSpPr>
+          <p:nvPr/>
+        </p:nvCxnSpPr>
+        <p:spPr>
+          <a:xfrm flipV="1">
+            <a:off x="1138185" y="3712571"/>
+            <a:ext cx="0" cy="1483925"/>
+          </a:xfrm>
+          <a:prstGeom prst="line">
+            <a:avLst/>
+          </a:prstGeom>
+          <a:ln w="57150">
+            <a:solidFill>
+              <a:schemeClr val="bg1">
+                <a:lumMod val="75000"/>
+              </a:schemeClr>
+            </a:solidFill>
+          </a:ln>
+        </p:spPr>
+        <p:style>
+          <a:lnRef idx="1">
+            <a:schemeClr val="accent1"/>
+          </a:lnRef>
+          <a:fillRef idx="0">
+            <a:schemeClr val="accent1"/>
+          </a:fillRef>
+          <a:effectRef idx="0">
+            <a:schemeClr val="accent1"/>
+          </a:effectRef>
+          <a:fontRef idx="minor">
+            <a:schemeClr val="tx1"/>
+          </a:fontRef>
+        </p:style>
+      </p:cxnSp>
+      <p:cxnSp>
+        <p:nvCxnSpPr>
+          <p:cNvPr id="86" name="直線コネクタ 85">
+            <a:extLst>
+              <a:ext uri="{FF2B5EF4-FFF2-40B4-BE49-F238E27FC236}">
+                <a16:creationId xmlns:a16="http://schemas.microsoft.com/office/drawing/2014/main" id="{F460C788-7F11-4DB9-9C26-8F74BFDDC91F}"/>
+              </a:ext>
+            </a:extLst>
+          </p:cNvPr>
+          <p:cNvCxnSpPr>
+            <a:cxnSpLocks/>
+          </p:cNvCxnSpPr>
+          <p:nvPr/>
+        </p:nvCxnSpPr>
+        <p:spPr>
+          <a:xfrm flipV="1">
+            <a:off x="1431816" y="3712571"/>
+            <a:ext cx="0" cy="1483925"/>
+          </a:xfrm>
+          <a:prstGeom prst="line">
+            <a:avLst/>
+          </a:prstGeom>
+          <a:ln w="57150">
+            <a:solidFill>
+              <a:schemeClr val="bg1">
+                <a:lumMod val="75000"/>
+              </a:schemeClr>
+            </a:solidFill>
+          </a:ln>
+        </p:spPr>
+        <p:style>
+          <a:lnRef idx="1">
+            <a:schemeClr val="accent1"/>
+          </a:lnRef>
+          <a:fillRef idx="0">
+            <a:schemeClr val="accent1"/>
+          </a:fillRef>
+          <a:effectRef idx="0">
+            <a:schemeClr val="accent1"/>
+          </a:effectRef>
+          <a:fontRef idx="minor">
+            <a:schemeClr val="tx1"/>
+          </a:fontRef>
+        </p:style>
+      </p:cxnSp>
+      <p:cxnSp>
+        <p:nvCxnSpPr>
+          <p:cNvPr id="87" name="直線コネクタ 86">
+            <a:extLst>
+              <a:ext uri="{FF2B5EF4-FFF2-40B4-BE49-F238E27FC236}">
+                <a16:creationId xmlns:a16="http://schemas.microsoft.com/office/drawing/2014/main" id="{27B0FC19-FAF0-45DE-93A5-608B601E2354}"/>
+              </a:ext>
+            </a:extLst>
+          </p:cNvPr>
+          <p:cNvCxnSpPr>
+            <a:cxnSpLocks/>
+          </p:cNvCxnSpPr>
+          <p:nvPr/>
+        </p:nvCxnSpPr>
+        <p:spPr>
+          <a:xfrm flipV="1">
+            <a:off x="1725447" y="3712571"/>
+            <a:ext cx="0" cy="1483925"/>
+          </a:xfrm>
+          <a:prstGeom prst="line">
+            <a:avLst/>
+          </a:prstGeom>
+          <a:ln w="57150">
+            <a:solidFill>
+              <a:schemeClr val="bg1">
+                <a:lumMod val="75000"/>
+              </a:schemeClr>
+            </a:solidFill>
+          </a:ln>
+        </p:spPr>
+        <p:style>
+          <a:lnRef idx="1">
+            <a:schemeClr val="accent1"/>
+          </a:lnRef>
+          <a:fillRef idx="0">
+            <a:schemeClr val="accent1"/>
+          </a:fillRef>
+          <a:effectRef idx="0">
+            <a:schemeClr val="accent1"/>
+          </a:effectRef>
+          <a:fontRef idx="minor">
+            <a:schemeClr val="tx1"/>
+          </a:fontRef>
+        </p:style>
+      </p:cxnSp>
+      <p:cxnSp>
+        <p:nvCxnSpPr>
+          <p:cNvPr id="88" name="直線コネクタ 87">
+            <a:extLst>
+              <a:ext uri="{FF2B5EF4-FFF2-40B4-BE49-F238E27FC236}">
+                <a16:creationId xmlns:a16="http://schemas.microsoft.com/office/drawing/2014/main" id="{974399C0-507B-444A-903E-4CC6674B8342}"/>
+              </a:ext>
+            </a:extLst>
+          </p:cNvPr>
+          <p:cNvCxnSpPr>
+            <a:cxnSpLocks/>
+          </p:cNvCxnSpPr>
+          <p:nvPr/>
+        </p:nvCxnSpPr>
+        <p:spPr>
+          <a:xfrm flipV="1">
+            <a:off x="2019076" y="3712571"/>
+            <a:ext cx="0" cy="1483925"/>
+          </a:xfrm>
+          <a:prstGeom prst="line">
+            <a:avLst/>
+          </a:prstGeom>
+          <a:ln w="57150">
+            <a:solidFill>
+              <a:schemeClr val="bg1">
+                <a:lumMod val="75000"/>
+              </a:schemeClr>
+            </a:solidFill>
+          </a:ln>
+        </p:spPr>
+        <p:style>
+          <a:lnRef idx="1">
+            <a:schemeClr val="accent1"/>
+          </a:lnRef>
+          <a:fillRef idx="0">
+            <a:schemeClr val="accent1"/>
+          </a:fillRef>
+          <a:effectRef idx="0">
+            <a:schemeClr val="accent1"/>
+          </a:effectRef>
+          <a:fontRef idx="minor">
+            <a:schemeClr val="tx1"/>
+          </a:fontRef>
+        </p:style>
+      </p:cxnSp>
+      <p:cxnSp>
+        <p:nvCxnSpPr>
+          <p:cNvPr id="89" name="直線コネクタ 88">
+            <a:extLst>
+              <a:ext uri="{FF2B5EF4-FFF2-40B4-BE49-F238E27FC236}">
+                <a16:creationId xmlns:a16="http://schemas.microsoft.com/office/drawing/2014/main" id="{4D69E340-F1F5-42F7-96A6-30378076E7D9}"/>
+              </a:ext>
+            </a:extLst>
+          </p:cNvPr>
+          <p:cNvCxnSpPr>
+            <a:cxnSpLocks/>
+          </p:cNvCxnSpPr>
+          <p:nvPr/>
+        </p:nvCxnSpPr>
+        <p:spPr>
+          <a:xfrm rot="16200000" flipV="1">
+            <a:off x="1589176" y="3255350"/>
+            <a:ext cx="0" cy="1483925"/>
+          </a:xfrm>
+          <a:prstGeom prst="line">
+            <a:avLst/>
+          </a:prstGeom>
+          <a:ln w="57150">
+            <a:solidFill>
+              <a:schemeClr val="bg1">
+                <a:lumMod val="75000"/>
+              </a:schemeClr>
+            </a:solidFill>
+          </a:ln>
+        </p:spPr>
+        <p:style>
+          <a:lnRef idx="1">
+            <a:schemeClr val="accent1"/>
+          </a:lnRef>
+          <a:fillRef idx="0">
+            <a:schemeClr val="accent1"/>
+          </a:fillRef>
+          <a:effectRef idx="0">
+            <a:schemeClr val="accent1"/>
+          </a:effectRef>
+          <a:fontRef idx="minor">
+            <a:schemeClr val="tx1"/>
+          </a:fontRef>
+        </p:style>
+      </p:cxnSp>
+      <p:cxnSp>
+        <p:nvCxnSpPr>
+          <p:cNvPr id="90" name="直線コネクタ 89">
+            <a:extLst>
+              <a:ext uri="{FF2B5EF4-FFF2-40B4-BE49-F238E27FC236}">
+                <a16:creationId xmlns:a16="http://schemas.microsoft.com/office/drawing/2014/main" id="{AA9ACC2E-B15D-44D2-9857-F3B9B22C581F}"/>
+              </a:ext>
+            </a:extLst>
+          </p:cNvPr>
+          <p:cNvCxnSpPr>
+            <a:cxnSpLocks/>
+          </p:cNvCxnSpPr>
+          <p:nvPr/>
+        </p:nvCxnSpPr>
+        <p:spPr>
+          <a:xfrm rot="16200000" flipV="1">
+            <a:off x="1589176" y="3553635"/>
+            <a:ext cx="0" cy="1483925"/>
+          </a:xfrm>
+          <a:prstGeom prst="line">
+            <a:avLst/>
+          </a:prstGeom>
+          <a:ln w="57150">
+            <a:solidFill>
+              <a:schemeClr val="bg1">
+                <a:lumMod val="75000"/>
+              </a:schemeClr>
+            </a:solidFill>
+          </a:ln>
+        </p:spPr>
+        <p:style>
+          <a:lnRef idx="1">
+            <a:schemeClr val="accent1"/>
+          </a:lnRef>
+          <a:fillRef idx="0">
+            <a:schemeClr val="accent1"/>
+          </a:fillRef>
+          <a:effectRef idx="0">
+            <a:schemeClr val="accent1"/>
+          </a:effectRef>
+          <a:fontRef idx="minor">
+            <a:schemeClr val="tx1"/>
+          </a:fontRef>
+        </p:style>
+      </p:cxnSp>
+      <p:cxnSp>
+        <p:nvCxnSpPr>
+          <p:cNvPr id="91" name="直線コネクタ 90">
+            <a:extLst>
+              <a:ext uri="{FF2B5EF4-FFF2-40B4-BE49-F238E27FC236}">
+                <a16:creationId xmlns:a16="http://schemas.microsoft.com/office/drawing/2014/main" id="{AFD3152E-78C2-4C2F-B395-125D58207BCC}"/>
+              </a:ext>
+            </a:extLst>
+          </p:cNvPr>
+          <p:cNvCxnSpPr>
+            <a:cxnSpLocks/>
+          </p:cNvCxnSpPr>
+          <p:nvPr/>
+        </p:nvCxnSpPr>
+        <p:spPr>
+          <a:xfrm rot="16200000" flipV="1">
+            <a:off x="1589176" y="3851920"/>
+            <a:ext cx="0" cy="1483925"/>
+          </a:xfrm>
+          <a:prstGeom prst="line">
+            <a:avLst/>
+          </a:prstGeom>
+          <a:ln w="57150">
+            <a:solidFill>
+              <a:schemeClr val="bg1">
+                <a:lumMod val="75000"/>
+              </a:schemeClr>
+            </a:solidFill>
+          </a:ln>
+        </p:spPr>
+        <p:style>
+          <a:lnRef idx="1">
+            <a:schemeClr val="accent1"/>
+          </a:lnRef>
+          <a:fillRef idx="0">
+            <a:schemeClr val="accent1"/>
+          </a:fillRef>
+          <a:effectRef idx="0">
+            <a:schemeClr val="accent1"/>
+          </a:effectRef>
+          <a:fontRef idx="minor">
+            <a:schemeClr val="tx1"/>
+          </a:fontRef>
+        </p:style>
+      </p:cxnSp>
+      <p:cxnSp>
+        <p:nvCxnSpPr>
+          <p:cNvPr id="92" name="直線コネクタ 91">
+            <a:extLst>
+              <a:ext uri="{FF2B5EF4-FFF2-40B4-BE49-F238E27FC236}">
+                <a16:creationId xmlns:a16="http://schemas.microsoft.com/office/drawing/2014/main" id="{E6A0CD3E-77A5-4336-BA35-70942CA0457A}"/>
+              </a:ext>
+            </a:extLst>
+          </p:cNvPr>
+          <p:cNvCxnSpPr>
+            <a:cxnSpLocks/>
+          </p:cNvCxnSpPr>
+          <p:nvPr/>
+        </p:nvCxnSpPr>
+        <p:spPr>
+          <a:xfrm rot="16200000" flipV="1">
+            <a:off x="1589176" y="4150205"/>
+            <a:ext cx="0" cy="1483925"/>
+          </a:xfrm>
+          <a:prstGeom prst="line">
+            <a:avLst/>
+          </a:prstGeom>
+          <a:ln w="57150">
+            <a:solidFill>
+              <a:schemeClr val="bg1">
+                <a:lumMod val="75000"/>
+              </a:schemeClr>
+            </a:solidFill>
+          </a:ln>
+        </p:spPr>
+        <p:style>
+          <a:lnRef idx="1">
+            <a:schemeClr val="accent1"/>
+          </a:lnRef>
+          <a:fillRef idx="0">
+            <a:schemeClr val="accent1"/>
+          </a:fillRef>
+          <a:effectRef idx="0">
+            <a:schemeClr val="accent1"/>
+          </a:effectRef>
+          <a:fontRef idx="minor">
+            <a:schemeClr val="tx1"/>
+          </a:fontRef>
+        </p:style>
+      </p:cxnSp>
+      <p:sp>
+        <p:nvSpPr>
+          <p:cNvPr id="53" name="正方形/長方形 52">
+            <a:extLst>
+              <a:ext uri="{FF2B5EF4-FFF2-40B4-BE49-F238E27FC236}">
+                <a16:creationId xmlns:a16="http://schemas.microsoft.com/office/drawing/2014/main" id="{511C9534-1AB7-4D83-92B9-CD3FC08DC361}"/>
+              </a:ext>
+            </a:extLst>
+          </p:cNvPr>
+          <p:cNvSpPr/>
+          <p:nvPr/>
+        </p:nvSpPr>
+        <p:spPr>
+          <a:xfrm>
+            <a:off x="873885" y="4928125"/>
+            <a:ext cx="245869" cy="244083"/>
+          </a:xfrm>
+          <a:prstGeom prst="rect">
+            <a:avLst/>
+          </a:prstGeom>
+          <a:ln>
+            <a:noFill/>
+          </a:ln>
+        </p:spPr>
+        <p:style>
+          <a:lnRef idx="2">
+            <a:schemeClr val="accent1">
+              <a:shade val="50000"/>
+            </a:schemeClr>
+          </a:lnRef>
+          <a:fillRef idx="1">
+            <a:schemeClr val="accent1"/>
+          </a:fillRef>
+          <a:effectRef idx="0">
+            <a:schemeClr val="accent1"/>
+          </a:effectRef>
+          <a:fontRef idx="minor">
+            <a:schemeClr val="lt1"/>
+          </a:fontRef>
+        </p:style>
+        <p:txBody>
+          <a:bodyPr rtlCol="0" anchor="ctr"/>
+          <a:lstStyle/>
+          <a:p>
+            <a:pPr algn="ctr"/>
+            <a:endParaRPr lang="en-US"/>
+          </a:p>
+        </p:txBody>
+      </p:sp>
+      <p:sp>
+        <p:nvSpPr>
+          <p:cNvPr id="97" name="正方形/長方形 96">
+            <a:extLst>
+              <a:ext uri="{FF2B5EF4-FFF2-40B4-BE49-F238E27FC236}">
+                <a16:creationId xmlns:a16="http://schemas.microsoft.com/office/drawing/2014/main" id="{07CC298C-DFA4-43C8-9201-A67EE52CED36}"/>
+              </a:ext>
+            </a:extLst>
+          </p:cNvPr>
+          <p:cNvSpPr/>
+          <p:nvPr/>
+        </p:nvSpPr>
+        <p:spPr>
+          <a:xfrm>
+            <a:off x="1167516" y="4635446"/>
+            <a:ext cx="245869" cy="244083"/>
+          </a:xfrm>
+          <a:prstGeom prst="rect">
+            <a:avLst/>
+          </a:prstGeom>
+          <a:solidFill>
+            <a:schemeClr val="accent1">
+              <a:lumMod val="60000"/>
+              <a:lumOff val="40000"/>
+            </a:schemeClr>
+          </a:solidFill>
+          <a:ln>
+            <a:noFill/>
+          </a:ln>
+        </p:spPr>
+        <p:style>
+          <a:lnRef idx="2">
+            <a:schemeClr val="accent1">
+              <a:shade val="50000"/>
+            </a:schemeClr>
+          </a:lnRef>
+          <a:fillRef idx="1">
+            <a:schemeClr val="accent1"/>
+          </a:fillRef>
+          <a:effectRef idx="0">
+            <a:schemeClr val="accent1"/>
+          </a:effectRef>
+          <a:fontRef idx="minor">
+            <a:schemeClr val="lt1"/>
+          </a:fontRef>
+        </p:style>
+        <p:txBody>
+          <a:bodyPr rtlCol="0" anchor="ctr"/>
+          <a:lstStyle/>
+          <a:p>
+            <a:pPr algn="ctr"/>
+            <a:endParaRPr lang="en-US"/>
+          </a:p>
+        </p:txBody>
+      </p:sp>
+      <p:sp>
+        <p:nvSpPr>
+          <p:cNvPr id="98" name="正方形/長方形 97">
+            <a:extLst>
+              <a:ext uri="{FF2B5EF4-FFF2-40B4-BE49-F238E27FC236}">
+                <a16:creationId xmlns:a16="http://schemas.microsoft.com/office/drawing/2014/main" id="{19AB2435-EE6B-4B4E-99C2-9156267E7BFA}"/>
+              </a:ext>
+            </a:extLst>
+          </p:cNvPr>
+          <p:cNvSpPr/>
+          <p:nvPr/>
+        </p:nvSpPr>
+        <p:spPr>
+          <a:xfrm>
+            <a:off x="1457824" y="4331407"/>
+            <a:ext cx="245869" cy="244083"/>
+          </a:xfrm>
+          <a:prstGeom prst="rect">
+            <a:avLst/>
+          </a:prstGeom>
+          <a:solidFill>
+            <a:schemeClr val="accent1">
+              <a:lumMod val="60000"/>
+              <a:lumOff val="40000"/>
+            </a:schemeClr>
+          </a:solidFill>
+          <a:ln>
+            <a:noFill/>
+          </a:ln>
+        </p:spPr>
+        <p:style>
+          <a:lnRef idx="2">
+            <a:schemeClr val="accent1">
+              <a:shade val="50000"/>
+            </a:schemeClr>
+          </a:lnRef>
+          <a:fillRef idx="1">
+            <a:schemeClr val="accent1"/>
+          </a:fillRef>
+          <a:effectRef idx="0">
+            <a:schemeClr val="accent1"/>
+          </a:effectRef>
+          <a:fontRef idx="minor">
+            <a:schemeClr val="lt1"/>
+          </a:fontRef>
+        </p:style>
+        <p:txBody>
+          <a:bodyPr rtlCol="0" anchor="ctr"/>
+          <a:lstStyle/>
+          <a:p>
+            <a:pPr algn="ctr"/>
+            <a:endParaRPr lang="en-US"/>
+          </a:p>
+        </p:txBody>
+      </p:sp>
+      <p:sp>
+        <p:nvSpPr>
+          <p:cNvPr id="99" name="正方形/長方形 98">
+            <a:extLst>
+              <a:ext uri="{FF2B5EF4-FFF2-40B4-BE49-F238E27FC236}">
+                <a16:creationId xmlns:a16="http://schemas.microsoft.com/office/drawing/2014/main" id="{5E2E9CA4-0854-41C0-A7AB-A0E7C844D7A0}"/>
+              </a:ext>
+            </a:extLst>
+          </p:cNvPr>
+          <p:cNvSpPr/>
+          <p:nvPr/>
+        </p:nvSpPr>
+        <p:spPr>
+          <a:xfrm>
+            <a:off x="1752025" y="4024414"/>
+            <a:ext cx="245869" cy="244083"/>
+          </a:xfrm>
+          <a:prstGeom prst="rect">
+            <a:avLst/>
+          </a:prstGeom>
+          <a:solidFill>
+            <a:schemeClr val="accent1">
+              <a:lumMod val="60000"/>
+              <a:lumOff val="40000"/>
+            </a:schemeClr>
+          </a:solidFill>
+          <a:ln>
+            <a:noFill/>
+          </a:ln>
+        </p:spPr>
+        <p:style>
+          <a:lnRef idx="2">
+            <a:schemeClr val="accent1">
+              <a:shade val="50000"/>
+            </a:schemeClr>
+          </a:lnRef>
+          <a:fillRef idx="1">
+            <a:schemeClr val="accent1"/>
+          </a:fillRef>
+          <a:effectRef idx="0">
+            <a:schemeClr val="accent1"/>
+          </a:effectRef>
+          <a:fontRef idx="minor">
+            <a:schemeClr val="lt1"/>
+          </a:fontRef>
+        </p:style>
+        <p:txBody>
+          <a:bodyPr rtlCol="0" anchor="ctr"/>
+          <a:lstStyle/>
+          <a:p>
+            <a:pPr algn="ctr"/>
+            <a:endParaRPr lang="en-US"/>
+          </a:p>
+        </p:txBody>
+      </p:sp>
+      <p:sp>
+        <p:nvSpPr>
+          <p:cNvPr id="93" name="テキスト ボックス 92">
+            <a:extLst>
+              <a:ext uri="{FF2B5EF4-FFF2-40B4-BE49-F238E27FC236}">
+                <a16:creationId xmlns:a16="http://schemas.microsoft.com/office/drawing/2014/main" id="{A8B5E67B-4684-4ABA-BF9E-A498A38D8D44}"/>
+              </a:ext>
+            </a:extLst>
+          </p:cNvPr>
+          <p:cNvSpPr txBox="1"/>
+          <p:nvPr/>
+        </p:nvSpPr>
+        <p:spPr>
+          <a:xfrm>
+            <a:off x="839972" y="4837965"/>
+            <a:ext cx="310786" cy="335756"/>
+          </a:xfrm>
+          <a:prstGeom prst="rect">
+            <a:avLst/>
+          </a:prstGeom>
+          <a:noFill/>
+        </p:spPr>
+        <p:txBody>
+          <a:bodyPr wrap="square" rtlCol="0">
+            <a:spAutoFit/>
+          </a:bodyPr>
+          <a:lstStyle/>
+          <a:p>
+            <a:r>
+              <a:rPr lang="en-US" sz="1600" dirty="0"/>
+              <a:t>p</a:t>
+            </a:r>
+          </a:p>
+        </p:txBody>
+      </p:sp>
+      <p:cxnSp>
+        <p:nvCxnSpPr>
+          <p:cNvPr id="100" name="直線コネクタ 99">
+            <a:extLst>
+              <a:ext uri="{FF2B5EF4-FFF2-40B4-BE49-F238E27FC236}">
+                <a16:creationId xmlns:a16="http://schemas.microsoft.com/office/drawing/2014/main" id="{EDA5C5CD-7124-4BD8-AF22-894A54D2EFC3}"/>
+              </a:ext>
+            </a:extLst>
+          </p:cNvPr>
+          <p:cNvCxnSpPr>
+            <a:cxnSpLocks/>
+          </p:cNvCxnSpPr>
+          <p:nvPr/>
+        </p:nvCxnSpPr>
+        <p:spPr>
+          <a:xfrm rot="16200000" flipV="1">
+            <a:off x="1587603" y="2978019"/>
+            <a:ext cx="0" cy="1483925"/>
+          </a:xfrm>
+          <a:prstGeom prst="line">
+            <a:avLst/>
+          </a:prstGeom>
+          <a:ln w="57150">
+            <a:solidFill>
+              <a:schemeClr val="bg1">
+                <a:lumMod val="75000"/>
+              </a:schemeClr>
+            </a:solidFill>
+          </a:ln>
+        </p:spPr>
+        <p:style>
+          <a:lnRef idx="1">
+            <a:schemeClr val="accent1"/>
+          </a:lnRef>
+          <a:fillRef idx="0">
+            <a:schemeClr val="accent1"/>
+          </a:fillRef>
+          <a:effectRef idx="0">
+            <a:schemeClr val="accent1"/>
+          </a:effectRef>
+          <a:fontRef idx="minor">
+            <a:schemeClr val="tx1"/>
+          </a:fontRef>
+        </p:style>
+      </p:cxnSp>
+      <p:cxnSp>
+        <p:nvCxnSpPr>
+          <p:cNvPr id="101" name="直線コネクタ 100">
+            <a:extLst>
+              <a:ext uri="{FF2B5EF4-FFF2-40B4-BE49-F238E27FC236}">
+                <a16:creationId xmlns:a16="http://schemas.microsoft.com/office/drawing/2014/main" id="{F42F1507-758E-408D-907A-91985E52213D}"/>
+              </a:ext>
+            </a:extLst>
+          </p:cNvPr>
+          <p:cNvCxnSpPr>
+            <a:cxnSpLocks/>
+          </p:cNvCxnSpPr>
+          <p:nvPr/>
+        </p:nvCxnSpPr>
+        <p:spPr>
+          <a:xfrm flipV="1">
+            <a:off x="2320857" y="3698505"/>
+            <a:ext cx="0" cy="1483925"/>
+          </a:xfrm>
+          <a:prstGeom prst="line">
+            <a:avLst/>
+          </a:prstGeom>
+          <a:ln w="57150">
+            <a:solidFill>
+              <a:schemeClr val="bg1">
+                <a:lumMod val="75000"/>
+              </a:schemeClr>
+            </a:solidFill>
+          </a:ln>
+        </p:spPr>
+        <p:style>
+          <a:lnRef idx="1">
+            <a:schemeClr val="accent1"/>
+          </a:lnRef>
+          <a:fillRef idx="0">
+            <a:schemeClr val="accent1"/>
+          </a:fillRef>
+          <a:effectRef idx="0">
+            <a:schemeClr val="accent1"/>
+          </a:effectRef>
+          <a:fontRef idx="minor">
+            <a:schemeClr val="tx1"/>
+          </a:fontRef>
+        </p:style>
+      </p:cxnSp>
+      <p:sp>
+        <p:nvSpPr>
+          <p:cNvPr id="102" name="正方形/長方形 101">
+            <a:extLst>
+              <a:ext uri="{FF2B5EF4-FFF2-40B4-BE49-F238E27FC236}">
+                <a16:creationId xmlns:a16="http://schemas.microsoft.com/office/drawing/2014/main" id="{37D73ABA-90B7-49E8-B41D-66AC57815994}"/>
+              </a:ext>
+            </a:extLst>
+          </p:cNvPr>
+          <p:cNvSpPr/>
+          <p:nvPr/>
+        </p:nvSpPr>
+        <p:spPr>
+          <a:xfrm>
+            <a:off x="1757725" y="3741720"/>
+            <a:ext cx="245869" cy="244083"/>
+          </a:xfrm>
+          <a:prstGeom prst="rect">
+            <a:avLst/>
+          </a:prstGeom>
+          <a:solidFill>
+            <a:schemeClr val="accent1">
+              <a:lumMod val="60000"/>
+              <a:lumOff val="40000"/>
+            </a:schemeClr>
+          </a:solidFill>
+          <a:ln>
+            <a:noFill/>
+          </a:ln>
+        </p:spPr>
+        <p:style>
+          <a:lnRef idx="2">
+            <a:schemeClr val="accent1">
+              <a:shade val="50000"/>
+            </a:schemeClr>
+          </a:lnRef>
+          <a:fillRef idx="1">
+            <a:schemeClr val="accent1"/>
+          </a:fillRef>
+          <a:effectRef idx="0">
+            <a:schemeClr val="accent1"/>
+          </a:effectRef>
+          <a:fontRef idx="minor">
+            <a:schemeClr val="lt1"/>
+          </a:fontRef>
+        </p:style>
+        <p:txBody>
+          <a:bodyPr rtlCol="0" anchor="ctr"/>
+          <a:lstStyle/>
+          <a:p>
+            <a:pPr algn="ctr"/>
+            <a:endParaRPr lang="en-US"/>
+          </a:p>
+        </p:txBody>
+      </p:sp>
+      <p:sp>
+        <p:nvSpPr>
+          <p:cNvPr id="94" name="テキスト ボックス 93">
+            <a:extLst>
+              <a:ext uri="{FF2B5EF4-FFF2-40B4-BE49-F238E27FC236}">
+                <a16:creationId xmlns:a16="http://schemas.microsoft.com/office/drawing/2014/main" id="{86C39F8E-7A02-4A21-B43B-49B9E717DCE8}"/>
+              </a:ext>
+            </a:extLst>
+          </p:cNvPr>
+          <p:cNvSpPr txBox="1"/>
+          <p:nvPr/>
+        </p:nvSpPr>
+        <p:spPr>
+          <a:xfrm>
+            <a:off x="1721333" y="3646350"/>
+            <a:ext cx="266108" cy="348257"/>
+          </a:xfrm>
+          <a:prstGeom prst="rect">
+            <a:avLst/>
+          </a:prstGeom>
+          <a:noFill/>
+        </p:spPr>
+        <p:txBody>
+          <a:bodyPr wrap="square" rtlCol="0">
+            <a:spAutoFit/>
+          </a:bodyPr>
+          <a:lstStyle/>
+          <a:p>
+            <a:r>
+              <a:rPr lang="en-US" altLang="ja-JP" sz="1600" dirty="0"/>
+              <a:t>q</a:t>
+            </a:r>
+            <a:endParaRPr lang="en-US" sz="1600" dirty="0"/>
+          </a:p>
+        </p:txBody>
+      </p:sp>
+      <p:sp>
+        <p:nvSpPr>
+          <p:cNvPr id="103" name="正方形/長方形 102">
+            <a:extLst>
+              <a:ext uri="{FF2B5EF4-FFF2-40B4-BE49-F238E27FC236}">
+                <a16:creationId xmlns:a16="http://schemas.microsoft.com/office/drawing/2014/main" id="{D7C391FF-8410-4FA9-9F95-24FD52476D63}"/>
+              </a:ext>
+            </a:extLst>
+          </p:cNvPr>
+          <p:cNvSpPr/>
+          <p:nvPr/>
+        </p:nvSpPr>
+        <p:spPr>
+          <a:xfrm>
+            <a:off x="9195365" y="3153396"/>
+            <a:ext cx="2460567" cy="2360814"/>
+          </a:xfrm>
+          <a:prstGeom prst="rect">
+            <a:avLst/>
+          </a:prstGeom>
+          <a:solidFill>
+            <a:schemeClr val="bg1">
+              <a:lumMod val="95000"/>
+            </a:schemeClr>
+          </a:solidFill>
+          <a:ln>
+            <a:noFill/>
+          </a:ln>
+        </p:spPr>
+        <p:style>
+          <a:lnRef idx="2">
+            <a:schemeClr val="accent1">
+              <a:shade val="50000"/>
+            </a:schemeClr>
+          </a:lnRef>
+          <a:fillRef idx="1">
+            <a:schemeClr val="accent1"/>
+          </a:fillRef>
+          <a:effectRef idx="0">
+            <a:schemeClr val="accent1"/>
+          </a:effectRef>
+          <a:fontRef idx="minor">
+            <a:schemeClr val="lt1"/>
+          </a:fontRef>
+        </p:style>
+        <p:txBody>
+          <a:bodyPr rtlCol="0" anchor="ctr"/>
+          <a:lstStyle/>
+          <a:p>
+            <a:pPr algn="ctr"/>
+            <a:endParaRPr lang="en-US" sz="1600"/>
+          </a:p>
+        </p:txBody>
+      </p:sp>
+      <p:sp>
+        <p:nvSpPr>
+          <p:cNvPr id="104" name="正方形/長方形 103">
+            <a:extLst>
+              <a:ext uri="{FF2B5EF4-FFF2-40B4-BE49-F238E27FC236}">
+                <a16:creationId xmlns:a16="http://schemas.microsoft.com/office/drawing/2014/main" id="{B6E30CD7-F550-47F4-9F40-1642E833490F}"/>
+              </a:ext>
+            </a:extLst>
+          </p:cNvPr>
+          <p:cNvSpPr/>
+          <p:nvPr/>
+        </p:nvSpPr>
+        <p:spPr>
+          <a:xfrm>
+            <a:off x="9307210" y="3260705"/>
+            <a:ext cx="2236879" cy="2146195"/>
+          </a:xfrm>
+          <a:prstGeom prst="rect">
+            <a:avLst/>
+          </a:prstGeom>
+          <a:solidFill>
+            <a:schemeClr val="bg1"/>
+          </a:solidFill>
+          <a:ln>
+            <a:noFill/>
+          </a:ln>
+        </p:spPr>
+        <p:style>
+          <a:lnRef idx="2">
+            <a:schemeClr val="accent1">
+              <a:shade val="50000"/>
+            </a:schemeClr>
+          </a:lnRef>
+          <a:fillRef idx="1">
+            <a:schemeClr val="accent1"/>
+          </a:fillRef>
+          <a:effectRef idx="0">
+            <a:schemeClr val="accent1"/>
+          </a:effectRef>
+          <a:fontRef idx="minor">
+            <a:schemeClr val="lt1"/>
+          </a:fontRef>
+        </p:style>
+        <p:txBody>
+          <a:bodyPr rtlCol="0" anchor="ctr"/>
+          <a:lstStyle/>
+          <a:p>
+            <a:pPr algn="ctr"/>
+            <a:endParaRPr lang="en-US" sz="1600" dirty="0"/>
+          </a:p>
+        </p:txBody>
+      </p:sp>
+      <p:sp>
+        <p:nvSpPr>
+          <p:cNvPr id="105" name="テキスト ボックス 104">
+            <a:extLst>
+              <a:ext uri="{FF2B5EF4-FFF2-40B4-BE49-F238E27FC236}">
+                <a16:creationId xmlns:a16="http://schemas.microsoft.com/office/drawing/2014/main" id="{A4367278-6C86-4457-BAE8-060D0253F43A}"/>
+              </a:ext>
+            </a:extLst>
+          </p:cNvPr>
+          <p:cNvSpPr txBox="1"/>
+          <p:nvPr/>
+        </p:nvSpPr>
+        <p:spPr>
+          <a:xfrm>
+            <a:off x="9295372" y="3260508"/>
+            <a:ext cx="2236879" cy="276999"/>
+          </a:xfrm>
+          <a:prstGeom prst="rect">
+            <a:avLst/>
+          </a:prstGeom>
+          <a:noFill/>
+        </p:spPr>
+        <p:txBody>
+          <a:bodyPr wrap="square">
+            <a:spAutoFit/>
+          </a:bodyPr>
+          <a:lstStyle/>
+          <a:p>
+            <a:pPr algn="ctr"/>
+            <a:r>
+              <a:rPr lang="en-US" sz="1200" b="1" i="0" dirty="0" err="1">
+                <a:solidFill>
+                  <a:srgbClr val="009BD6"/>
+                </a:solidFill>
+                <a:effectLst/>
+                <a:latin typeface="Trebuchet MS" panose="020B0603020202020204" pitchFamily="34" charset="0"/>
+              </a:rPr>
+              <a:t>Minkowski</a:t>
+            </a:r>
+            <a:r>
+              <a:rPr lang="en-US" sz="1200" b="1" i="0" dirty="0">
+                <a:solidFill>
+                  <a:srgbClr val="009BD6"/>
+                </a:solidFill>
+                <a:effectLst/>
+                <a:latin typeface="Trebuchet MS" panose="020B0603020202020204" pitchFamily="34" charset="0"/>
+              </a:rPr>
+              <a:t> Distance</a:t>
+            </a:r>
+          </a:p>
+        </p:txBody>
+      </p:sp>
+      <p:cxnSp>
+        <p:nvCxnSpPr>
+          <p:cNvPr id="106" name="直線コネクタ 105">
+            <a:extLst>
+              <a:ext uri="{FF2B5EF4-FFF2-40B4-BE49-F238E27FC236}">
+                <a16:creationId xmlns:a16="http://schemas.microsoft.com/office/drawing/2014/main" id="{88610C17-5189-45FE-9D55-AFC24F0D87E5}"/>
+              </a:ext>
+            </a:extLst>
+          </p:cNvPr>
+          <p:cNvCxnSpPr>
+            <a:cxnSpLocks/>
+          </p:cNvCxnSpPr>
+          <p:nvPr/>
+        </p:nvCxnSpPr>
+        <p:spPr>
+          <a:xfrm flipV="1">
+            <a:off x="9800431" y="3729736"/>
+            <a:ext cx="0" cy="1632318"/>
+          </a:xfrm>
+          <a:prstGeom prst="line">
+            <a:avLst/>
+          </a:prstGeom>
+          <a:ln w="57150">
+            <a:solidFill>
+              <a:schemeClr val="bg1">
+                <a:lumMod val="75000"/>
+              </a:schemeClr>
+            </a:solidFill>
+          </a:ln>
+        </p:spPr>
+        <p:style>
+          <a:lnRef idx="1">
+            <a:schemeClr val="accent1"/>
+          </a:lnRef>
+          <a:fillRef idx="0">
+            <a:schemeClr val="accent1"/>
+          </a:fillRef>
+          <a:effectRef idx="0">
+            <a:schemeClr val="accent1"/>
+          </a:effectRef>
+          <a:fontRef idx="minor">
+            <a:schemeClr val="tx1"/>
+          </a:fontRef>
+        </p:style>
+      </p:cxnSp>
+      <p:cxnSp>
+        <p:nvCxnSpPr>
+          <p:cNvPr id="107" name="直線コネクタ 106">
+            <a:extLst>
+              <a:ext uri="{FF2B5EF4-FFF2-40B4-BE49-F238E27FC236}">
+                <a16:creationId xmlns:a16="http://schemas.microsoft.com/office/drawing/2014/main" id="{4B302F77-AE83-4464-9EA1-3196CABBE93B}"/>
+              </a:ext>
+            </a:extLst>
+          </p:cNvPr>
+          <p:cNvCxnSpPr>
+            <a:cxnSpLocks/>
+          </p:cNvCxnSpPr>
+          <p:nvPr/>
+        </p:nvCxnSpPr>
+        <p:spPr>
+          <a:xfrm rot="16200000" flipV="1">
+            <a:off x="10362168" y="4291475"/>
+            <a:ext cx="0" cy="1632317"/>
+          </a:xfrm>
+          <a:prstGeom prst="line">
+            <a:avLst/>
+          </a:prstGeom>
+          <a:ln w="57150">
+            <a:solidFill>
+              <a:schemeClr val="bg1">
+                <a:lumMod val="75000"/>
+              </a:schemeClr>
+            </a:solidFill>
+          </a:ln>
+        </p:spPr>
+        <p:style>
+          <a:lnRef idx="1">
+            <a:schemeClr val="accent1"/>
+          </a:lnRef>
+          <a:fillRef idx="0">
+            <a:schemeClr val="accent1"/>
+          </a:fillRef>
+          <a:effectRef idx="0">
+            <a:schemeClr val="accent1"/>
+          </a:effectRef>
+          <a:fontRef idx="minor">
+            <a:schemeClr val="tx1"/>
+          </a:fontRef>
+        </p:style>
+      </p:cxnSp>
+      <p:cxnSp>
+        <p:nvCxnSpPr>
+          <p:cNvPr id="108" name="直線コネクタ 107">
+            <a:extLst>
+              <a:ext uri="{FF2B5EF4-FFF2-40B4-BE49-F238E27FC236}">
+                <a16:creationId xmlns:a16="http://schemas.microsoft.com/office/drawing/2014/main" id="{F2EBF974-B175-43DB-859E-16F3B152B45F}"/>
+              </a:ext>
+            </a:extLst>
+          </p:cNvPr>
+          <p:cNvCxnSpPr>
+            <a:cxnSpLocks/>
+          </p:cNvCxnSpPr>
+          <p:nvPr/>
+        </p:nvCxnSpPr>
+        <p:spPr>
+          <a:xfrm flipV="1">
+            <a:off x="10094062" y="3729736"/>
+            <a:ext cx="0" cy="1632318"/>
+          </a:xfrm>
+          <a:prstGeom prst="line">
+            <a:avLst/>
+          </a:prstGeom>
+          <a:ln w="57150">
+            <a:solidFill>
+              <a:schemeClr val="bg1">
+                <a:lumMod val="75000"/>
+              </a:schemeClr>
+            </a:solidFill>
+          </a:ln>
+        </p:spPr>
+        <p:style>
+          <a:lnRef idx="1">
+            <a:schemeClr val="accent1"/>
+          </a:lnRef>
+          <a:fillRef idx="0">
+            <a:schemeClr val="accent1"/>
+          </a:fillRef>
+          <a:effectRef idx="0">
+            <a:schemeClr val="accent1"/>
+          </a:effectRef>
+          <a:fontRef idx="minor">
+            <a:schemeClr val="tx1"/>
+          </a:fontRef>
+        </p:style>
+      </p:cxnSp>
+      <p:cxnSp>
+        <p:nvCxnSpPr>
+          <p:cNvPr id="109" name="直線コネクタ 108">
+            <a:extLst>
+              <a:ext uri="{FF2B5EF4-FFF2-40B4-BE49-F238E27FC236}">
+                <a16:creationId xmlns:a16="http://schemas.microsoft.com/office/drawing/2014/main" id="{468BEE96-9686-42A0-BA8F-0C2907D89A77}"/>
+              </a:ext>
+            </a:extLst>
+          </p:cNvPr>
+          <p:cNvCxnSpPr>
+            <a:cxnSpLocks/>
+          </p:cNvCxnSpPr>
+          <p:nvPr/>
+        </p:nvCxnSpPr>
+        <p:spPr>
+          <a:xfrm flipV="1">
+            <a:off x="10387693" y="3729736"/>
+            <a:ext cx="0" cy="1632318"/>
+          </a:xfrm>
+          <a:prstGeom prst="line">
+            <a:avLst/>
+          </a:prstGeom>
+          <a:ln w="57150">
+            <a:solidFill>
+              <a:schemeClr val="bg1">
+                <a:lumMod val="75000"/>
+              </a:schemeClr>
+            </a:solidFill>
+          </a:ln>
+        </p:spPr>
+        <p:style>
+          <a:lnRef idx="1">
+            <a:schemeClr val="accent1"/>
+          </a:lnRef>
+          <a:fillRef idx="0">
+            <a:schemeClr val="accent1"/>
+          </a:fillRef>
+          <a:effectRef idx="0">
+            <a:schemeClr val="accent1"/>
+          </a:effectRef>
+          <a:fontRef idx="minor">
+            <a:schemeClr val="tx1"/>
+          </a:fontRef>
+        </p:style>
+      </p:cxnSp>
+      <p:cxnSp>
+        <p:nvCxnSpPr>
+          <p:cNvPr id="110" name="直線コネクタ 109">
+            <a:extLst>
+              <a:ext uri="{FF2B5EF4-FFF2-40B4-BE49-F238E27FC236}">
+                <a16:creationId xmlns:a16="http://schemas.microsoft.com/office/drawing/2014/main" id="{8598780F-6530-4B19-A833-870D3ED007BF}"/>
+              </a:ext>
+            </a:extLst>
+          </p:cNvPr>
+          <p:cNvCxnSpPr>
+            <a:cxnSpLocks/>
+          </p:cNvCxnSpPr>
+          <p:nvPr/>
+        </p:nvCxnSpPr>
+        <p:spPr>
+          <a:xfrm flipV="1">
+            <a:off x="10681324" y="3729736"/>
+            <a:ext cx="0" cy="1632318"/>
+          </a:xfrm>
+          <a:prstGeom prst="line">
+            <a:avLst/>
+          </a:prstGeom>
+          <a:ln w="57150">
+            <a:solidFill>
+              <a:schemeClr val="bg1">
+                <a:lumMod val="75000"/>
+              </a:schemeClr>
+            </a:solidFill>
+          </a:ln>
+        </p:spPr>
+        <p:style>
+          <a:lnRef idx="1">
+            <a:schemeClr val="accent1"/>
+          </a:lnRef>
+          <a:fillRef idx="0">
+            <a:schemeClr val="accent1"/>
+          </a:fillRef>
+          <a:effectRef idx="0">
+            <a:schemeClr val="accent1"/>
+          </a:effectRef>
+          <a:fontRef idx="minor">
+            <a:schemeClr val="tx1"/>
+          </a:fontRef>
+        </p:style>
+      </p:cxnSp>
+      <p:cxnSp>
+        <p:nvCxnSpPr>
+          <p:cNvPr id="111" name="直線コネクタ 110">
+            <a:extLst>
+              <a:ext uri="{FF2B5EF4-FFF2-40B4-BE49-F238E27FC236}">
+                <a16:creationId xmlns:a16="http://schemas.microsoft.com/office/drawing/2014/main" id="{8B871E3A-C952-45AE-A410-624526B207F0}"/>
+              </a:ext>
+            </a:extLst>
+          </p:cNvPr>
+          <p:cNvCxnSpPr>
+            <a:cxnSpLocks/>
+          </p:cNvCxnSpPr>
+          <p:nvPr/>
+        </p:nvCxnSpPr>
+        <p:spPr>
+          <a:xfrm flipV="1">
+            <a:off x="10974953" y="3729736"/>
+            <a:ext cx="0" cy="1632318"/>
+          </a:xfrm>
+          <a:prstGeom prst="line">
+            <a:avLst/>
+          </a:prstGeom>
+          <a:ln w="57150">
+            <a:solidFill>
+              <a:schemeClr val="bg1">
+                <a:lumMod val="75000"/>
+              </a:schemeClr>
+            </a:solidFill>
+          </a:ln>
+        </p:spPr>
+        <p:style>
+          <a:lnRef idx="1">
+            <a:schemeClr val="accent1"/>
+          </a:lnRef>
+          <a:fillRef idx="0">
+            <a:schemeClr val="accent1"/>
+          </a:fillRef>
+          <a:effectRef idx="0">
+            <a:schemeClr val="accent1"/>
+          </a:effectRef>
+          <a:fontRef idx="minor">
+            <a:schemeClr val="tx1"/>
+          </a:fontRef>
+        </p:style>
+      </p:cxnSp>
+      <p:cxnSp>
+        <p:nvCxnSpPr>
+          <p:cNvPr id="112" name="直線コネクタ 111">
+            <a:extLst>
+              <a:ext uri="{FF2B5EF4-FFF2-40B4-BE49-F238E27FC236}">
+                <a16:creationId xmlns:a16="http://schemas.microsoft.com/office/drawing/2014/main" id="{DF09BCBA-F0CF-497E-8DFE-D614F609055E}"/>
+              </a:ext>
+            </a:extLst>
+          </p:cNvPr>
+          <p:cNvCxnSpPr>
+            <a:cxnSpLocks/>
+          </p:cNvCxnSpPr>
+          <p:nvPr/>
+        </p:nvCxnSpPr>
+        <p:spPr>
+          <a:xfrm rot="16200000" flipV="1">
+            <a:off x="10362168" y="3098336"/>
+            <a:ext cx="0" cy="1632317"/>
+          </a:xfrm>
+          <a:prstGeom prst="line">
+            <a:avLst/>
+          </a:prstGeom>
+          <a:ln w="57150">
+            <a:solidFill>
+              <a:schemeClr val="bg1">
+                <a:lumMod val="75000"/>
+              </a:schemeClr>
+            </a:solidFill>
+          </a:ln>
+        </p:spPr>
+        <p:style>
+          <a:lnRef idx="1">
+            <a:schemeClr val="accent1"/>
+          </a:lnRef>
+          <a:fillRef idx="0">
+            <a:schemeClr val="accent1"/>
+          </a:fillRef>
+          <a:effectRef idx="0">
+            <a:schemeClr val="accent1"/>
+          </a:effectRef>
+          <a:fontRef idx="minor">
+            <a:schemeClr val="tx1"/>
+          </a:fontRef>
+        </p:style>
+      </p:cxnSp>
+      <p:cxnSp>
+        <p:nvCxnSpPr>
+          <p:cNvPr id="113" name="直線コネクタ 112">
+            <a:extLst>
+              <a:ext uri="{FF2B5EF4-FFF2-40B4-BE49-F238E27FC236}">
+                <a16:creationId xmlns:a16="http://schemas.microsoft.com/office/drawing/2014/main" id="{932F9743-D19E-4E43-8804-67CE3381B520}"/>
+              </a:ext>
+            </a:extLst>
+          </p:cNvPr>
+          <p:cNvCxnSpPr>
+            <a:cxnSpLocks/>
+          </p:cNvCxnSpPr>
+          <p:nvPr/>
+        </p:nvCxnSpPr>
+        <p:spPr>
+          <a:xfrm rot="16200000" flipV="1">
+            <a:off x="10362168" y="3396621"/>
+            <a:ext cx="0" cy="1632317"/>
+          </a:xfrm>
+          <a:prstGeom prst="line">
+            <a:avLst/>
+          </a:prstGeom>
+          <a:ln w="57150">
+            <a:solidFill>
+              <a:schemeClr val="bg1">
+                <a:lumMod val="75000"/>
+              </a:schemeClr>
+            </a:solidFill>
+          </a:ln>
+        </p:spPr>
+        <p:style>
+          <a:lnRef idx="1">
+            <a:schemeClr val="accent1"/>
+          </a:lnRef>
+          <a:fillRef idx="0">
+            <a:schemeClr val="accent1"/>
+          </a:fillRef>
+          <a:effectRef idx="0">
+            <a:schemeClr val="accent1"/>
+          </a:effectRef>
+          <a:fontRef idx="minor">
+            <a:schemeClr val="tx1"/>
+          </a:fontRef>
+        </p:style>
+      </p:cxnSp>
+      <p:cxnSp>
+        <p:nvCxnSpPr>
+          <p:cNvPr id="114" name="直線コネクタ 113">
+            <a:extLst>
+              <a:ext uri="{FF2B5EF4-FFF2-40B4-BE49-F238E27FC236}">
+                <a16:creationId xmlns:a16="http://schemas.microsoft.com/office/drawing/2014/main" id="{2EE2D1F3-DD4C-4370-A8F2-CDC95815636F}"/>
+              </a:ext>
+            </a:extLst>
+          </p:cNvPr>
+          <p:cNvCxnSpPr>
+            <a:cxnSpLocks/>
+          </p:cNvCxnSpPr>
+          <p:nvPr/>
+        </p:nvCxnSpPr>
+        <p:spPr>
+          <a:xfrm rot="16200000" flipV="1">
+            <a:off x="10362168" y="3694906"/>
+            <a:ext cx="0" cy="1632317"/>
+          </a:xfrm>
+          <a:prstGeom prst="line">
+            <a:avLst/>
+          </a:prstGeom>
+          <a:ln w="57150">
+            <a:solidFill>
+              <a:schemeClr val="bg1">
+                <a:lumMod val="75000"/>
+              </a:schemeClr>
+            </a:solidFill>
+          </a:ln>
+        </p:spPr>
+        <p:style>
+          <a:lnRef idx="1">
+            <a:schemeClr val="accent1"/>
+          </a:lnRef>
+          <a:fillRef idx="0">
+            <a:schemeClr val="accent1"/>
+          </a:fillRef>
+          <a:effectRef idx="0">
+            <a:schemeClr val="accent1"/>
+          </a:effectRef>
+          <a:fontRef idx="minor">
+            <a:schemeClr val="tx1"/>
+          </a:fontRef>
+        </p:style>
+      </p:cxnSp>
+      <p:cxnSp>
+        <p:nvCxnSpPr>
+          <p:cNvPr id="115" name="直線コネクタ 114">
+            <a:extLst>
+              <a:ext uri="{FF2B5EF4-FFF2-40B4-BE49-F238E27FC236}">
+                <a16:creationId xmlns:a16="http://schemas.microsoft.com/office/drawing/2014/main" id="{E35D184A-371C-4597-AD0A-A671230C0CB6}"/>
+              </a:ext>
+            </a:extLst>
+          </p:cNvPr>
+          <p:cNvCxnSpPr>
+            <a:cxnSpLocks/>
+          </p:cNvCxnSpPr>
+          <p:nvPr/>
+        </p:nvCxnSpPr>
+        <p:spPr>
+          <a:xfrm rot="16200000" flipV="1">
+            <a:off x="10362168" y="3993191"/>
+            <a:ext cx="0" cy="1632317"/>
+          </a:xfrm>
+          <a:prstGeom prst="line">
+            <a:avLst/>
+          </a:prstGeom>
+          <a:ln w="57150">
+            <a:solidFill>
+              <a:schemeClr val="bg1">
+                <a:lumMod val="75000"/>
+              </a:schemeClr>
+            </a:solidFill>
+          </a:ln>
+        </p:spPr>
+        <p:style>
+          <a:lnRef idx="1">
+            <a:schemeClr val="accent1"/>
+          </a:lnRef>
+          <a:fillRef idx="0">
+            <a:schemeClr val="accent1"/>
+          </a:fillRef>
+          <a:effectRef idx="0">
+            <a:schemeClr val="accent1"/>
+          </a:effectRef>
+          <a:fontRef idx="minor">
+            <a:schemeClr val="tx1"/>
+          </a:fontRef>
+        </p:style>
+      </p:cxnSp>
+      <p:sp>
+        <p:nvSpPr>
+          <p:cNvPr id="116" name="テキスト ボックス 115">
+            <a:extLst>
+              <a:ext uri="{FF2B5EF4-FFF2-40B4-BE49-F238E27FC236}">
+                <a16:creationId xmlns:a16="http://schemas.microsoft.com/office/drawing/2014/main" id="{E5AC23A3-4633-462E-ADA7-018F99A88B32}"/>
+              </a:ext>
+            </a:extLst>
+          </p:cNvPr>
+          <p:cNvSpPr txBox="1"/>
+          <p:nvPr/>
+        </p:nvSpPr>
+        <p:spPr>
+          <a:xfrm>
+            <a:off x="9489356" y="4768403"/>
+            <a:ext cx="310786" cy="335756"/>
+          </a:xfrm>
+          <a:prstGeom prst="rect">
+            <a:avLst/>
+          </a:prstGeom>
+          <a:noFill/>
+        </p:spPr>
+        <p:txBody>
+          <a:bodyPr wrap="square" rtlCol="0">
+            <a:spAutoFit/>
+          </a:bodyPr>
+          <a:lstStyle/>
+          <a:p>
+            <a:r>
+              <a:rPr lang="en-US" sz="1600" dirty="0"/>
+              <a:t>p</a:t>
+            </a:r>
+          </a:p>
+        </p:txBody>
+      </p:sp>
+      <p:sp>
+        <p:nvSpPr>
+          <p:cNvPr id="117" name="テキスト ボックス 116">
+            <a:extLst>
+              <a:ext uri="{FF2B5EF4-FFF2-40B4-BE49-F238E27FC236}">
+                <a16:creationId xmlns:a16="http://schemas.microsoft.com/office/drawing/2014/main" id="{25E8DE27-2AEE-408F-A6DC-3FD263B474D2}"/>
+              </a:ext>
+            </a:extLst>
+          </p:cNvPr>
+          <p:cNvSpPr txBox="1"/>
+          <p:nvPr/>
+        </p:nvSpPr>
+        <p:spPr>
+          <a:xfrm>
+            <a:off x="10680880" y="3588143"/>
+            <a:ext cx="266108" cy="348257"/>
+          </a:xfrm>
+          <a:prstGeom prst="rect">
+            <a:avLst/>
+          </a:prstGeom>
+          <a:noFill/>
+        </p:spPr>
+        <p:txBody>
+          <a:bodyPr wrap="square" rtlCol="0">
+            <a:spAutoFit/>
+          </a:bodyPr>
+          <a:lstStyle/>
+          <a:p>
+            <a:r>
+              <a:rPr lang="en-US" altLang="ja-JP" sz="1600" dirty="0"/>
+              <a:t>q</a:t>
+            </a:r>
+            <a:endParaRPr lang="en-US" sz="1600" dirty="0"/>
+          </a:p>
+        </p:txBody>
+      </p:sp>
+      <p:sp>
+        <p:nvSpPr>
+          <p:cNvPr id="118" name="フリーフォーム: 図形 117">
+            <a:extLst>
+              <a:ext uri="{FF2B5EF4-FFF2-40B4-BE49-F238E27FC236}">
+                <a16:creationId xmlns:a16="http://schemas.microsoft.com/office/drawing/2014/main" id="{5F382EC2-88F7-4A97-95C4-7A6A9678DA6A}"/>
+              </a:ext>
+            </a:extLst>
+          </p:cNvPr>
+          <p:cNvSpPr/>
+          <p:nvPr/>
+        </p:nvSpPr>
+        <p:spPr>
+          <a:xfrm>
+            <a:off x="9791564" y="3909325"/>
+            <a:ext cx="870857" cy="1201783"/>
+          </a:xfrm>
+          <a:custGeom>
+            <a:avLst/>
+            <a:gdLst>
+              <a:gd name="connsiteX0" fmla="*/ 0 w 870857"/>
+              <a:gd name="connsiteY0" fmla="*/ 1201783 h 1201783"/>
+              <a:gd name="connsiteX1" fmla="*/ 313508 w 870857"/>
+              <a:gd name="connsiteY1" fmla="*/ 1201783 h 1201783"/>
+              <a:gd name="connsiteX2" fmla="*/ 313508 w 870857"/>
+              <a:gd name="connsiteY2" fmla="*/ 896983 h 1201783"/>
+              <a:gd name="connsiteX3" fmla="*/ 592183 w 870857"/>
+              <a:gd name="connsiteY3" fmla="*/ 896983 h 1201783"/>
+              <a:gd name="connsiteX4" fmla="*/ 592183 w 870857"/>
+              <a:gd name="connsiteY4" fmla="*/ 296092 h 1201783"/>
+              <a:gd name="connsiteX5" fmla="*/ 870857 w 870857"/>
+              <a:gd name="connsiteY5" fmla="*/ 296092 h 1201783"/>
+              <a:gd name="connsiteX6" fmla="*/ 870857 w 870857"/>
+              <a:gd name="connsiteY6" fmla="*/ 0 h 1201783"/>
+            </a:gdLst>
+            <a:ahLst/>
+            <a:cxnLst>
+              <a:cxn ang="0">
+                <a:pos x="connsiteX0" y="connsiteY0"/>
+              </a:cxn>
+              <a:cxn ang="0">
+                <a:pos x="connsiteX1" y="connsiteY1"/>
+              </a:cxn>
+              <a:cxn ang="0">
+                <a:pos x="connsiteX2" y="connsiteY2"/>
+              </a:cxn>
+              <a:cxn ang="0">
+                <a:pos x="connsiteX3" y="connsiteY3"/>
+              </a:cxn>
+              <a:cxn ang="0">
+                <a:pos x="connsiteX4" y="connsiteY4"/>
+              </a:cxn>
+              <a:cxn ang="0">
+                <a:pos x="connsiteX5" y="connsiteY5"/>
+              </a:cxn>
+              <a:cxn ang="0">
+                <a:pos x="connsiteX6" y="connsiteY6"/>
+              </a:cxn>
+            </a:cxnLst>
+            <a:rect l="l" t="t" r="r" b="b"/>
+            <a:pathLst>
+              <a:path w="870857" h="1201783">
+                <a:moveTo>
+                  <a:pt x="0" y="1201783"/>
+                </a:moveTo>
+                <a:lnTo>
+                  <a:pt x="313508" y="1201783"/>
+                </a:lnTo>
+                <a:lnTo>
+                  <a:pt x="313508" y="896983"/>
+                </a:lnTo>
+                <a:lnTo>
+                  <a:pt x="592183" y="896983"/>
+                </a:lnTo>
+                <a:lnTo>
+                  <a:pt x="592183" y="296092"/>
+                </a:lnTo>
+                <a:lnTo>
+                  <a:pt x="870857" y="296092"/>
+                </a:lnTo>
+                <a:lnTo>
+                  <a:pt x="870857" y="0"/>
+                </a:lnTo>
+              </a:path>
+            </a:pathLst>
+          </a:custGeom>
+          <a:noFill/>
+          <a:ln w="57150">
+            <a:solidFill>
+              <a:schemeClr val="accent1"/>
+            </a:solidFill>
+            <a:headEnd type="oval" w="med" len="med"/>
+            <a:tailEnd type="oval" w="med" len="med"/>
+          </a:ln>
+        </p:spPr>
+        <p:style>
+          <a:lnRef idx="2">
+            <a:schemeClr val="accent1">
+              <a:shade val="50000"/>
+            </a:schemeClr>
+          </a:lnRef>
+          <a:fillRef idx="1">
+            <a:schemeClr val="accent1"/>
+          </a:fillRef>
+          <a:effectRef idx="0">
+            <a:schemeClr val="accent1"/>
+          </a:effectRef>
+          <a:fontRef idx="minor">
+            <a:schemeClr val="lt1"/>
+          </a:fontRef>
+        </p:style>
+        <p:txBody>
+          <a:bodyPr rtlCol="0" anchor="ctr"/>
+          <a:lstStyle/>
+          <a:p>
+            <a:pPr algn="ctr"/>
+            <a:endParaRPr lang="en-US"/>
+          </a:p>
+        </p:txBody>
+      </p:sp>
+      <p:cxnSp>
+        <p:nvCxnSpPr>
+          <p:cNvPr id="96" name="直線コネクタ 95">
+            <a:extLst>
+              <a:ext uri="{FF2B5EF4-FFF2-40B4-BE49-F238E27FC236}">
+                <a16:creationId xmlns:a16="http://schemas.microsoft.com/office/drawing/2014/main" id="{A2C0751B-9A15-428B-A536-C39FEA22AAE7}"/>
+              </a:ext>
+            </a:extLst>
+          </p:cNvPr>
+          <p:cNvCxnSpPr>
+            <a:stCxn id="118" idx="0"/>
+            <a:endCxn id="118" idx="6"/>
+          </p:cNvCxnSpPr>
+          <p:nvPr/>
+        </p:nvCxnSpPr>
+        <p:spPr>
+          <a:xfrm flipV="1">
+            <a:off x="9791564" y="3909325"/>
+            <a:ext cx="870857" cy="1201783"/>
+          </a:xfrm>
+          <a:prstGeom prst="line">
+            <a:avLst/>
+          </a:prstGeom>
+          <a:ln w="57150">
+            <a:solidFill>
+              <a:srgbClr val="00B0F0"/>
+            </a:solidFill>
+            <a:headEnd type="oval" w="med" len="med"/>
+            <a:tailEnd type="oval" w="med" len="med"/>
+          </a:ln>
+        </p:spPr>
+        <p:style>
+          <a:lnRef idx="1">
+            <a:schemeClr val="accent2"/>
+          </a:lnRef>
+          <a:fillRef idx="0">
+            <a:schemeClr val="accent2"/>
+          </a:fillRef>
+          <a:effectRef idx="0">
+            <a:schemeClr val="accent2"/>
+          </a:effectRef>
+          <a:fontRef idx="minor">
+            <a:schemeClr val="tx1"/>
+          </a:fontRef>
+        </p:style>
+      </p:cxnSp>
     </p:spTree>
     <p:extLst>
       <p:ext uri="{BB962C8B-B14F-4D97-AF65-F5344CB8AC3E}">

--- a/contents/articles/Similarity-and-Distance-algorithms/img.pptx
+++ b/contents/articles/Similarity-and-Distance-algorithms/img.pptx
@@ -6,6 +6,7 @@
   </p:sldMasterIdLst>
   <p:sldIdLst>
     <p:sldId id="256" r:id="rId2"/>
+    <p:sldId id="257" r:id="rId3"/>
   </p:sldIdLst>
   <p:sldSz cx="12192000" cy="6858000"/>
   <p:notesSz cx="6858000" cy="9144000"/>
@@ -3637,10 +3638,10 @@
       </p:grpSpPr>
       <p:sp>
         <p:nvSpPr>
-          <p:cNvPr id="32" name="正方形/長方形 31">
-            <a:extLst>
-              <a:ext uri="{FF2B5EF4-FFF2-40B4-BE49-F238E27FC236}">
-                <a16:creationId xmlns:a16="http://schemas.microsoft.com/office/drawing/2014/main" id="{CD80A9D4-D878-4D21-B3F6-91D550AC5C4A}"/>
+          <p:cNvPr id="80" name="正方形/長方形 79">
+            <a:extLst>
+              <a:ext uri="{FF2B5EF4-FFF2-40B4-BE49-F238E27FC236}">
+                <a16:creationId xmlns:a16="http://schemas.microsoft.com/office/drawing/2014/main" id="{AEDCB958-898D-47DC-BEEB-0C1D1FC068DF}"/>
               </a:ext>
             </a:extLst>
           </p:cNvPr>
@@ -3649,7 +3650,7 @@
         </p:nvSpPr>
         <p:spPr>
           <a:xfrm>
-            <a:off x="3202073" y="615145"/>
+            <a:off x="9267923" y="460046"/>
             <a:ext cx="2460567" cy="2360814"/>
           </a:xfrm>
           <a:prstGeom prst="rect">
@@ -3691,10 +3692,10 @@
       </p:sp>
       <p:sp>
         <p:nvSpPr>
-          <p:cNvPr id="33" name="正方形/長方形 32">
-            <a:extLst>
-              <a:ext uri="{FF2B5EF4-FFF2-40B4-BE49-F238E27FC236}">
-                <a16:creationId xmlns:a16="http://schemas.microsoft.com/office/drawing/2014/main" id="{AD5E5FE6-4F01-4F94-8AE9-2C23D9B92B2A}"/>
+          <p:cNvPr id="81" name="正方形/長方形 80">
+            <a:extLst>
+              <a:ext uri="{FF2B5EF4-FFF2-40B4-BE49-F238E27FC236}">
+                <a16:creationId xmlns:a16="http://schemas.microsoft.com/office/drawing/2014/main" id="{A53E3E4B-1D8F-4420-815A-E7D2A3A0757B}"/>
               </a:ext>
             </a:extLst>
           </p:cNvPr>
@@ -3703,7 +3704,7 @@
         </p:nvSpPr>
         <p:spPr>
           <a:xfrm>
-            <a:off x="3313918" y="722454"/>
+            <a:off x="9379768" y="567355"/>
             <a:ext cx="2236879" cy="2146195"/>
           </a:xfrm>
           <a:prstGeom prst="rect">
@@ -3737,16 +3738,16 @@
           <a:lstStyle/>
           <a:p>
             <a:pPr algn="ctr"/>
-            <a:endParaRPr lang="en-US" sz="1600"/>
-          </a:p>
-        </p:txBody>
-      </p:sp>
-      <p:sp>
-        <p:nvSpPr>
-          <p:cNvPr id="25" name="正方形/長方形 24">
-            <a:extLst>
-              <a:ext uri="{FF2B5EF4-FFF2-40B4-BE49-F238E27FC236}">
-                <a16:creationId xmlns:a16="http://schemas.microsoft.com/office/drawing/2014/main" id="{16CC4C16-B880-41A5-98D8-F2A3113F2A77}"/>
+            <a:endParaRPr lang="en-US" sz="1600" dirty="0"/>
+          </a:p>
+        </p:txBody>
+      </p:sp>
+      <p:sp>
+        <p:nvSpPr>
+          <p:cNvPr id="53" name="正方形/長方形 52">
+            <a:extLst>
+              <a:ext uri="{FF2B5EF4-FFF2-40B4-BE49-F238E27FC236}">
+                <a16:creationId xmlns:a16="http://schemas.microsoft.com/office/drawing/2014/main" id="{511C9534-1AB7-4D83-92B9-CD3FC08DC361}"/>
               </a:ext>
             </a:extLst>
           </p:cNvPr>
@@ -3755,7 +3756,276 @@
         </p:nvSpPr>
         <p:spPr>
           <a:xfrm>
-            <a:off x="335284" y="617916"/>
+            <a:off x="9794230" y="2183129"/>
+            <a:ext cx="270456" cy="268491"/>
+          </a:xfrm>
+          <a:prstGeom prst="rect">
+            <a:avLst/>
+          </a:prstGeom>
+          <a:ln>
+            <a:noFill/>
+          </a:ln>
+        </p:spPr>
+        <p:style>
+          <a:lnRef idx="2">
+            <a:schemeClr val="accent1">
+              <a:shade val="50000"/>
+            </a:schemeClr>
+          </a:lnRef>
+          <a:fillRef idx="1">
+            <a:schemeClr val="accent1"/>
+          </a:fillRef>
+          <a:effectRef idx="0">
+            <a:schemeClr val="accent1"/>
+          </a:effectRef>
+          <a:fontRef idx="minor">
+            <a:schemeClr val="lt1"/>
+          </a:fontRef>
+        </p:style>
+        <p:txBody>
+          <a:bodyPr rtlCol="0" anchor="ctr"/>
+          <a:lstStyle/>
+          <a:p>
+            <a:pPr algn="ctr"/>
+            <a:endParaRPr lang="en-US"/>
+          </a:p>
+        </p:txBody>
+      </p:sp>
+      <p:sp>
+        <p:nvSpPr>
+          <p:cNvPr id="97" name="正方形/長方形 96">
+            <a:extLst>
+              <a:ext uri="{FF2B5EF4-FFF2-40B4-BE49-F238E27FC236}">
+                <a16:creationId xmlns:a16="http://schemas.microsoft.com/office/drawing/2014/main" id="{07CC298C-DFA4-43C8-9201-A67EE52CED36}"/>
+              </a:ext>
+            </a:extLst>
+          </p:cNvPr>
+          <p:cNvSpPr/>
+          <p:nvPr/>
+        </p:nvSpPr>
+        <p:spPr>
+          <a:xfrm>
+            <a:off x="10078983" y="1881572"/>
+            <a:ext cx="270456" cy="268491"/>
+          </a:xfrm>
+          <a:prstGeom prst="rect">
+            <a:avLst/>
+          </a:prstGeom>
+          <a:solidFill>
+            <a:schemeClr val="accent1">
+              <a:lumMod val="60000"/>
+              <a:lumOff val="40000"/>
+            </a:schemeClr>
+          </a:solidFill>
+          <a:ln>
+            <a:noFill/>
+          </a:ln>
+        </p:spPr>
+        <p:style>
+          <a:lnRef idx="2">
+            <a:schemeClr val="accent1">
+              <a:shade val="50000"/>
+            </a:schemeClr>
+          </a:lnRef>
+          <a:fillRef idx="1">
+            <a:schemeClr val="accent1"/>
+          </a:fillRef>
+          <a:effectRef idx="0">
+            <a:schemeClr val="accent1"/>
+          </a:effectRef>
+          <a:fontRef idx="minor">
+            <a:schemeClr val="lt1"/>
+          </a:fontRef>
+        </p:style>
+        <p:txBody>
+          <a:bodyPr rtlCol="0" anchor="ctr"/>
+          <a:lstStyle/>
+          <a:p>
+            <a:pPr algn="ctr"/>
+            <a:endParaRPr lang="en-US"/>
+          </a:p>
+        </p:txBody>
+      </p:sp>
+      <p:sp>
+        <p:nvSpPr>
+          <p:cNvPr id="98" name="正方形/長方形 97">
+            <a:extLst>
+              <a:ext uri="{FF2B5EF4-FFF2-40B4-BE49-F238E27FC236}">
+                <a16:creationId xmlns:a16="http://schemas.microsoft.com/office/drawing/2014/main" id="{19AB2435-EE6B-4B4E-99C2-9156267E7BFA}"/>
+              </a:ext>
+            </a:extLst>
+          </p:cNvPr>
+          <p:cNvSpPr/>
+          <p:nvPr/>
+        </p:nvSpPr>
+        <p:spPr>
+          <a:xfrm>
+            <a:off x="10378169" y="1586411"/>
+            <a:ext cx="270456" cy="268491"/>
+          </a:xfrm>
+          <a:prstGeom prst="rect">
+            <a:avLst/>
+          </a:prstGeom>
+          <a:solidFill>
+            <a:schemeClr val="accent1">
+              <a:lumMod val="60000"/>
+              <a:lumOff val="40000"/>
+            </a:schemeClr>
+          </a:solidFill>
+          <a:ln>
+            <a:noFill/>
+          </a:ln>
+        </p:spPr>
+        <p:style>
+          <a:lnRef idx="2">
+            <a:schemeClr val="accent1">
+              <a:shade val="50000"/>
+            </a:schemeClr>
+          </a:lnRef>
+          <a:fillRef idx="1">
+            <a:schemeClr val="accent1"/>
+          </a:fillRef>
+          <a:effectRef idx="0">
+            <a:schemeClr val="accent1"/>
+          </a:effectRef>
+          <a:fontRef idx="minor">
+            <a:schemeClr val="lt1"/>
+          </a:fontRef>
+        </p:style>
+        <p:txBody>
+          <a:bodyPr rtlCol="0" anchor="ctr"/>
+          <a:lstStyle/>
+          <a:p>
+            <a:pPr algn="ctr"/>
+            <a:endParaRPr lang="en-US"/>
+          </a:p>
+        </p:txBody>
+      </p:sp>
+      <p:sp>
+        <p:nvSpPr>
+          <p:cNvPr id="99" name="正方形/長方形 98">
+            <a:extLst>
+              <a:ext uri="{FF2B5EF4-FFF2-40B4-BE49-F238E27FC236}">
+                <a16:creationId xmlns:a16="http://schemas.microsoft.com/office/drawing/2014/main" id="{5E2E9CA4-0854-41C0-A7AB-A0E7C844D7A0}"/>
+              </a:ext>
+            </a:extLst>
+          </p:cNvPr>
+          <p:cNvSpPr/>
+          <p:nvPr/>
+        </p:nvSpPr>
+        <p:spPr>
+          <a:xfrm>
+            <a:off x="10672370" y="1288296"/>
+            <a:ext cx="270456" cy="268491"/>
+          </a:xfrm>
+          <a:prstGeom prst="rect">
+            <a:avLst/>
+          </a:prstGeom>
+          <a:solidFill>
+            <a:schemeClr val="accent1">
+              <a:lumMod val="60000"/>
+              <a:lumOff val="40000"/>
+            </a:schemeClr>
+          </a:solidFill>
+          <a:ln>
+            <a:noFill/>
+          </a:ln>
+        </p:spPr>
+        <p:style>
+          <a:lnRef idx="2">
+            <a:schemeClr val="accent1">
+              <a:shade val="50000"/>
+            </a:schemeClr>
+          </a:lnRef>
+          <a:fillRef idx="1">
+            <a:schemeClr val="accent1"/>
+          </a:fillRef>
+          <a:effectRef idx="0">
+            <a:schemeClr val="accent1"/>
+          </a:effectRef>
+          <a:fontRef idx="minor">
+            <a:schemeClr val="lt1"/>
+          </a:fontRef>
+        </p:style>
+        <p:txBody>
+          <a:bodyPr rtlCol="0" anchor="ctr"/>
+          <a:lstStyle/>
+          <a:p>
+            <a:pPr algn="ctr"/>
+            <a:endParaRPr lang="en-US"/>
+          </a:p>
+        </p:txBody>
+      </p:sp>
+      <p:sp>
+        <p:nvSpPr>
+          <p:cNvPr id="102" name="正方形/長方形 101">
+            <a:extLst>
+              <a:ext uri="{FF2B5EF4-FFF2-40B4-BE49-F238E27FC236}">
+                <a16:creationId xmlns:a16="http://schemas.microsoft.com/office/drawing/2014/main" id="{37D73ABA-90B7-49E8-B41D-66AC57815994}"/>
+              </a:ext>
+            </a:extLst>
+          </p:cNvPr>
+          <p:cNvSpPr/>
+          <p:nvPr/>
+        </p:nvSpPr>
+        <p:spPr>
+          <a:xfrm>
+            <a:off x="10669192" y="1005602"/>
+            <a:ext cx="270456" cy="268491"/>
+          </a:xfrm>
+          <a:prstGeom prst="rect">
+            <a:avLst/>
+          </a:prstGeom>
+          <a:solidFill>
+            <a:schemeClr val="accent1">
+              <a:lumMod val="60000"/>
+              <a:lumOff val="40000"/>
+            </a:schemeClr>
+          </a:solidFill>
+          <a:ln>
+            <a:noFill/>
+          </a:ln>
+        </p:spPr>
+        <p:style>
+          <a:lnRef idx="2">
+            <a:schemeClr val="accent1">
+              <a:shade val="50000"/>
+            </a:schemeClr>
+          </a:lnRef>
+          <a:fillRef idx="1">
+            <a:schemeClr val="accent1"/>
+          </a:fillRef>
+          <a:effectRef idx="0">
+            <a:schemeClr val="accent1"/>
+          </a:effectRef>
+          <a:fontRef idx="minor">
+            <a:schemeClr val="lt1"/>
+          </a:fontRef>
+        </p:style>
+        <p:txBody>
+          <a:bodyPr rtlCol="0" anchor="ctr"/>
+          <a:lstStyle/>
+          <a:p>
+            <a:pPr algn="ctr"/>
+            <a:endParaRPr lang="en-US"/>
+          </a:p>
+        </p:txBody>
+      </p:sp>
+      <p:sp>
+        <p:nvSpPr>
+          <p:cNvPr id="24" name="正方形/長方形 23">
+            <a:extLst>
+              <a:ext uri="{FF2B5EF4-FFF2-40B4-BE49-F238E27FC236}">
+                <a16:creationId xmlns:a16="http://schemas.microsoft.com/office/drawing/2014/main" id="{138E0149-4A09-487F-B5BD-E331FDEA1172}"/>
+              </a:ext>
+            </a:extLst>
+          </p:cNvPr>
+          <p:cNvSpPr/>
+          <p:nvPr/>
+        </p:nvSpPr>
+        <p:spPr>
+          <a:xfrm>
+            <a:off x="447129" y="463791"/>
             <a:ext cx="2460567" cy="2360814"/>
           </a:xfrm>
           <a:prstGeom prst="rect">
@@ -3797,10 +4067,10 @@
       </p:sp>
       <p:sp>
         <p:nvSpPr>
-          <p:cNvPr id="23" name="正方形/長方形 22">
-            <a:extLst>
-              <a:ext uri="{FF2B5EF4-FFF2-40B4-BE49-F238E27FC236}">
-                <a16:creationId xmlns:a16="http://schemas.microsoft.com/office/drawing/2014/main" id="{DB6F5935-CB13-42E5-B5C6-4E2D0E6015C4}"/>
+          <p:cNvPr id="26" name="正方形/長方形 25">
+            <a:extLst>
+              <a:ext uri="{FF2B5EF4-FFF2-40B4-BE49-F238E27FC236}">
+                <a16:creationId xmlns:a16="http://schemas.microsoft.com/office/drawing/2014/main" id="{76839AF2-5C4A-4239-8A89-26A83E111227}"/>
               </a:ext>
             </a:extLst>
           </p:cNvPr>
@@ -3809,7 +4079,7 @@
         </p:nvSpPr>
         <p:spPr>
           <a:xfrm>
-            <a:off x="447129" y="725225"/>
+            <a:off x="558974" y="571100"/>
             <a:ext cx="2236879" cy="2146195"/>
           </a:xfrm>
           <a:prstGeom prst="rect">
@@ -3843,279 +4113,16 @@
           <a:lstStyle/>
           <a:p>
             <a:pPr algn="ctr"/>
-            <a:endParaRPr lang="en-US" sz="1600"/>
-          </a:p>
-        </p:txBody>
-      </p:sp>
-      <p:cxnSp>
-        <p:nvCxnSpPr>
-          <p:cNvPr id="5" name="直線コネクタ 4">
-            <a:extLst>
-              <a:ext uri="{FF2B5EF4-FFF2-40B4-BE49-F238E27FC236}">
-                <a16:creationId xmlns:a16="http://schemas.microsoft.com/office/drawing/2014/main" id="{CE83BC4E-764E-4D8B-9C30-D4F9ED055D0E}"/>
-              </a:ext>
-            </a:extLst>
-          </p:cNvPr>
-          <p:cNvCxnSpPr/>
-          <p:nvPr/>
-        </p:nvCxnSpPr>
-        <p:spPr>
-          <a:xfrm flipV="1">
-            <a:off x="940350" y="1194256"/>
-            <a:ext cx="0" cy="1632318"/>
-          </a:xfrm>
-          <a:prstGeom prst="line">
-            <a:avLst/>
-          </a:prstGeom>
-          <a:ln w="28575">
-            <a:solidFill>
-              <a:schemeClr val="tx1">
-                <a:lumMod val="50000"/>
-                <a:lumOff val="50000"/>
-              </a:schemeClr>
-            </a:solidFill>
-          </a:ln>
-        </p:spPr>
-        <p:style>
-          <a:lnRef idx="1">
-            <a:schemeClr val="accent1"/>
-          </a:lnRef>
-          <a:fillRef idx="0">
-            <a:schemeClr val="accent1"/>
-          </a:fillRef>
-          <a:effectRef idx="0">
-            <a:schemeClr val="accent1"/>
-          </a:effectRef>
-          <a:fontRef idx="minor">
-            <a:schemeClr val="tx1"/>
-          </a:fontRef>
-        </p:style>
-      </p:cxnSp>
-      <p:cxnSp>
-        <p:nvCxnSpPr>
-          <p:cNvPr id="6" name="直線コネクタ 5">
-            <a:extLst>
-              <a:ext uri="{FF2B5EF4-FFF2-40B4-BE49-F238E27FC236}">
-                <a16:creationId xmlns:a16="http://schemas.microsoft.com/office/drawing/2014/main" id="{1D648C33-E2A3-4502-A051-E51FCE0CC95E}"/>
-              </a:ext>
-            </a:extLst>
-          </p:cNvPr>
-          <p:cNvCxnSpPr>
-            <a:cxnSpLocks/>
-          </p:cNvCxnSpPr>
-          <p:nvPr/>
-        </p:nvCxnSpPr>
-        <p:spPr>
-          <a:xfrm rot="16200000" flipV="1">
-            <a:off x="1502087" y="1755995"/>
-            <a:ext cx="0" cy="1632317"/>
-          </a:xfrm>
-          <a:prstGeom prst="line">
-            <a:avLst/>
-          </a:prstGeom>
-          <a:ln w="28575">
-            <a:solidFill>
-              <a:schemeClr val="tx1">
-                <a:lumMod val="50000"/>
-                <a:lumOff val="50000"/>
-              </a:schemeClr>
-            </a:solidFill>
-          </a:ln>
-        </p:spPr>
-        <p:style>
-          <a:lnRef idx="1">
-            <a:schemeClr val="accent1"/>
-          </a:lnRef>
-          <a:fillRef idx="0">
-            <a:schemeClr val="accent1"/>
-          </a:fillRef>
-          <a:effectRef idx="0">
-            <a:schemeClr val="accent1"/>
-          </a:effectRef>
-          <a:fontRef idx="minor">
-            <a:schemeClr val="tx1"/>
-          </a:fontRef>
-        </p:style>
-      </p:cxnSp>
-      <p:cxnSp>
-        <p:nvCxnSpPr>
-          <p:cNvPr id="10" name="直線矢印コネクタ 9">
-            <a:extLst>
-              <a:ext uri="{FF2B5EF4-FFF2-40B4-BE49-F238E27FC236}">
-                <a16:creationId xmlns:a16="http://schemas.microsoft.com/office/drawing/2014/main" id="{77E2503C-3A9A-40D4-810F-918B66BE375C}"/>
-              </a:ext>
-            </a:extLst>
-          </p:cNvPr>
-          <p:cNvCxnSpPr>
-            <a:cxnSpLocks/>
-          </p:cNvCxnSpPr>
-          <p:nvPr/>
-        </p:nvCxnSpPr>
-        <p:spPr>
-          <a:xfrm flipV="1">
-            <a:off x="940350" y="1360510"/>
-            <a:ext cx="915346" cy="1211645"/>
-          </a:xfrm>
-          <a:prstGeom prst="straightConnector1">
-            <a:avLst/>
-          </a:prstGeom>
-          <a:ln>
-            <a:solidFill>
-              <a:schemeClr val="accent1">
-                <a:lumMod val="75000"/>
-              </a:schemeClr>
-            </a:solidFill>
-            <a:tailEnd type="triangle"/>
-          </a:ln>
-        </p:spPr>
-        <p:style>
-          <a:lnRef idx="1">
-            <a:schemeClr val="accent1"/>
-          </a:lnRef>
-          <a:fillRef idx="0">
-            <a:schemeClr val="accent1"/>
-          </a:fillRef>
-          <a:effectRef idx="0">
-            <a:schemeClr val="accent1"/>
-          </a:effectRef>
-          <a:fontRef idx="minor">
-            <a:schemeClr val="tx1"/>
-          </a:fontRef>
-        </p:style>
-      </p:cxnSp>
-      <p:cxnSp>
-        <p:nvCxnSpPr>
-          <p:cNvPr id="11" name="直線矢印コネクタ 10">
-            <a:extLst>
-              <a:ext uri="{FF2B5EF4-FFF2-40B4-BE49-F238E27FC236}">
-                <a16:creationId xmlns:a16="http://schemas.microsoft.com/office/drawing/2014/main" id="{36EFFF99-25BA-4558-994C-0C18098DA50E}"/>
-              </a:ext>
-            </a:extLst>
-          </p:cNvPr>
-          <p:cNvCxnSpPr>
-            <a:cxnSpLocks/>
-          </p:cNvCxnSpPr>
-          <p:nvPr/>
-        </p:nvCxnSpPr>
-        <p:spPr>
-          <a:xfrm flipV="1">
-            <a:off x="940350" y="1883204"/>
-            <a:ext cx="1376323" cy="688949"/>
-          </a:xfrm>
-          <a:prstGeom prst="straightConnector1">
-            <a:avLst/>
-          </a:prstGeom>
-          <a:ln>
-            <a:solidFill>
-              <a:schemeClr val="accent1">
-                <a:lumMod val="75000"/>
-              </a:schemeClr>
-            </a:solidFill>
-            <a:tailEnd type="triangle"/>
-          </a:ln>
-        </p:spPr>
-        <p:style>
-          <a:lnRef idx="1">
-            <a:schemeClr val="accent1"/>
-          </a:lnRef>
-          <a:fillRef idx="0">
-            <a:schemeClr val="accent1"/>
-          </a:fillRef>
-          <a:effectRef idx="0">
-            <a:schemeClr val="accent1"/>
-          </a:effectRef>
-          <a:fontRef idx="minor">
-            <a:schemeClr val="tx1"/>
-          </a:fontRef>
-        </p:style>
-      </p:cxnSp>
-      <p:sp>
-        <p:nvSpPr>
-          <p:cNvPr id="14" name="円弧 13">
-            <a:extLst>
-              <a:ext uri="{FF2B5EF4-FFF2-40B4-BE49-F238E27FC236}">
-                <a16:creationId xmlns:a16="http://schemas.microsoft.com/office/drawing/2014/main" id="{0745DAC1-FADA-47F7-9584-70173121F96E}"/>
-              </a:ext>
-            </a:extLst>
-          </p:cNvPr>
-          <p:cNvSpPr/>
-          <p:nvPr/>
-        </p:nvSpPr>
-        <p:spPr>
-          <a:xfrm>
-            <a:off x="1172635" y="1973837"/>
-            <a:ext cx="438304" cy="522688"/>
-          </a:xfrm>
-          <a:prstGeom prst="arc">
-            <a:avLst/>
-          </a:prstGeom>
-          <a:ln>
-            <a:solidFill>
-              <a:schemeClr val="accent1">
-                <a:lumMod val="75000"/>
-              </a:schemeClr>
-            </a:solidFill>
-          </a:ln>
-        </p:spPr>
-        <p:style>
-          <a:lnRef idx="1">
-            <a:schemeClr val="accent1"/>
-          </a:lnRef>
-          <a:fillRef idx="0">
-            <a:schemeClr val="accent1"/>
-          </a:fillRef>
-          <a:effectRef idx="0">
-            <a:schemeClr val="accent1"/>
-          </a:effectRef>
-          <a:fontRef idx="minor">
-            <a:schemeClr val="tx1"/>
-          </a:fontRef>
-        </p:style>
-        <p:txBody>
-          <a:bodyPr rtlCol="0" anchor="ctr"/>
-          <a:lstStyle/>
-          <a:p>
-            <a:pPr algn="ctr"/>
-            <a:endParaRPr lang="en-US" sz="1600"/>
-          </a:p>
-        </p:txBody>
-      </p:sp>
-      <p:pic>
-        <p:nvPicPr>
-          <p:cNvPr id="16" name="図 15">
-            <a:extLst>
-              <a:ext uri="{FF2B5EF4-FFF2-40B4-BE49-F238E27FC236}">
-                <a16:creationId xmlns:a16="http://schemas.microsoft.com/office/drawing/2014/main" id="{9931AF18-5D1B-462C-AA76-0061221E1407}"/>
-              </a:ext>
-            </a:extLst>
-          </p:cNvPr>
-          <p:cNvPicPr>
-            <a:picLocks noChangeAspect="1"/>
-          </p:cNvPicPr>
-          <p:nvPr/>
-        </p:nvPicPr>
-        <p:blipFill>
-          <a:blip r:embed="rId2"/>
-          <a:stretch>
-            <a:fillRect/>
-          </a:stretch>
-        </p:blipFill>
-        <p:spPr>
-          <a:xfrm>
-            <a:off x="1636856" y="1833769"/>
-            <a:ext cx="199159" cy="242455"/>
-          </a:xfrm>
-          <a:prstGeom prst="rect">
-            <a:avLst/>
-          </a:prstGeom>
-        </p:spPr>
-      </p:pic>
-      <p:sp>
-        <p:nvSpPr>
-          <p:cNvPr id="19" name="テキスト ボックス 18">
-            <a:extLst>
-              <a:ext uri="{FF2B5EF4-FFF2-40B4-BE49-F238E27FC236}">
-                <a16:creationId xmlns:a16="http://schemas.microsoft.com/office/drawing/2014/main" id="{918E4EF9-82A5-4603-8821-20E056F61068}"/>
+            <a:endParaRPr lang="en-US" sz="1600" dirty="0"/>
+          </a:p>
+        </p:txBody>
+      </p:sp>
+      <p:sp>
+        <p:nvSpPr>
+          <p:cNvPr id="42" name="テキスト ボックス 41">
+            <a:extLst>
+              <a:ext uri="{FF2B5EF4-FFF2-40B4-BE49-F238E27FC236}">
+                <a16:creationId xmlns:a16="http://schemas.microsoft.com/office/drawing/2014/main" id="{49F64BAF-1BF4-42B4-8CE2-A23D4CB37718}"/>
               </a:ext>
             </a:extLst>
           </p:cNvPr>
@@ -4124,7 +4131,7 @@
         </p:nvSpPr>
         <p:spPr>
           <a:xfrm>
-            <a:off x="1397234" y="1236665"/>
+            <a:off x="1151225" y="1699153"/>
             <a:ext cx="310786" cy="335756"/>
           </a:xfrm>
           <a:prstGeom prst="rect">
@@ -4139,19 +4146,18 @@
           <a:lstStyle/>
           <a:p>
             <a:r>
-              <a:rPr lang="en-US" altLang="ja-JP" sz="1600" dirty="0"/>
-              <a:t>A</a:t>
-            </a:r>
-            <a:endParaRPr lang="en-US" sz="1600" dirty="0"/>
-          </a:p>
-        </p:txBody>
-      </p:sp>
-      <p:sp>
-        <p:nvSpPr>
-          <p:cNvPr id="20" name="テキスト ボックス 19">
-            <a:extLst>
-              <a:ext uri="{FF2B5EF4-FFF2-40B4-BE49-F238E27FC236}">
-                <a16:creationId xmlns:a16="http://schemas.microsoft.com/office/drawing/2014/main" id="{718B8D79-FE8B-4FAE-B512-34A43DE6DF3A}"/>
+              <a:rPr lang="en-US" sz="1600" dirty="0"/>
+              <a:t>p</a:t>
+            </a:r>
+          </a:p>
+        </p:txBody>
+      </p:sp>
+      <p:sp>
+        <p:nvSpPr>
+          <p:cNvPr id="43" name="テキスト ボックス 42">
+            <a:extLst>
+              <a:ext uri="{FF2B5EF4-FFF2-40B4-BE49-F238E27FC236}">
+                <a16:creationId xmlns:a16="http://schemas.microsoft.com/office/drawing/2014/main" id="{86B3A3FA-8CA4-473B-B176-DA26EAF6A1E8}"/>
               </a:ext>
             </a:extLst>
           </p:cNvPr>
@@ -4160,7 +4166,7 @@
         </p:nvSpPr>
         <p:spPr>
           <a:xfrm>
-            <a:off x="2125148" y="2010414"/>
+            <a:off x="2156890" y="1136427"/>
             <a:ext cx="310786" cy="335756"/>
           </a:xfrm>
           <a:prstGeom prst="rect">
@@ -4176,7 +4182,7 @@
           <a:p>
             <a:r>
               <a:rPr lang="en-US" altLang="ja-JP" sz="1600" dirty="0"/>
-              <a:t>B</a:t>
+              <a:t>q</a:t>
             </a:r>
             <a:endParaRPr lang="en-US" sz="1600" dirty="0"/>
           </a:p>
@@ -4184,10 +4190,10 @@
       </p:sp>
       <p:sp>
         <p:nvSpPr>
-          <p:cNvPr id="21" name="テキスト ボックス 20">
-            <a:extLst>
-              <a:ext uri="{FF2B5EF4-FFF2-40B4-BE49-F238E27FC236}">
-                <a16:creationId xmlns:a16="http://schemas.microsoft.com/office/drawing/2014/main" id="{4F7BBF17-FF11-4E4B-8461-247B74CC570E}"/>
+          <p:cNvPr id="44" name="テキスト ボックス 43">
+            <a:extLst>
+              <a:ext uri="{FF2B5EF4-FFF2-40B4-BE49-F238E27FC236}">
+                <a16:creationId xmlns:a16="http://schemas.microsoft.com/office/drawing/2014/main" id="{1B760FB1-0F70-48F1-A1DB-074E7B59EC0A}"/>
               </a:ext>
             </a:extLst>
           </p:cNvPr>
@@ -4196,577 +4202,7 @@
         </p:nvSpPr>
         <p:spPr>
           <a:xfrm>
-            <a:off x="1445016" y="2587052"/>
-            <a:ext cx="310786" cy="335756"/>
-          </a:xfrm>
-          <a:prstGeom prst="rect">
-            <a:avLst/>
-          </a:prstGeom>
-          <a:noFill/>
-        </p:spPr>
-        <p:txBody>
-          <a:bodyPr wrap="square" rtlCol="0">
-            <a:spAutoFit/>
-          </a:bodyPr>
-          <a:lstStyle/>
-          <a:p>
-            <a:r>
-              <a:rPr lang="en-US" altLang="ja-JP" sz="1600" dirty="0"/>
-              <a:t>X</a:t>
-            </a:r>
-            <a:endParaRPr lang="en-US" sz="1600" dirty="0"/>
-          </a:p>
-        </p:txBody>
-      </p:sp>
-      <p:sp>
-        <p:nvSpPr>
-          <p:cNvPr id="22" name="テキスト ボックス 21">
-            <a:extLst>
-              <a:ext uri="{FF2B5EF4-FFF2-40B4-BE49-F238E27FC236}">
-                <a16:creationId xmlns:a16="http://schemas.microsoft.com/office/drawing/2014/main" id="{1DB6F23C-43DC-453D-BED7-4CD54B34D7EE}"/>
-              </a:ext>
-            </a:extLst>
-          </p:cNvPr>
-          <p:cNvSpPr txBox="1"/>
-          <p:nvPr/>
-        </p:nvSpPr>
-        <p:spPr>
-          <a:xfrm>
-            <a:off x="601814" y="1756891"/>
-            <a:ext cx="310786" cy="335756"/>
-          </a:xfrm>
-          <a:prstGeom prst="rect">
-            <a:avLst/>
-          </a:prstGeom>
-          <a:noFill/>
-        </p:spPr>
-        <p:txBody>
-          <a:bodyPr wrap="square" rtlCol="0">
-            <a:spAutoFit/>
-          </a:bodyPr>
-          <a:lstStyle/>
-          <a:p>
-            <a:r>
-              <a:rPr lang="en-US" altLang="ja-JP" sz="1600" dirty="0"/>
-              <a:t>Y</a:t>
-            </a:r>
-            <a:endParaRPr lang="en-US" sz="1600" dirty="0"/>
-          </a:p>
-        </p:txBody>
-      </p:sp>
-      <p:sp>
-        <p:nvSpPr>
-          <p:cNvPr id="30" name="楕円 29">
-            <a:extLst>
-              <a:ext uri="{FF2B5EF4-FFF2-40B4-BE49-F238E27FC236}">
-                <a16:creationId xmlns:a16="http://schemas.microsoft.com/office/drawing/2014/main" id="{7B5F2E49-4BDA-4DDD-AF6E-3D533F6C13BC}"/>
-              </a:ext>
-            </a:extLst>
-          </p:cNvPr>
-          <p:cNvSpPr/>
-          <p:nvPr/>
-        </p:nvSpPr>
-        <p:spPr>
-          <a:xfrm>
-            <a:off x="3519322" y="1408616"/>
-            <a:ext cx="1279273" cy="1279273"/>
-          </a:xfrm>
-          <a:prstGeom prst="ellipse">
-            <a:avLst/>
-          </a:prstGeom>
-          <a:solidFill>
-            <a:srgbClr val="4472C4">
-              <a:alpha val="50196"/>
-            </a:srgbClr>
-          </a:solidFill>
-          <a:ln>
-            <a:noFill/>
-          </a:ln>
-        </p:spPr>
-        <p:style>
-          <a:lnRef idx="2">
-            <a:schemeClr val="accent1">
-              <a:shade val="50000"/>
-            </a:schemeClr>
-          </a:lnRef>
-          <a:fillRef idx="1">
-            <a:schemeClr val="accent1"/>
-          </a:fillRef>
-          <a:effectRef idx="0">
-            <a:schemeClr val="accent1"/>
-          </a:effectRef>
-          <a:fontRef idx="minor">
-            <a:schemeClr val="lt1"/>
-          </a:fontRef>
-        </p:style>
-        <p:txBody>
-          <a:bodyPr rtlCol="0" anchor="ctr"/>
-          <a:lstStyle/>
-          <a:p>
-            <a:pPr algn="ctr"/>
-            <a:endParaRPr lang="en-US"/>
-          </a:p>
-        </p:txBody>
-      </p:sp>
-      <p:sp>
-        <p:nvSpPr>
-          <p:cNvPr id="31" name="楕円 30">
-            <a:extLst>
-              <a:ext uri="{FF2B5EF4-FFF2-40B4-BE49-F238E27FC236}">
-                <a16:creationId xmlns:a16="http://schemas.microsoft.com/office/drawing/2014/main" id="{49BBB33F-C7C8-41EA-996F-509B2C66D870}"/>
-              </a:ext>
-            </a:extLst>
-          </p:cNvPr>
-          <p:cNvSpPr/>
-          <p:nvPr/>
-        </p:nvSpPr>
-        <p:spPr>
-          <a:xfrm>
-            <a:off x="4049482" y="1408615"/>
-            <a:ext cx="1279273" cy="1279273"/>
-          </a:xfrm>
-          <a:prstGeom prst="ellipse">
-            <a:avLst/>
-          </a:prstGeom>
-          <a:solidFill>
-            <a:srgbClr val="92D050">
-              <a:alpha val="50196"/>
-            </a:srgbClr>
-          </a:solidFill>
-          <a:ln>
-            <a:noFill/>
-          </a:ln>
-        </p:spPr>
-        <p:style>
-          <a:lnRef idx="2">
-            <a:schemeClr val="accent1">
-              <a:shade val="50000"/>
-            </a:schemeClr>
-          </a:lnRef>
-          <a:fillRef idx="1">
-            <a:schemeClr val="accent1"/>
-          </a:fillRef>
-          <a:effectRef idx="0">
-            <a:schemeClr val="accent1"/>
-          </a:effectRef>
-          <a:fontRef idx="minor">
-            <a:schemeClr val="lt1"/>
-          </a:fontRef>
-        </p:style>
-        <p:txBody>
-          <a:bodyPr rtlCol="0" anchor="ctr"/>
-          <a:lstStyle/>
-          <a:p>
-            <a:pPr algn="ctr"/>
-            <a:endParaRPr lang="en-US"/>
-          </a:p>
-        </p:txBody>
-      </p:sp>
-      <p:sp>
-        <p:nvSpPr>
-          <p:cNvPr id="35" name="テキスト ボックス 34">
-            <a:extLst>
-              <a:ext uri="{FF2B5EF4-FFF2-40B4-BE49-F238E27FC236}">
-                <a16:creationId xmlns:a16="http://schemas.microsoft.com/office/drawing/2014/main" id="{42EE9D2D-07A8-4825-8B83-B8A2DA7D9B06}"/>
-              </a:ext>
-            </a:extLst>
-          </p:cNvPr>
-          <p:cNvSpPr txBox="1"/>
-          <p:nvPr/>
-        </p:nvSpPr>
-        <p:spPr>
-          <a:xfrm>
-            <a:off x="435291" y="725028"/>
-            <a:ext cx="2236879" cy="276999"/>
-          </a:xfrm>
-          <a:prstGeom prst="rect">
-            <a:avLst/>
-          </a:prstGeom>
-          <a:noFill/>
-        </p:spPr>
-        <p:txBody>
-          <a:bodyPr wrap="square">
-            <a:spAutoFit/>
-          </a:bodyPr>
-          <a:lstStyle/>
-          <a:p>
-            <a:pPr algn="ctr"/>
-            <a:r>
-              <a:rPr lang="en-US" sz="1200" b="1" i="0" dirty="0">
-                <a:solidFill>
-                  <a:srgbClr val="009BD6"/>
-                </a:solidFill>
-                <a:effectLst/>
-                <a:latin typeface="Trebuchet MS" panose="020B0603020202020204" pitchFamily="34" charset="0"/>
-              </a:rPr>
-              <a:t>Cosine Similarity</a:t>
-            </a:r>
-          </a:p>
-        </p:txBody>
-      </p:sp>
-      <p:sp>
-        <p:nvSpPr>
-          <p:cNvPr id="36" name="テキスト ボックス 35">
-            <a:extLst>
-              <a:ext uri="{FF2B5EF4-FFF2-40B4-BE49-F238E27FC236}">
-                <a16:creationId xmlns:a16="http://schemas.microsoft.com/office/drawing/2014/main" id="{CB6DFB0F-C442-4894-9047-E94D23E24DDC}"/>
-              </a:ext>
-            </a:extLst>
-          </p:cNvPr>
-          <p:cNvSpPr txBox="1"/>
-          <p:nvPr/>
-        </p:nvSpPr>
-        <p:spPr>
-          <a:xfrm>
-            <a:off x="3313918" y="718983"/>
-            <a:ext cx="2236879" cy="276999"/>
-          </a:xfrm>
-          <a:prstGeom prst="rect">
-            <a:avLst/>
-          </a:prstGeom>
-          <a:noFill/>
-        </p:spPr>
-        <p:txBody>
-          <a:bodyPr wrap="square">
-            <a:spAutoFit/>
-          </a:bodyPr>
-          <a:lstStyle/>
-          <a:p>
-            <a:pPr algn="ctr"/>
-            <a:r>
-              <a:rPr lang="en-US" sz="1200" b="1" i="0" dirty="0">
-                <a:solidFill>
-                  <a:srgbClr val="009BD6"/>
-                </a:solidFill>
-                <a:effectLst/>
-                <a:latin typeface="Trebuchet MS" panose="020B0603020202020204" pitchFamily="34" charset="0"/>
-              </a:rPr>
-              <a:t>Jaccard Similarity</a:t>
-            </a:r>
-          </a:p>
-        </p:txBody>
-      </p:sp>
-      <p:sp>
-        <p:nvSpPr>
-          <p:cNvPr id="37" name="テキスト ボックス 36">
-            <a:extLst>
-              <a:ext uri="{FF2B5EF4-FFF2-40B4-BE49-F238E27FC236}">
-                <a16:creationId xmlns:a16="http://schemas.microsoft.com/office/drawing/2014/main" id="{89D454C9-C8C8-4A3D-BE10-0D911AE1F9D8}"/>
-              </a:ext>
-            </a:extLst>
-          </p:cNvPr>
-          <p:cNvSpPr txBox="1"/>
-          <p:nvPr/>
-        </p:nvSpPr>
-        <p:spPr>
-          <a:xfrm>
-            <a:off x="3662352" y="1880373"/>
-            <a:ext cx="310786" cy="307777"/>
-          </a:xfrm>
-          <a:prstGeom prst="rect">
-            <a:avLst/>
-          </a:prstGeom>
-          <a:noFill/>
-        </p:spPr>
-        <p:txBody>
-          <a:bodyPr wrap="square" rtlCol="0">
-            <a:spAutoFit/>
-          </a:bodyPr>
-          <a:lstStyle/>
-          <a:p>
-            <a:pPr algn="ctr"/>
-            <a:r>
-              <a:rPr lang="en-US" sz="1400" b="0" i="0" dirty="0">
-                <a:solidFill>
-                  <a:srgbClr val="222222"/>
-                </a:solidFill>
-                <a:effectLst/>
-                <a:latin typeface="Roboto"/>
-              </a:rPr>
-              <a:t>A</a:t>
-            </a:r>
-            <a:endParaRPr lang="en-US" sz="1400" dirty="0"/>
-          </a:p>
-        </p:txBody>
-      </p:sp>
-      <p:sp>
-        <p:nvSpPr>
-          <p:cNvPr id="38" name="テキスト ボックス 37">
-            <a:extLst>
-              <a:ext uri="{FF2B5EF4-FFF2-40B4-BE49-F238E27FC236}">
-                <a16:creationId xmlns:a16="http://schemas.microsoft.com/office/drawing/2014/main" id="{A2542F66-4592-42E0-BBDF-777D4E4D9229}"/>
-              </a:ext>
-            </a:extLst>
-          </p:cNvPr>
-          <p:cNvSpPr txBox="1"/>
-          <p:nvPr/>
-        </p:nvSpPr>
-        <p:spPr>
-          <a:xfrm>
-            <a:off x="4894031" y="1880373"/>
-            <a:ext cx="310786" cy="307777"/>
-          </a:xfrm>
-          <a:prstGeom prst="rect">
-            <a:avLst/>
-          </a:prstGeom>
-          <a:noFill/>
-        </p:spPr>
-        <p:txBody>
-          <a:bodyPr wrap="square" rtlCol="0">
-            <a:spAutoFit/>
-          </a:bodyPr>
-          <a:lstStyle/>
-          <a:p>
-            <a:pPr algn="ctr"/>
-            <a:r>
-              <a:rPr lang="en-US" sz="1400" b="0" i="0" dirty="0">
-                <a:solidFill>
-                  <a:srgbClr val="222222"/>
-                </a:solidFill>
-                <a:effectLst/>
-                <a:latin typeface="Roboto"/>
-              </a:rPr>
-              <a:t>B</a:t>
-            </a:r>
-            <a:endParaRPr lang="en-US" sz="1400" dirty="0"/>
-          </a:p>
-        </p:txBody>
-      </p:sp>
-      <p:sp>
-        <p:nvSpPr>
-          <p:cNvPr id="39" name="テキスト ボックス 38">
-            <a:extLst>
-              <a:ext uri="{FF2B5EF4-FFF2-40B4-BE49-F238E27FC236}">
-                <a16:creationId xmlns:a16="http://schemas.microsoft.com/office/drawing/2014/main" id="{BFEFC63F-03FC-43C6-B1DF-C0BA58029391}"/>
-              </a:ext>
-            </a:extLst>
-          </p:cNvPr>
-          <p:cNvSpPr txBox="1"/>
-          <p:nvPr/>
-        </p:nvSpPr>
-        <p:spPr>
-          <a:xfrm>
-            <a:off x="4065946" y="1880373"/>
-            <a:ext cx="732820" cy="307777"/>
-          </a:xfrm>
-          <a:prstGeom prst="rect">
-            <a:avLst/>
-          </a:prstGeom>
-          <a:noFill/>
-        </p:spPr>
-        <p:txBody>
-          <a:bodyPr wrap="square" rtlCol="0">
-            <a:spAutoFit/>
-          </a:bodyPr>
-          <a:lstStyle/>
-          <a:p>
-            <a:pPr algn="ctr"/>
-            <a:r>
-              <a:rPr lang="en-US" sz="1400" b="0" i="0" dirty="0">
-                <a:solidFill>
-                  <a:srgbClr val="222222"/>
-                </a:solidFill>
-                <a:effectLst/>
-                <a:latin typeface="Roboto"/>
-              </a:rPr>
-              <a:t>A ∩ B</a:t>
-            </a:r>
-            <a:endParaRPr lang="en-US" sz="1400" dirty="0"/>
-          </a:p>
-        </p:txBody>
-      </p:sp>
-      <p:sp>
-        <p:nvSpPr>
-          <p:cNvPr id="24" name="正方形/長方形 23">
-            <a:extLst>
-              <a:ext uri="{FF2B5EF4-FFF2-40B4-BE49-F238E27FC236}">
-                <a16:creationId xmlns:a16="http://schemas.microsoft.com/office/drawing/2014/main" id="{138E0149-4A09-487F-B5BD-E331FDEA1172}"/>
-              </a:ext>
-            </a:extLst>
-          </p:cNvPr>
-          <p:cNvSpPr/>
-          <p:nvPr/>
-        </p:nvSpPr>
-        <p:spPr>
-          <a:xfrm>
-            <a:off x="6192800" y="615145"/>
-            <a:ext cx="2460567" cy="2360814"/>
-          </a:xfrm>
-          <a:prstGeom prst="rect">
-            <a:avLst/>
-          </a:prstGeom>
-          <a:solidFill>
-            <a:schemeClr val="bg1">
-              <a:lumMod val="95000"/>
-            </a:schemeClr>
-          </a:solidFill>
-          <a:ln>
-            <a:noFill/>
-          </a:ln>
-        </p:spPr>
-        <p:style>
-          <a:lnRef idx="2">
-            <a:schemeClr val="accent1">
-              <a:shade val="50000"/>
-            </a:schemeClr>
-          </a:lnRef>
-          <a:fillRef idx="1">
-            <a:schemeClr val="accent1"/>
-          </a:fillRef>
-          <a:effectRef idx="0">
-            <a:schemeClr val="accent1"/>
-          </a:effectRef>
-          <a:fontRef idx="minor">
-            <a:schemeClr val="lt1"/>
-          </a:fontRef>
-        </p:style>
-        <p:txBody>
-          <a:bodyPr rtlCol="0" anchor="ctr"/>
-          <a:lstStyle/>
-          <a:p>
-            <a:pPr algn="ctr"/>
-            <a:endParaRPr lang="en-US" sz="1600"/>
-          </a:p>
-        </p:txBody>
-      </p:sp>
-      <p:sp>
-        <p:nvSpPr>
-          <p:cNvPr id="26" name="正方形/長方形 25">
-            <a:extLst>
-              <a:ext uri="{FF2B5EF4-FFF2-40B4-BE49-F238E27FC236}">
-                <a16:creationId xmlns:a16="http://schemas.microsoft.com/office/drawing/2014/main" id="{76839AF2-5C4A-4239-8A89-26A83E111227}"/>
-              </a:ext>
-            </a:extLst>
-          </p:cNvPr>
-          <p:cNvSpPr/>
-          <p:nvPr/>
-        </p:nvSpPr>
-        <p:spPr>
-          <a:xfrm>
-            <a:off x="6304645" y="722454"/>
-            <a:ext cx="2236879" cy="2146195"/>
-          </a:xfrm>
-          <a:prstGeom prst="rect">
-            <a:avLst/>
-          </a:prstGeom>
-          <a:solidFill>
-            <a:schemeClr val="bg1"/>
-          </a:solidFill>
-          <a:ln>
-            <a:noFill/>
-          </a:ln>
-        </p:spPr>
-        <p:style>
-          <a:lnRef idx="2">
-            <a:schemeClr val="accent1">
-              <a:shade val="50000"/>
-            </a:schemeClr>
-          </a:lnRef>
-          <a:fillRef idx="1">
-            <a:schemeClr val="accent1"/>
-          </a:fillRef>
-          <a:effectRef idx="0">
-            <a:schemeClr val="accent1"/>
-          </a:effectRef>
-          <a:fontRef idx="minor">
-            <a:schemeClr val="lt1"/>
-          </a:fontRef>
-        </p:style>
-        <p:txBody>
-          <a:bodyPr rtlCol="0" anchor="ctr"/>
-          <a:lstStyle/>
-          <a:p>
-            <a:pPr algn="ctr"/>
-            <a:endParaRPr lang="en-US" sz="1600" dirty="0"/>
-          </a:p>
-        </p:txBody>
-      </p:sp>
-      <p:sp>
-        <p:nvSpPr>
-          <p:cNvPr id="42" name="テキスト ボックス 41">
-            <a:extLst>
-              <a:ext uri="{FF2B5EF4-FFF2-40B4-BE49-F238E27FC236}">
-                <a16:creationId xmlns:a16="http://schemas.microsoft.com/office/drawing/2014/main" id="{49F64BAF-1BF4-42B4-8CE2-A23D4CB37718}"/>
-              </a:ext>
-            </a:extLst>
-          </p:cNvPr>
-          <p:cNvSpPr txBox="1"/>
-          <p:nvPr/>
-        </p:nvSpPr>
-        <p:spPr>
-          <a:xfrm>
-            <a:off x="6896896" y="1850507"/>
-            <a:ext cx="310786" cy="335756"/>
-          </a:xfrm>
-          <a:prstGeom prst="rect">
-            <a:avLst/>
-          </a:prstGeom>
-          <a:noFill/>
-        </p:spPr>
-        <p:txBody>
-          <a:bodyPr wrap="square" rtlCol="0">
-            <a:spAutoFit/>
-          </a:bodyPr>
-          <a:lstStyle/>
-          <a:p>
-            <a:r>
-              <a:rPr lang="en-US" sz="1600" dirty="0"/>
-              <a:t>p</a:t>
-            </a:r>
-          </a:p>
-        </p:txBody>
-      </p:sp>
-      <p:sp>
-        <p:nvSpPr>
-          <p:cNvPr id="43" name="テキスト ボックス 42">
-            <a:extLst>
-              <a:ext uri="{FF2B5EF4-FFF2-40B4-BE49-F238E27FC236}">
-                <a16:creationId xmlns:a16="http://schemas.microsoft.com/office/drawing/2014/main" id="{86B3A3FA-8CA4-473B-B176-DA26EAF6A1E8}"/>
-              </a:ext>
-            </a:extLst>
-          </p:cNvPr>
-          <p:cNvSpPr txBox="1"/>
-          <p:nvPr/>
-        </p:nvSpPr>
-        <p:spPr>
-          <a:xfrm>
-            <a:off x="7902561" y="1287781"/>
-            <a:ext cx="310786" cy="335756"/>
-          </a:xfrm>
-          <a:prstGeom prst="rect">
-            <a:avLst/>
-          </a:prstGeom>
-          <a:noFill/>
-        </p:spPr>
-        <p:txBody>
-          <a:bodyPr wrap="square" rtlCol="0">
-            <a:spAutoFit/>
-          </a:bodyPr>
-          <a:lstStyle/>
-          <a:p>
-            <a:r>
-              <a:rPr lang="en-US" altLang="ja-JP" sz="1600" dirty="0"/>
-              <a:t>q</a:t>
-            </a:r>
-            <a:endParaRPr lang="en-US" sz="1600" dirty="0"/>
-          </a:p>
-        </p:txBody>
-      </p:sp>
-      <p:sp>
-        <p:nvSpPr>
-          <p:cNvPr id="44" name="テキスト ボックス 43">
-            <a:extLst>
-              <a:ext uri="{FF2B5EF4-FFF2-40B4-BE49-F238E27FC236}">
-                <a16:creationId xmlns:a16="http://schemas.microsoft.com/office/drawing/2014/main" id="{1B760FB1-0F70-48F1-A1DB-074E7B59EC0A}"/>
-              </a:ext>
-            </a:extLst>
-          </p:cNvPr>
-          <p:cNvSpPr txBox="1"/>
-          <p:nvPr/>
-        </p:nvSpPr>
-        <p:spPr>
-          <a:xfrm>
-            <a:off x="7127437" y="2608444"/>
+            <a:off x="1381766" y="2457090"/>
             <a:ext cx="256848" cy="169277"/>
           </a:xfrm>
           <a:prstGeom prst="rect">
@@ -4802,7 +4238,7 @@
         </p:nvSpPr>
         <p:spPr>
           <a:xfrm>
-            <a:off x="6486299" y="2146011"/>
+            <a:off x="740628" y="1994657"/>
             <a:ext cx="256848" cy="170474"/>
           </a:xfrm>
           <a:prstGeom prst="rect">
@@ -4839,7 +4275,7 @@
         </p:nvSpPr>
         <p:spPr>
           <a:xfrm>
-            <a:off x="6292807" y="722257"/>
+            <a:off x="547136" y="570903"/>
             <a:ext cx="2236879" cy="276999"/>
           </a:xfrm>
           <a:prstGeom prst="rect">
@@ -4881,7 +4317,7 @@
         </p:nvCxnSpPr>
         <p:spPr>
           <a:xfrm>
-            <a:off x="6792714" y="1719284"/>
+            <a:off x="1047043" y="1567930"/>
             <a:ext cx="1071318" cy="0"/>
           </a:xfrm>
           <a:prstGeom prst="line">
@@ -4928,7 +4364,7 @@
         </p:nvCxnSpPr>
         <p:spPr>
           <a:xfrm>
-            <a:off x="6823944" y="2235728"/>
+            <a:off x="1078273" y="2084374"/>
             <a:ext cx="1046877" cy="0"/>
           </a:xfrm>
           <a:prstGeom prst="line">
@@ -4975,7 +4411,7 @@
         </p:nvCxnSpPr>
         <p:spPr>
           <a:xfrm flipV="1">
-            <a:off x="7238580" y="2235182"/>
+            <a:off x="1492909" y="2083828"/>
             <a:ext cx="0" cy="334200"/>
           </a:xfrm>
           <a:prstGeom prst="line">
@@ -5022,7 +4458,7 @@
         </p:nvCxnSpPr>
         <p:spPr>
           <a:xfrm flipV="1">
-            <a:off x="7870821" y="1754120"/>
+            <a:off x="2125150" y="1602766"/>
             <a:ext cx="0" cy="815262"/>
           </a:xfrm>
           <a:prstGeom prst="line">
@@ -5067,7 +4503,7 @@
         </p:nvCxnSpPr>
         <p:spPr>
           <a:xfrm flipV="1">
-            <a:off x="6797866" y="1191485"/>
+            <a:off x="1052195" y="1040131"/>
             <a:ext cx="0" cy="1632318"/>
           </a:xfrm>
           <a:prstGeom prst="line">
@@ -5113,7 +4549,7 @@
         </p:nvCxnSpPr>
         <p:spPr>
           <a:xfrm rot="16200000" flipV="1">
-            <a:off x="7359603" y="1753224"/>
+            <a:off x="1613932" y="1601870"/>
             <a:ext cx="0" cy="1632317"/>
           </a:xfrm>
           <a:prstGeom prst="line">
@@ -5159,13 +4595,13 @@
         </p:nvCxnSpPr>
         <p:spPr>
           <a:xfrm flipV="1">
-            <a:off x="7238580" y="1703060"/>
+            <a:off x="1492909" y="1551706"/>
             <a:ext cx="632241" cy="532122"/>
           </a:xfrm>
           <a:prstGeom prst="straightConnector1">
             <a:avLst/>
           </a:prstGeom>
-          <a:ln>
+          <a:ln w="28575">
             <a:solidFill>
               <a:schemeClr val="accent1">
                 <a:lumMod val="75000"/>
@@ -5204,7 +4640,7 @@
         </p:nvSpPr>
         <p:spPr>
           <a:xfrm>
-            <a:off x="7797630" y="2165983"/>
+            <a:off x="2051959" y="2014629"/>
             <a:ext cx="73631" cy="73631"/>
           </a:xfrm>
           <a:prstGeom prst="rect">
@@ -5259,7 +4695,7 @@
         </p:nvSpPr>
         <p:spPr>
           <a:xfrm>
-            <a:off x="7756719" y="2608444"/>
+            <a:off x="2011048" y="2457090"/>
             <a:ext cx="256848" cy="169277"/>
           </a:xfrm>
           <a:prstGeom prst="rect">
@@ -5295,7 +4731,7 @@
         </p:nvSpPr>
         <p:spPr>
           <a:xfrm>
-            <a:off x="6486299" y="1610426"/>
+            <a:off x="740628" y="1459072"/>
             <a:ext cx="256848" cy="169277"/>
           </a:xfrm>
           <a:prstGeom prst="rect">
@@ -5332,7 +4768,7 @@
         </p:nvSpPr>
         <p:spPr>
           <a:xfrm>
-            <a:off x="9183527" y="602608"/>
+            <a:off x="3437856" y="451254"/>
             <a:ext cx="2460567" cy="2360814"/>
           </a:xfrm>
           <a:prstGeom prst="rect">
@@ -5386,7 +4822,7 @@
         </p:nvSpPr>
         <p:spPr>
           <a:xfrm>
-            <a:off x="9295372" y="709917"/>
+            <a:off x="3549701" y="558563"/>
             <a:ext cx="2236879" cy="2146195"/>
           </a:xfrm>
           <a:prstGeom prst="rect">
@@ -5438,7 +4874,7 @@
         </p:nvSpPr>
         <p:spPr>
           <a:xfrm>
-            <a:off x="9283534" y="709720"/>
+            <a:off x="3537863" y="558366"/>
             <a:ext cx="2236879" cy="276999"/>
           </a:xfrm>
           <a:prstGeom prst="rect">
@@ -5482,7 +4918,7 @@
         </p:nvCxnSpPr>
         <p:spPr>
           <a:xfrm flipV="1">
-            <a:off x="9788593" y="1178948"/>
+            <a:off x="4042922" y="1027594"/>
             <a:ext cx="0" cy="1632318"/>
           </a:xfrm>
           <a:prstGeom prst="line">
@@ -5527,7 +4963,7 @@
         </p:nvCxnSpPr>
         <p:spPr>
           <a:xfrm rot="16200000" flipV="1">
-            <a:off x="10350330" y="1740687"/>
+            <a:off x="4604659" y="1589333"/>
             <a:ext cx="0" cy="1632317"/>
           </a:xfrm>
           <a:prstGeom prst="line">
@@ -5572,7 +5008,7 @@
         </p:nvCxnSpPr>
         <p:spPr>
           <a:xfrm flipV="1">
-            <a:off x="10082224" y="1178948"/>
+            <a:off x="4336553" y="1027594"/>
             <a:ext cx="0" cy="1632318"/>
           </a:xfrm>
           <a:prstGeom prst="line">
@@ -5617,7 +5053,7 @@
         </p:nvCxnSpPr>
         <p:spPr>
           <a:xfrm flipV="1">
-            <a:off x="10375855" y="1178948"/>
+            <a:off x="4630184" y="1027594"/>
             <a:ext cx="0" cy="1632318"/>
           </a:xfrm>
           <a:prstGeom prst="line">
@@ -5662,7 +5098,7 @@
         </p:nvCxnSpPr>
         <p:spPr>
           <a:xfrm flipV="1">
-            <a:off x="10669486" y="1178948"/>
+            <a:off x="4923815" y="1027594"/>
             <a:ext cx="0" cy="1632318"/>
           </a:xfrm>
           <a:prstGeom prst="line">
@@ -5707,7 +5143,7 @@
         </p:nvCxnSpPr>
         <p:spPr>
           <a:xfrm flipV="1">
-            <a:off x="10963115" y="1178948"/>
+            <a:off x="5217444" y="1027594"/>
             <a:ext cx="0" cy="1632318"/>
           </a:xfrm>
           <a:prstGeom prst="line">
@@ -5752,7 +5188,7 @@
         </p:nvCxnSpPr>
         <p:spPr>
           <a:xfrm rot="16200000" flipV="1">
-            <a:off x="10350330" y="547548"/>
+            <a:off x="4604659" y="396194"/>
             <a:ext cx="0" cy="1632317"/>
           </a:xfrm>
           <a:prstGeom prst="line">
@@ -5797,7 +5233,7 @@
         </p:nvCxnSpPr>
         <p:spPr>
           <a:xfrm rot="16200000" flipV="1">
-            <a:off x="10350330" y="845833"/>
+            <a:off x="4604659" y="694479"/>
             <a:ext cx="0" cy="1632317"/>
           </a:xfrm>
           <a:prstGeom prst="line">
@@ -5842,7 +5278,7 @@
         </p:nvCxnSpPr>
         <p:spPr>
           <a:xfrm rot="16200000" flipV="1">
-            <a:off x="10350330" y="1144118"/>
+            <a:off x="4604659" y="992764"/>
             <a:ext cx="0" cy="1632317"/>
           </a:xfrm>
           <a:prstGeom prst="line">
@@ -5887,7 +5323,7 @@
         </p:nvCxnSpPr>
         <p:spPr>
           <a:xfrm rot="16200000" flipV="1">
-            <a:off x="10350330" y="1442403"/>
+            <a:off x="4604659" y="1291049"/>
             <a:ext cx="0" cy="1632317"/>
           </a:xfrm>
           <a:prstGeom prst="line">
@@ -5930,7 +5366,7 @@
         </p:nvSpPr>
         <p:spPr>
           <a:xfrm>
-            <a:off x="9477518" y="2217615"/>
+            <a:off x="3731847" y="2066261"/>
             <a:ext cx="310786" cy="335756"/>
           </a:xfrm>
           <a:prstGeom prst="rect">
@@ -5965,7 +5401,7 @@
         </p:nvSpPr>
         <p:spPr>
           <a:xfrm>
-            <a:off x="10669042" y="1037355"/>
+            <a:off x="4923371" y="886001"/>
             <a:ext cx="266108" cy="348257"/>
           </a:xfrm>
           <a:prstGeom prst="rect">
@@ -6001,7 +5437,7 @@
         </p:nvSpPr>
         <p:spPr>
           <a:xfrm>
-            <a:off x="9779726" y="1358537"/>
+            <a:off x="4034055" y="1207183"/>
             <a:ext cx="870857" cy="1201783"/>
           </a:xfrm>
           <a:custGeom>
@@ -6109,112 +5545,6 @@
       </p:sp>
       <p:sp>
         <p:nvSpPr>
-          <p:cNvPr id="80" name="正方形/長方形 79">
-            <a:extLst>
-              <a:ext uri="{FF2B5EF4-FFF2-40B4-BE49-F238E27FC236}">
-                <a16:creationId xmlns:a16="http://schemas.microsoft.com/office/drawing/2014/main" id="{AEDCB958-898D-47DC-BEEB-0C1D1FC068DF}"/>
-              </a:ext>
-            </a:extLst>
-          </p:cNvPr>
-          <p:cNvSpPr/>
-          <p:nvPr/>
-        </p:nvSpPr>
-        <p:spPr>
-          <a:xfrm>
-            <a:off x="335284" y="3183960"/>
-            <a:ext cx="2460567" cy="2360814"/>
-          </a:xfrm>
-          <a:prstGeom prst="rect">
-            <a:avLst/>
-          </a:prstGeom>
-          <a:solidFill>
-            <a:schemeClr val="bg1">
-              <a:lumMod val="95000"/>
-            </a:schemeClr>
-          </a:solidFill>
-          <a:ln>
-            <a:noFill/>
-          </a:ln>
-        </p:spPr>
-        <p:style>
-          <a:lnRef idx="2">
-            <a:schemeClr val="accent1">
-              <a:shade val="50000"/>
-            </a:schemeClr>
-          </a:lnRef>
-          <a:fillRef idx="1">
-            <a:schemeClr val="accent1"/>
-          </a:fillRef>
-          <a:effectRef idx="0">
-            <a:schemeClr val="accent1"/>
-          </a:effectRef>
-          <a:fontRef idx="minor">
-            <a:schemeClr val="lt1"/>
-          </a:fontRef>
-        </p:style>
-        <p:txBody>
-          <a:bodyPr rtlCol="0" anchor="ctr"/>
-          <a:lstStyle/>
-          <a:p>
-            <a:pPr algn="ctr"/>
-            <a:endParaRPr lang="en-US" sz="1600"/>
-          </a:p>
-        </p:txBody>
-      </p:sp>
-      <p:sp>
-        <p:nvSpPr>
-          <p:cNvPr id="81" name="正方形/長方形 80">
-            <a:extLst>
-              <a:ext uri="{FF2B5EF4-FFF2-40B4-BE49-F238E27FC236}">
-                <a16:creationId xmlns:a16="http://schemas.microsoft.com/office/drawing/2014/main" id="{A53E3E4B-1D8F-4420-815A-E7D2A3A0757B}"/>
-              </a:ext>
-            </a:extLst>
-          </p:cNvPr>
-          <p:cNvSpPr/>
-          <p:nvPr/>
-        </p:nvSpPr>
-        <p:spPr>
-          <a:xfrm>
-            <a:off x="447129" y="3291269"/>
-            <a:ext cx="2236879" cy="2146195"/>
-          </a:xfrm>
-          <a:prstGeom prst="rect">
-            <a:avLst/>
-          </a:prstGeom>
-          <a:solidFill>
-            <a:schemeClr val="bg1"/>
-          </a:solidFill>
-          <a:ln>
-            <a:noFill/>
-          </a:ln>
-        </p:spPr>
-        <p:style>
-          <a:lnRef idx="2">
-            <a:schemeClr val="accent1">
-              <a:shade val="50000"/>
-            </a:schemeClr>
-          </a:lnRef>
-          <a:fillRef idx="1">
-            <a:schemeClr val="accent1"/>
-          </a:fillRef>
-          <a:effectRef idx="0">
-            <a:schemeClr val="accent1"/>
-          </a:effectRef>
-          <a:fontRef idx="minor">
-            <a:schemeClr val="lt1"/>
-          </a:fontRef>
-        </p:style>
-        <p:txBody>
-          <a:bodyPr rtlCol="0" anchor="ctr"/>
-          <a:lstStyle/>
-          <a:p>
-            <a:pPr algn="ctr"/>
-            <a:endParaRPr lang="en-US" sz="1600" dirty="0"/>
-          </a:p>
-        </p:txBody>
-      </p:sp>
-      <p:sp>
-        <p:nvSpPr>
           <p:cNvPr id="82" name="テキスト ボックス 81">
             <a:extLst>
               <a:ext uri="{FF2B5EF4-FFF2-40B4-BE49-F238E27FC236}">
@@ -6227,7 +5557,7 @@
         </p:nvSpPr>
         <p:spPr>
           <a:xfrm>
-            <a:off x="435291" y="3291072"/>
+            <a:off x="9367930" y="567158"/>
             <a:ext cx="2236879" cy="276999"/>
           </a:xfrm>
           <a:prstGeom prst="rect">
@@ -6271,7 +5601,7 @@
         </p:nvCxnSpPr>
         <p:spPr>
           <a:xfrm flipV="1">
-            <a:off x="844554" y="3712571"/>
+            <a:off x="9777193" y="988657"/>
             <a:ext cx="0" cy="1483925"/>
           </a:xfrm>
           <a:prstGeom prst="line">
@@ -6316,7 +5646,7 @@
         </p:nvCxnSpPr>
         <p:spPr>
           <a:xfrm rot="16200000" flipV="1">
-            <a:off x="1589176" y="4448489"/>
+            <a:off x="10521815" y="1724575"/>
             <a:ext cx="0" cy="1483925"/>
           </a:xfrm>
           <a:prstGeom prst="line">
@@ -6361,7 +5691,7 @@
         </p:nvCxnSpPr>
         <p:spPr>
           <a:xfrm flipV="1">
-            <a:off x="1138185" y="3712571"/>
+            <a:off x="10070824" y="988657"/>
             <a:ext cx="0" cy="1483925"/>
           </a:xfrm>
           <a:prstGeom prst="line">
@@ -6406,7 +5736,7 @@
         </p:nvCxnSpPr>
         <p:spPr>
           <a:xfrm flipV="1">
-            <a:off x="1431816" y="3712571"/>
+            <a:off x="10364455" y="988657"/>
             <a:ext cx="0" cy="1483925"/>
           </a:xfrm>
           <a:prstGeom prst="line">
@@ -6451,7 +5781,7 @@
         </p:nvCxnSpPr>
         <p:spPr>
           <a:xfrm flipV="1">
-            <a:off x="1725447" y="3712571"/>
+            <a:off x="10658086" y="988657"/>
             <a:ext cx="0" cy="1483925"/>
           </a:xfrm>
           <a:prstGeom prst="line">
@@ -6496,7 +5826,7 @@
         </p:nvCxnSpPr>
         <p:spPr>
           <a:xfrm flipV="1">
-            <a:off x="2019076" y="3712571"/>
+            <a:off x="10951715" y="988657"/>
             <a:ext cx="0" cy="1483925"/>
           </a:xfrm>
           <a:prstGeom prst="line">
@@ -6541,7 +5871,7 @@
         </p:nvCxnSpPr>
         <p:spPr>
           <a:xfrm rot="16200000" flipV="1">
-            <a:off x="1589176" y="3255350"/>
+            <a:off x="10521815" y="531436"/>
             <a:ext cx="0" cy="1483925"/>
           </a:xfrm>
           <a:prstGeom prst="line">
@@ -6586,7 +5916,7 @@
         </p:nvCxnSpPr>
         <p:spPr>
           <a:xfrm rot="16200000" flipV="1">
-            <a:off x="1589176" y="3553635"/>
+            <a:off x="10521815" y="829721"/>
             <a:ext cx="0" cy="1483925"/>
           </a:xfrm>
           <a:prstGeom prst="line">
@@ -6631,7 +5961,7 @@
         </p:nvCxnSpPr>
         <p:spPr>
           <a:xfrm rot="16200000" flipV="1">
-            <a:off x="1589176" y="3851920"/>
+            <a:off x="10521815" y="1128006"/>
             <a:ext cx="0" cy="1483925"/>
           </a:xfrm>
           <a:prstGeom prst="line">
@@ -6676,7 +6006,7 @@
         </p:nvCxnSpPr>
         <p:spPr>
           <a:xfrm rot="16200000" flipV="1">
-            <a:off x="1589176" y="4150205"/>
+            <a:off x="10521815" y="1426291"/>
             <a:ext cx="0" cy="1483925"/>
           </a:xfrm>
           <a:prstGeom prst="line">
@@ -6705,255 +6035,6 @@
           </a:fontRef>
         </p:style>
       </p:cxnSp>
-      <p:sp>
-        <p:nvSpPr>
-          <p:cNvPr id="53" name="正方形/長方形 52">
-            <a:extLst>
-              <a:ext uri="{FF2B5EF4-FFF2-40B4-BE49-F238E27FC236}">
-                <a16:creationId xmlns:a16="http://schemas.microsoft.com/office/drawing/2014/main" id="{511C9534-1AB7-4D83-92B9-CD3FC08DC361}"/>
-              </a:ext>
-            </a:extLst>
-          </p:cNvPr>
-          <p:cNvSpPr/>
-          <p:nvPr/>
-        </p:nvSpPr>
-        <p:spPr>
-          <a:xfrm>
-            <a:off x="873885" y="4928125"/>
-            <a:ext cx="245869" cy="244083"/>
-          </a:xfrm>
-          <a:prstGeom prst="rect">
-            <a:avLst/>
-          </a:prstGeom>
-          <a:ln>
-            <a:noFill/>
-          </a:ln>
-        </p:spPr>
-        <p:style>
-          <a:lnRef idx="2">
-            <a:schemeClr val="accent1">
-              <a:shade val="50000"/>
-            </a:schemeClr>
-          </a:lnRef>
-          <a:fillRef idx="1">
-            <a:schemeClr val="accent1"/>
-          </a:fillRef>
-          <a:effectRef idx="0">
-            <a:schemeClr val="accent1"/>
-          </a:effectRef>
-          <a:fontRef idx="minor">
-            <a:schemeClr val="lt1"/>
-          </a:fontRef>
-        </p:style>
-        <p:txBody>
-          <a:bodyPr rtlCol="0" anchor="ctr"/>
-          <a:lstStyle/>
-          <a:p>
-            <a:pPr algn="ctr"/>
-            <a:endParaRPr lang="en-US"/>
-          </a:p>
-        </p:txBody>
-      </p:sp>
-      <p:sp>
-        <p:nvSpPr>
-          <p:cNvPr id="97" name="正方形/長方形 96">
-            <a:extLst>
-              <a:ext uri="{FF2B5EF4-FFF2-40B4-BE49-F238E27FC236}">
-                <a16:creationId xmlns:a16="http://schemas.microsoft.com/office/drawing/2014/main" id="{07CC298C-DFA4-43C8-9201-A67EE52CED36}"/>
-              </a:ext>
-            </a:extLst>
-          </p:cNvPr>
-          <p:cNvSpPr/>
-          <p:nvPr/>
-        </p:nvSpPr>
-        <p:spPr>
-          <a:xfrm>
-            <a:off x="1167516" y="4635446"/>
-            <a:ext cx="245869" cy="244083"/>
-          </a:xfrm>
-          <a:prstGeom prst="rect">
-            <a:avLst/>
-          </a:prstGeom>
-          <a:solidFill>
-            <a:schemeClr val="accent1">
-              <a:lumMod val="60000"/>
-              <a:lumOff val="40000"/>
-            </a:schemeClr>
-          </a:solidFill>
-          <a:ln>
-            <a:noFill/>
-          </a:ln>
-        </p:spPr>
-        <p:style>
-          <a:lnRef idx="2">
-            <a:schemeClr val="accent1">
-              <a:shade val="50000"/>
-            </a:schemeClr>
-          </a:lnRef>
-          <a:fillRef idx="1">
-            <a:schemeClr val="accent1"/>
-          </a:fillRef>
-          <a:effectRef idx="0">
-            <a:schemeClr val="accent1"/>
-          </a:effectRef>
-          <a:fontRef idx="minor">
-            <a:schemeClr val="lt1"/>
-          </a:fontRef>
-        </p:style>
-        <p:txBody>
-          <a:bodyPr rtlCol="0" anchor="ctr"/>
-          <a:lstStyle/>
-          <a:p>
-            <a:pPr algn="ctr"/>
-            <a:endParaRPr lang="en-US"/>
-          </a:p>
-        </p:txBody>
-      </p:sp>
-      <p:sp>
-        <p:nvSpPr>
-          <p:cNvPr id="98" name="正方形/長方形 97">
-            <a:extLst>
-              <a:ext uri="{FF2B5EF4-FFF2-40B4-BE49-F238E27FC236}">
-                <a16:creationId xmlns:a16="http://schemas.microsoft.com/office/drawing/2014/main" id="{19AB2435-EE6B-4B4E-99C2-9156267E7BFA}"/>
-              </a:ext>
-            </a:extLst>
-          </p:cNvPr>
-          <p:cNvSpPr/>
-          <p:nvPr/>
-        </p:nvSpPr>
-        <p:spPr>
-          <a:xfrm>
-            <a:off x="1457824" y="4331407"/>
-            <a:ext cx="245869" cy="244083"/>
-          </a:xfrm>
-          <a:prstGeom prst="rect">
-            <a:avLst/>
-          </a:prstGeom>
-          <a:solidFill>
-            <a:schemeClr val="accent1">
-              <a:lumMod val="60000"/>
-              <a:lumOff val="40000"/>
-            </a:schemeClr>
-          </a:solidFill>
-          <a:ln>
-            <a:noFill/>
-          </a:ln>
-        </p:spPr>
-        <p:style>
-          <a:lnRef idx="2">
-            <a:schemeClr val="accent1">
-              <a:shade val="50000"/>
-            </a:schemeClr>
-          </a:lnRef>
-          <a:fillRef idx="1">
-            <a:schemeClr val="accent1"/>
-          </a:fillRef>
-          <a:effectRef idx="0">
-            <a:schemeClr val="accent1"/>
-          </a:effectRef>
-          <a:fontRef idx="minor">
-            <a:schemeClr val="lt1"/>
-          </a:fontRef>
-        </p:style>
-        <p:txBody>
-          <a:bodyPr rtlCol="0" anchor="ctr"/>
-          <a:lstStyle/>
-          <a:p>
-            <a:pPr algn="ctr"/>
-            <a:endParaRPr lang="en-US"/>
-          </a:p>
-        </p:txBody>
-      </p:sp>
-      <p:sp>
-        <p:nvSpPr>
-          <p:cNvPr id="99" name="正方形/長方形 98">
-            <a:extLst>
-              <a:ext uri="{FF2B5EF4-FFF2-40B4-BE49-F238E27FC236}">
-                <a16:creationId xmlns:a16="http://schemas.microsoft.com/office/drawing/2014/main" id="{5E2E9CA4-0854-41C0-A7AB-A0E7C844D7A0}"/>
-              </a:ext>
-            </a:extLst>
-          </p:cNvPr>
-          <p:cNvSpPr/>
-          <p:nvPr/>
-        </p:nvSpPr>
-        <p:spPr>
-          <a:xfrm>
-            <a:off x="1752025" y="4024414"/>
-            <a:ext cx="245869" cy="244083"/>
-          </a:xfrm>
-          <a:prstGeom prst="rect">
-            <a:avLst/>
-          </a:prstGeom>
-          <a:solidFill>
-            <a:schemeClr val="accent1">
-              <a:lumMod val="60000"/>
-              <a:lumOff val="40000"/>
-            </a:schemeClr>
-          </a:solidFill>
-          <a:ln>
-            <a:noFill/>
-          </a:ln>
-        </p:spPr>
-        <p:style>
-          <a:lnRef idx="2">
-            <a:schemeClr val="accent1">
-              <a:shade val="50000"/>
-            </a:schemeClr>
-          </a:lnRef>
-          <a:fillRef idx="1">
-            <a:schemeClr val="accent1"/>
-          </a:fillRef>
-          <a:effectRef idx="0">
-            <a:schemeClr val="accent1"/>
-          </a:effectRef>
-          <a:fontRef idx="minor">
-            <a:schemeClr val="lt1"/>
-          </a:fontRef>
-        </p:style>
-        <p:txBody>
-          <a:bodyPr rtlCol="0" anchor="ctr"/>
-          <a:lstStyle/>
-          <a:p>
-            <a:pPr algn="ctr"/>
-            <a:endParaRPr lang="en-US"/>
-          </a:p>
-        </p:txBody>
-      </p:sp>
-      <p:sp>
-        <p:nvSpPr>
-          <p:cNvPr id="93" name="テキスト ボックス 92">
-            <a:extLst>
-              <a:ext uri="{FF2B5EF4-FFF2-40B4-BE49-F238E27FC236}">
-                <a16:creationId xmlns:a16="http://schemas.microsoft.com/office/drawing/2014/main" id="{A8B5E67B-4684-4ABA-BF9E-A498A38D8D44}"/>
-              </a:ext>
-            </a:extLst>
-          </p:cNvPr>
-          <p:cNvSpPr txBox="1"/>
-          <p:nvPr/>
-        </p:nvSpPr>
-        <p:spPr>
-          <a:xfrm>
-            <a:off x="839972" y="4837965"/>
-            <a:ext cx="310786" cy="335756"/>
-          </a:xfrm>
-          <a:prstGeom prst="rect">
-            <a:avLst/>
-          </a:prstGeom>
-          <a:noFill/>
-        </p:spPr>
-        <p:txBody>
-          <a:bodyPr wrap="square" rtlCol="0">
-            <a:spAutoFit/>
-          </a:bodyPr>
-          <a:lstStyle/>
-          <a:p>
-            <a:r>
-              <a:rPr lang="en-US" sz="1600" dirty="0"/>
-              <a:t>p</a:t>
-            </a:r>
-          </a:p>
-        </p:txBody>
-      </p:sp>
       <p:cxnSp>
         <p:nvCxnSpPr>
           <p:cNvPr id="100" name="直線コネクタ 99">
@@ -6970,7 +6051,7 @@
         </p:nvCxnSpPr>
         <p:spPr>
           <a:xfrm rot="16200000" flipV="1">
-            <a:off x="1587603" y="2978019"/>
+            <a:off x="10520242" y="254105"/>
             <a:ext cx="0" cy="1483925"/>
           </a:xfrm>
           <a:prstGeom prst="line">
@@ -7015,7 +6096,7 @@
         </p:nvCxnSpPr>
         <p:spPr>
           <a:xfrm flipV="1">
-            <a:off x="2320857" y="3698505"/>
+            <a:off x="11253496" y="974591"/>
             <a:ext cx="0" cy="1483925"/>
           </a:xfrm>
           <a:prstGeom prst="line">
@@ -7046,10 +6127,10 @@
       </p:cxnSp>
       <p:sp>
         <p:nvSpPr>
-          <p:cNvPr id="102" name="正方形/長方形 101">
-            <a:extLst>
-              <a:ext uri="{FF2B5EF4-FFF2-40B4-BE49-F238E27FC236}">
-                <a16:creationId xmlns:a16="http://schemas.microsoft.com/office/drawing/2014/main" id="{37D73ABA-90B7-49E8-B41D-66AC57815994}"/>
+          <p:cNvPr id="103" name="正方形/長方形 102">
+            <a:extLst>
+              <a:ext uri="{FF2B5EF4-FFF2-40B4-BE49-F238E27FC236}">
+                <a16:creationId xmlns:a16="http://schemas.microsoft.com/office/drawing/2014/main" id="{D7C391FF-8410-4FA9-9F95-24FD52476D63}"/>
               </a:ext>
             </a:extLst>
           </p:cNvPr>
@@ -7058,98 +6139,7 @@
         </p:nvSpPr>
         <p:spPr>
           <a:xfrm>
-            <a:off x="1757725" y="3741720"/>
-            <a:ext cx="245869" cy="244083"/>
-          </a:xfrm>
-          <a:prstGeom prst="rect">
-            <a:avLst/>
-          </a:prstGeom>
-          <a:solidFill>
-            <a:schemeClr val="accent1">
-              <a:lumMod val="60000"/>
-              <a:lumOff val="40000"/>
-            </a:schemeClr>
-          </a:solidFill>
-          <a:ln>
-            <a:noFill/>
-          </a:ln>
-        </p:spPr>
-        <p:style>
-          <a:lnRef idx="2">
-            <a:schemeClr val="accent1">
-              <a:shade val="50000"/>
-            </a:schemeClr>
-          </a:lnRef>
-          <a:fillRef idx="1">
-            <a:schemeClr val="accent1"/>
-          </a:fillRef>
-          <a:effectRef idx="0">
-            <a:schemeClr val="accent1"/>
-          </a:effectRef>
-          <a:fontRef idx="minor">
-            <a:schemeClr val="lt1"/>
-          </a:fontRef>
-        </p:style>
-        <p:txBody>
-          <a:bodyPr rtlCol="0" anchor="ctr"/>
-          <a:lstStyle/>
-          <a:p>
-            <a:pPr algn="ctr"/>
-            <a:endParaRPr lang="en-US"/>
-          </a:p>
-        </p:txBody>
-      </p:sp>
-      <p:sp>
-        <p:nvSpPr>
-          <p:cNvPr id="94" name="テキスト ボックス 93">
-            <a:extLst>
-              <a:ext uri="{FF2B5EF4-FFF2-40B4-BE49-F238E27FC236}">
-                <a16:creationId xmlns:a16="http://schemas.microsoft.com/office/drawing/2014/main" id="{86C39F8E-7A02-4A21-B43B-49B9E717DCE8}"/>
-              </a:ext>
-            </a:extLst>
-          </p:cNvPr>
-          <p:cNvSpPr txBox="1"/>
-          <p:nvPr/>
-        </p:nvSpPr>
-        <p:spPr>
-          <a:xfrm>
-            <a:off x="1721333" y="3646350"/>
-            <a:ext cx="266108" cy="348257"/>
-          </a:xfrm>
-          <a:prstGeom prst="rect">
-            <a:avLst/>
-          </a:prstGeom>
-          <a:noFill/>
-        </p:spPr>
-        <p:txBody>
-          <a:bodyPr wrap="square" rtlCol="0">
-            <a:spAutoFit/>
-          </a:bodyPr>
-          <a:lstStyle/>
-          <a:p>
-            <a:r>
-              <a:rPr lang="en-US" altLang="ja-JP" sz="1600" dirty="0"/>
-              <a:t>q</a:t>
-            </a:r>
-            <a:endParaRPr lang="en-US" sz="1600" dirty="0"/>
-          </a:p>
-        </p:txBody>
-      </p:sp>
-      <p:sp>
-        <p:nvSpPr>
-          <p:cNvPr id="103" name="正方形/長方形 102">
-            <a:extLst>
-              <a:ext uri="{FF2B5EF4-FFF2-40B4-BE49-F238E27FC236}">
-                <a16:creationId xmlns:a16="http://schemas.microsoft.com/office/drawing/2014/main" id="{D7C391FF-8410-4FA9-9F95-24FD52476D63}"/>
-              </a:ext>
-            </a:extLst>
-          </p:cNvPr>
-          <p:cNvSpPr/>
-          <p:nvPr/>
-        </p:nvSpPr>
-        <p:spPr>
-          <a:xfrm>
-            <a:off x="9195365" y="3153396"/>
+            <a:off x="6316738" y="468123"/>
             <a:ext cx="2460567" cy="2360814"/>
           </a:xfrm>
           <a:prstGeom prst="rect">
@@ -7203,7 +6193,7 @@
         </p:nvSpPr>
         <p:spPr>
           <a:xfrm>
-            <a:off x="9307210" y="3260705"/>
+            <a:off x="6428583" y="575432"/>
             <a:ext cx="2236879" cy="2146195"/>
           </a:xfrm>
           <a:prstGeom prst="rect">
@@ -7255,7 +6245,7 @@
         </p:nvSpPr>
         <p:spPr>
           <a:xfrm>
-            <a:off x="9295372" y="3260508"/>
+            <a:off x="6416745" y="575235"/>
             <a:ext cx="2236879" cy="276999"/>
           </a:xfrm>
           <a:prstGeom prst="rect">
@@ -7309,7 +6299,7 @@
         </p:nvCxnSpPr>
         <p:spPr>
           <a:xfrm flipV="1">
-            <a:off x="9800431" y="3729736"/>
+            <a:off x="6921804" y="1044463"/>
             <a:ext cx="0" cy="1632318"/>
           </a:xfrm>
           <a:prstGeom prst="line">
@@ -7354,7 +6344,7 @@
         </p:nvCxnSpPr>
         <p:spPr>
           <a:xfrm rot="16200000" flipV="1">
-            <a:off x="10362168" y="4291475"/>
+            <a:off x="7483541" y="1606202"/>
             <a:ext cx="0" cy="1632317"/>
           </a:xfrm>
           <a:prstGeom prst="line">
@@ -7399,7 +6389,7 @@
         </p:nvCxnSpPr>
         <p:spPr>
           <a:xfrm flipV="1">
-            <a:off x="10094062" y="3729736"/>
+            <a:off x="7215435" y="1044463"/>
             <a:ext cx="0" cy="1632318"/>
           </a:xfrm>
           <a:prstGeom prst="line">
@@ -7444,7 +6434,7 @@
         </p:nvCxnSpPr>
         <p:spPr>
           <a:xfrm flipV="1">
-            <a:off x="10387693" y="3729736"/>
+            <a:off x="7509066" y="1044463"/>
             <a:ext cx="0" cy="1632318"/>
           </a:xfrm>
           <a:prstGeom prst="line">
@@ -7489,7 +6479,7 @@
         </p:nvCxnSpPr>
         <p:spPr>
           <a:xfrm flipV="1">
-            <a:off x="10681324" y="3729736"/>
+            <a:off x="7802697" y="1044463"/>
             <a:ext cx="0" cy="1632318"/>
           </a:xfrm>
           <a:prstGeom prst="line">
@@ -7534,7 +6524,7 @@
         </p:nvCxnSpPr>
         <p:spPr>
           <a:xfrm flipV="1">
-            <a:off x="10974953" y="3729736"/>
+            <a:off x="8096326" y="1044463"/>
             <a:ext cx="0" cy="1632318"/>
           </a:xfrm>
           <a:prstGeom prst="line">
@@ -7579,7 +6569,7 @@
         </p:nvCxnSpPr>
         <p:spPr>
           <a:xfrm rot="16200000" flipV="1">
-            <a:off x="10362168" y="3098336"/>
+            <a:off x="7483541" y="413063"/>
             <a:ext cx="0" cy="1632317"/>
           </a:xfrm>
           <a:prstGeom prst="line">
@@ -7624,7 +6614,7 @@
         </p:nvCxnSpPr>
         <p:spPr>
           <a:xfrm rot="16200000" flipV="1">
-            <a:off x="10362168" y="3396621"/>
+            <a:off x="7483541" y="711348"/>
             <a:ext cx="0" cy="1632317"/>
           </a:xfrm>
           <a:prstGeom prst="line">
@@ -7669,7 +6659,7 @@
         </p:nvCxnSpPr>
         <p:spPr>
           <a:xfrm rot="16200000" flipV="1">
-            <a:off x="10362168" y="3694906"/>
+            <a:off x="7483541" y="1009633"/>
             <a:ext cx="0" cy="1632317"/>
           </a:xfrm>
           <a:prstGeom prst="line">
@@ -7714,7 +6704,7 @@
         </p:nvCxnSpPr>
         <p:spPr>
           <a:xfrm rot="16200000" flipV="1">
-            <a:off x="10362168" y="3993191"/>
+            <a:off x="7483541" y="1307918"/>
             <a:ext cx="0" cy="1632317"/>
           </a:xfrm>
           <a:prstGeom prst="line">
@@ -7757,7 +6747,7 @@
         </p:nvSpPr>
         <p:spPr>
           <a:xfrm>
-            <a:off x="9489356" y="4768403"/>
+            <a:off x="6610729" y="2083130"/>
             <a:ext cx="310786" cy="335756"/>
           </a:xfrm>
           <a:prstGeom prst="rect">
@@ -7792,7 +6782,7 @@
         </p:nvSpPr>
         <p:spPr>
           <a:xfrm>
-            <a:off x="10680880" y="3588143"/>
+            <a:off x="7802253" y="902870"/>
             <a:ext cx="266108" cy="348257"/>
           </a:xfrm>
           <a:prstGeom prst="rect">
@@ -7828,7 +6818,7 @@
         </p:nvSpPr>
         <p:spPr>
           <a:xfrm>
-            <a:off x="9791564" y="3909325"/>
+            <a:off x="6912937" y="1224052"/>
             <a:ext cx="870857" cy="1201783"/>
           </a:xfrm>
           <a:custGeom>
@@ -7951,7 +6941,7 @@
         </p:nvCxnSpPr>
         <p:spPr>
           <a:xfrm flipV="1">
-            <a:off x="9791564" y="3909325"/>
+            <a:off x="6912937" y="1224052"/>
             <a:ext cx="870857" cy="1201783"/>
           </a:xfrm>
           <a:prstGeom prst="line">
@@ -7980,10 +6970,2510 @@
           </a:fontRef>
         </p:style>
       </p:cxnSp>
+      <p:sp>
+        <p:nvSpPr>
+          <p:cNvPr id="93" name="テキスト ボックス 92">
+            <a:extLst>
+              <a:ext uri="{FF2B5EF4-FFF2-40B4-BE49-F238E27FC236}">
+                <a16:creationId xmlns:a16="http://schemas.microsoft.com/office/drawing/2014/main" id="{A8B5E67B-4684-4ABA-BF9E-A498A38D8D44}"/>
+              </a:ext>
+            </a:extLst>
+          </p:cNvPr>
+          <p:cNvSpPr txBox="1"/>
+          <p:nvPr/>
+        </p:nvSpPr>
+        <p:spPr>
+          <a:xfrm>
+            <a:off x="9781926" y="2127983"/>
+            <a:ext cx="232975" cy="338554"/>
+          </a:xfrm>
+          <a:prstGeom prst="rect">
+            <a:avLst/>
+          </a:prstGeom>
+          <a:noFill/>
+        </p:spPr>
+        <p:txBody>
+          <a:bodyPr wrap="square" rtlCol="0">
+            <a:spAutoFit/>
+          </a:bodyPr>
+          <a:lstStyle/>
+          <a:p>
+            <a:r>
+              <a:rPr lang="en-US" sz="1600" dirty="0"/>
+              <a:t>p</a:t>
+            </a:r>
+          </a:p>
+        </p:txBody>
+      </p:sp>
+      <p:sp>
+        <p:nvSpPr>
+          <p:cNvPr id="94" name="テキスト ボックス 93">
+            <a:extLst>
+              <a:ext uri="{FF2B5EF4-FFF2-40B4-BE49-F238E27FC236}">
+                <a16:creationId xmlns:a16="http://schemas.microsoft.com/office/drawing/2014/main" id="{86C39F8E-7A02-4A21-B43B-49B9E717DCE8}"/>
+              </a:ext>
+            </a:extLst>
+          </p:cNvPr>
+          <p:cNvSpPr txBox="1"/>
+          <p:nvPr/>
+        </p:nvSpPr>
+        <p:spPr>
+          <a:xfrm>
+            <a:off x="10636564" y="938139"/>
+            <a:ext cx="319227" cy="338554"/>
+          </a:xfrm>
+          <a:prstGeom prst="rect">
+            <a:avLst/>
+          </a:prstGeom>
+          <a:noFill/>
+        </p:spPr>
+        <p:txBody>
+          <a:bodyPr wrap="square" rtlCol="0">
+            <a:spAutoFit/>
+          </a:bodyPr>
+          <a:lstStyle/>
+          <a:p>
+            <a:r>
+              <a:rPr lang="en-US" altLang="ja-JP" sz="1600" dirty="0"/>
+              <a:t>q</a:t>
+            </a:r>
+            <a:endParaRPr lang="en-US" sz="1600" dirty="0"/>
+          </a:p>
+        </p:txBody>
+      </p:sp>
     </p:spTree>
     <p:extLst>
       <p:ext uri="{BB962C8B-B14F-4D97-AF65-F5344CB8AC3E}">
         <p14:creationId xmlns:p14="http://schemas.microsoft.com/office/powerpoint/2010/main" val="1611582267"/>
+      </p:ext>
+    </p:extLst>
+  </p:cSld>
+  <p:clrMapOvr>
+    <a:masterClrMapping/>
+  </p:clrMapOvr>
+</p:sld>
+</file>
+
+<file path=ppt/slides/slide2.xml><?xml version="1.0" encoding="utf-8"?>
+<p:sld xmlns:a="http://schemas.openxmlformats.org/drawingml/2006/main" xmlns:r="http://schemas.openxmlformats.org/officeDocument/2006/relationships" xmlns:p="http://schemas.openxmlformats.org/presentationml/2006/main">
+  <p:cSld>
+    <p:spTree>
+      <p:nvGrpSpPr>
+        <p:cNvPr id="1" name=""/>
+        <p:cNvGrpSpPr/>
+        <p:nvPr/>
+      </p:nvGrpSpPr>
+      <p:grpSpPr>
+        <a:xfrm>
+          <a:off x="0" y="0"/>
+          <a:ext cx="0" cy="0"/>
+          <a:chOff x="0" y="0"/>
+          <a:chExt cx="0" cy="0"/>
+        </a:xfrm>
+      </p:grpSpPr>
+      <p:sp>
+        <p:nvSpPr>
+          <p:cNvPr id="4" name="正方形/長方形 3">
+            <a:extLst>
+              <a:ext uri="{FF2B5EF4-FFF2-40B4-BE49-F238E27FC236}">
+                <a16:creationId xmlns:a16="http://schemas.microsoft.com/office/drawing/2014/main" id="{5D9153DC-DFB0-4865-BF64-0127FEF808E8}"/>
+              </a:ext>
+            </a:extLst>
+          </p:cNvPr>
+          <p:cNvSpPr/>
+          <p:nvPr/>
+        </p:nvSpPr>
+        <p:spPr>
+          <a:xfrm>
+            <a:off x="9552996" y="482142"/>
+            <a:ext cx="2460567" cy="2360814"/>
+          </a:xfrm>
+          <a:prstGeom prst="rect">
+            <a:avLst/>
+          </a:prstGeom>
+          <a:solidFill>
+            <a:schemeClr val="bg1">
+              <a:lumMod val="95000"/>
+            </a:schemeClr>
+          </a:solidFill>
+          <a:ln>
+            <a:noFill/>
+          </a:ln>
+        </p:spPr>
+        <p:style>
+          <a:lnRef idx="2">
+            <a:schemeClr val="accent1">
+              <a:shade val="50000"/>
+            </a:schemeClr>
+          </a:lnRef>
+          <a:fillRef idx="1">
+            <a:schemeClr val="accent1"/>
+          </a:fillRef>
+          <a:effectRef idx="0">
+            <a:schemeClr val="accent1"/>
+          </a:effectRef>
+          <a:fontRef idx="minor">
+            <a:schemeClr val="lt1"/>
+          </a:fontRef>
+        </p:style>
+        <p:txBody>
+          <a:bodyPr rtlCol="0" anchor="ctr"/>
+          <a:lstStyle/>
+          <a:p>
+            <a:pPr algn="ctr"/>
+            <a:endParaRPr lang="en-US" sz="1600"/>
+          </a:p>
+        </p:txBody>
+      </p:sp>
+      <p:sp>
+        <p:nvSpPr>
+          <p:cNvPr id="5" name="正方形/長方形 4">
+            <a:extLst>
+              <a:ext uri="{FF2B5EF4-FFF2-40B4-BE49-F238E27FC236}">
+                <a16:creationId xmlns:a16="http://schemas.microsoft.com/office/drawing/2014/main" id="{D8589718-5138-4200-8DB0-4394A91BCD3D}"/>
+              </a:ext>
+            </a:extLst>
+          </p:cNvPr>
+          <p:cNvSpPr/>
+          <p:nvPr/>
+        </p:nvSpPr>
+        <p:spPr>
+          <a:xfrm>
+            <a:off x="9664841" y="589451"/>
+            <a:ext cx="2236879" cy="2146195"/>
+          </a:xfrm>
+          <a:prstGeom prst="rect">
+            <a:avLst/>
+          </a:prstGeom>
+          <a:solidFill>
+            <a:schemeClr val="bg1"/>
+          </a:solidFill>
+          <a:ln>
+            <a:noFill/>
+          </a:ln>
+        </p:spPr>
+        <p:style>
+          <a:lnRef idx="2">
+            <a:schemeClr val="accent1">
+              <a:shade val="50000"/>
+            </a:schemeClr>
+          </a:lnRef>
+          <a:fillRef idx="1">
+            <a:schemeClr val="accent1"/>
+          </a:fillRef>
+          <a:effectRef idx="0">
+            <a:schemeClr val="accent1"/>
+          </a:effectRef>
+          <a:fontRef idx="minor">
+            <a:schemeClr val="lt1"/>
+          </a:fontRef>
+        </p:style>
+        <p:txBody>
+          <a:bodyPr rtlCol="0" anchor="ctr"/>
+          <a:lstStyle/>
+          <a:p>
+            <a:pPr algn="ctr"/>
+            <a:endParaRPr lang="en-US" sz="1600"/>
+          </a:p>
+        </p:txBody>
+      </p:sp>
+      <p:sp>
+        <p:nvSpPr>
+          <p:cNvPr id="6" name="正方形/長方形 5">
+            <a:extLst>
+              <a:ext uri="{FF2B5EF4-FFF2-40B4-BE49-F238E27FC236}">
+                <a16:creationId xmlns:a16="http://schemas.microsoft.com/office/drawing/2014/main" id="{43C67F24-8C9C-49AF-AEED-74FAF487185C}"/>
+              </a:ext>
+            </a:extLst>
+          </p:cNvPr>
+          <p:cNvSpPr/>
+          <p:nvPr/>
+        </p:nvSpPr>
+        <p:spPr>
+          <a:xfrm>
+            <a:off x="6686207" y="484913"/>
+            <a:ext cx="2460567" cy="2360814"/>
+          </a:xfrm>
+          <a:prstGeom prst="rect">
+            <a:avLst/>
+          </a:prstGeom>
+          <a:solidFill>
+            <a:schemeClr val="bg1">
+              <a:lumMod val="95000"/>
+            </a:schemeClr>
+          </a:solidFill>
+          <a:ln>
+            <a:noFill/>
+          </a:ln>
+        </p:spPr>
+        <p:style>
+          <a:lnRef idx="2">
+            <a:schemeClr val="accent1">
+              <a:shade val="50000"/>
+            </a:schemeClr>
+          </a:lnRef>
+          <a:fillRef idx="1">
+            <a:schemeClr val="accent1"/>
+          </a:fillRef>
+          <a:effectRef idx="0">
+            <a:schemeClr val="accent1"/>
+          </a:effectRef>
+          <a:fontRef idx="minor">
+            <a:schemeClr val="lt1"/>
+          </a:fontRef>
+        </p:style>
+        <p:txBody>
+          <a:bodyPr rtlCol="0" anchor="ctr"/>
+          <a:lstStyle/>
+          <a:p>
+            <a:pPr algn="ctr"/>
+            <a:endParaRPr lang="en-US" sz="1600"/>
+          </a:p>
+        </p:txBody>
+      </p:sp>
+      <p:sp>
+        <p:nvSpPr>
+          <p:cNvPr id="7" name="正方形/長方形 6">
+            <a:extLst>
+              <a:ext uri="{FF2B5EF4-FFF2-40B4-BE49-F238E27FC236}">
+                <a16:creationId xmlns:a16="http://schemas.microsoft.com/office/drawing/2014/main" id="{7EF5EA3B-9EC3-4C6D-A2F9-F8E39637CB6F}"/>
+              </a:ext>
+            </a:extLst>
+          </p:cNvPr>
+          <p:cNvSpPr/>
+          <p:nvPr/>
+        </p:nvSpPr>
+        <p:spPr>
+          <a:xfrm>
+            <a:off x="6798052" y="592222"/>
+            <a:ext cx="2236879" cy="2146195"/>
+          </a:xfrm>
+          <a:prstGeom prst="rect">
+            <a:avLst/>
+          </a:prstGeom>
+          <a:solidFill>
+            <a:schemeClr val="bg1"/>
+          </a:solidFill>
+          <a:ln>
+            <a:noFill/>
+          </a:ln>
+        </p:spPr>
+        <p:style>
+          <a:lnRef idx="2">
+            <a:schemeClr val="accent1">
+              <a:shade val="50000"/>
+            </a:schemeClr>
+          </a:lnRef>
+          <a:fillRef idx="1">
+            <a:schemeClr val="accent1"/>
+          </a:fillRef>
+          <a:effectRef idx="0">
+            <a:schemeClr val="accent1"/>
+          </a:effectRef>
+          <a:fontRef idx="minor">
+            <a:schemeClr val="lt1"/>
+          </a:fontRef>
+        </p:style>
+        <p:txBody>
+          <a:bodyPr rtlCol="0" anchor="ctr"/>
+          <a:lstStyle/>
+          <a:p>
+            <a:pPr algn="ctr"/>
+            <a:endParaRPr lang="en-US" sz="1600"/>
+          </a:p>
+        </p:txBody>
+      </p:sp>
+      <p:cxnSp>
+        <p:nvCxnSpPr>
+          <p:cNvPr id="8" name="直線コネクタ 7">
+            <a:extLst>
+              <a:ext uri="{FF2B5EF4-FFF2-40B4-BE49-F238E27FC236}">
+                <a16:creationId xmlns:a16="http://schemas.microsoft.com/office/drawing/2014/main" id="{D3631C1F-696E-4D6E-AB57-EFBFC5A3D6A8}"/>
+              </a:ext>
+            </a:extLst>
+          </p:cNvPr>
+          <p:cNvCxnSpPr/>
+          <p:nvPr/>
+        </p:nvCxnSpPr>
+        <p:spPr>
+          <a:xfrm flipV="1">
+            <a:off x="7291273" y="1061253"/>
+            <a:ext cx="0" cy="1632318"/>
+          </a:xfrm>
+          <a:prstGeom prst="line">
+            <a:avLst/>
+          </a:prstGeom>
+          <a:ln w="28575">
+            <a:solidFill>
+              <a:schemeClr val="tx1">
+                <a:lumMod val="50000"/>
+                <a:lumOff val="50000"/>
+              </a:schemeClr>
+            </a:solidFill>
+          </a:ln>
+        </p:spPr>
+        <p:style>
+          <a:lnRef idx="1">
+            <a:schemeClr val="accent1"/>
+          </a:lnRef>
+          <a:fillRef idx="0">
+            <a:schemeClr val="accent1"/>
+          </a:fillRef>
+          <a:effectRef idx="0">
+            <a:schemeClr val="accent1"/>
+          </a:effectRef>
+          <a:fontRef idx="minor">
+            <a:schemeClr val="tx1"/>
+          </a:fontRef>
+        </p:style>
+      </p:cxnSp>
+      <p:cxnSp>
+        <p:nvCxnSpPr>
+          <p:cNvPr id="9" name="直線コネクタ 8">
+            <a:extLst>
+              <a:ext uri="{FF2B5EF4-FFF2-40B4-BE49-F238E27FC236}">
+                <a16:creationId xmlns:a16="http://schemas.microsoft.com/office/drawing/2014/main" id="{413F4B37-2BCB-4FBD-8BCC-5F07021AAE95}"/>
+              </a:ext>
+            </a:extLst>
+          </p:cNvPr>
+          <p:cNvCxnSpPr>
+            <a:cxnSpLocks/>
+          </p:cNvCxnSpPr>
+          <p:nvPr/>
+        </p:nvCxnSpPr>
+        <p:spPr>
+          <a:xfrm rot="16200000" flipV="1">
+            <a:off x="7853010" y="1622992"/>
+            <a:ext cx="0" cy="1632317"/>
+          </a:xfrm>
+          <a:prstGeom prst="line">
+            <a:avLst/>
+          </a:prstGeom>
+          <a:ln w="28575">
+            <a:solidFill>
+              <a:schemeClr val="tx1">
+                <a:lumMod val="50000"/>
+                <a:lumOff val="50000"/>
+              </a:schemeClr>
+            </a:solidFill>
+          </a:ln>
+        </p:spPr>
+        <p:style>
+          <a:lnRef idx="1">
+            <a:schemeClr val="accent1"/>
+          </a:lnRef>
+          <a:fillRef idx="0">
+            <a:schemeClr val="accent1"/>
+          </a:fillRef>
+          <a:effectRef idx="0">
+            <a:schemeClr val="accent1"/>
+          </a:effectRef>
+          <a:fontRef idx="minor">
+            <a:schemeClr val="tx1"/>
+          </a:fontRef>
+        </p:style>
+      </p:cxnSp>
+      <p:cxnSp>
+        <p:nvCxnSpPr>
+          <p:cNvPr id="10" name="直線矢印コネクタ 9">
+            <a:extLst>
+              <a:ext uri="{FF2B5EF4-FFF2-40B4-BE49-F238E27FC236}">
+                <a16:creationId xmlns:a16="http://schemas.microsoft.com/office/drawing/2014/main" id="{F80C894C-C829-445B-8043-7B4FD662DF7A}"/>
+              </a:ext>
+            </a:extLst>
+          </p:cNvPr>
+          <p:cNvCxnSpPr>
+            <a:cxnSpLocks/>
+          </p:cNvCxnSpPr>
+          <p:nvPr/>
+        </p:nvCxnSpPr>
+        <p:spPr>
+          <a:xfrm flipV="1">
+            <a:off x="7291273" y="1227507"/>
+            <a:ext cx="915346" cy="1211645"/>
+          </a:xfrm>
+          <a:prstGeom prst="straightConnector1">
+            <a:avLst/>
+          </a:prstGeom>
+          <a:ln>
+            <a:solidFill>
+              <a:schemeClr val="accent1">
+                <a:lumMod val="75000"/>
+              </a:schemeClr>
+            </a:solidFill>
+            <a:tailEnd type="triangle"/>
+          </a:ln>
+        </p:spPr>
+        <p:style>
+          <a:lnRef idx="1">
+            <a:schemeClr val="accent1"/>
+          </a:lnRef>
+          <a:fillRef idx="0">
+            <a:schemeClr val="accent1"/>
+          </a:fillRef>
+          <a:effectRef idx="0">
+            <a:schemeClr val="accent1"/>
+          </a:effectRef>
+          <a:fontRef idx="minor">
+            <a:schemeClr val="tx1"/>
+          </a:fontRef>
+        </p:style>
+      </p:cxnSp>
+      <p:cxnSp>
+        <p:nvCxnSpPr>
+          <p:cNvPr id="11" name="直線矢印コネクタ 10">
+            <a:extLst>
+              <a:ext uri="{FF2B5EF4-FFF2-40B4-BE49-F238E27FC236}">
+                <a16:creationId xmlns:a16="http://schemas.microsoft.com/office/drawing/2014/main" id="{E2A7668D-2EBD-4D03-9BF3-2BE0D0B0C5D8}"/>
+              </a:ext>
+            </a:extLst>
+          </p:cNvPr>
+          <p:cNvCxnSpPr>
+            <a:cxnSpLocks/>
+          </p:cNvCxnSpPr>
+          <p:nvPr/>
+        </p:nvCxnSpPr>
+        <p:spPr>
+          <a:xfrm flipV="1">
+            <a:off x="7291273" y="1750201"/>
+            <a:ext cx="1376323" cy="688949"/>
+          </a:xfrm>
+          <a:prstGeom prst="straightConnector1">
+            <a:avLst/>
+          </a:prstGeom>
+          <a:ln>
+            <a:solidFill>
+              <a:schemeClr val="accent1">
+                <a:lumMod val="75000"/>
+              </a:schemeClr>
+            </a:solidFill>
+            <a:tailEnd type="triangle"/>
+          </a:ln>
+        </p:spPr>
+        <p:style>
+          <a:lnRef idx="1">
+            <a:schemeClr val="accent1"/>
+          </a:lnRef>
+          <a:fillRef idx="0">
+            <a:schemeClr val="accent1"/>
+          </a:fillRef>
+          <a:effectRef idx="0">
+            <a:schemeClr val="accent1"/>
+          </a:effectRef>
+          <a:fontRef idx="minor">
+            <a:schemeClr val="tx1"/>
+          </a:fontRef>
+        </p:style>
+      </p:cxnSp>
+      <p:sp>
+        <p:nvSpPr>
+          <p:cNvPr id="12" name="円弧 11">
+            <a:extLst>
+              <a:ext uri="{FF2B5EF4-FFF2-40B4-BE49-F238E27FC236}">
+                <a16:creationId xmlns:a16="http://schemas.microsoft.com/office/drawing/2014/main" id="{1A1323F0-DC16-4038-825E-D665DF1D76FA}"/>
+              </a:ext>
+            </a:extLst>
+          </p:cNvPr>
+          <p:cNvSpPr/>
+          <p:nvPr/>
+        </p:nvSpPr>
+        <p:spPr>
+          <a:xfrm>
+            <a:off x="7523558" y="1840834"/>
+            <a:ext cx="438304" cy="522688"/>
+          </a:xfrm>
+          <a:prstGeom prst="arc">
+            <a:avLst/>
+          </a:prstGeom>
+          <a:ln>
+            <a:solidFill>
+              <a:schemeClr val="accent1">
+                <a:lumMod val="75000"/>
+              </a:schemeClr>
+            </a:solidFill>
+          </a:ln>
+        </p:spPr>
+        <p:style>
+          <a:lnRef idx="1">
+            <a:schemeClr val="accent1"/>
+          </a:lnRef>
+          <a:fillRef idx="0">
+            <a:schemeClr val="accent1"/>
+          </a:fillRef>
+          <a:effectRef idx="0">
+            <a:schemeClr val="accent1"/>
+          </a:effectRef>
+          <a:fontRef idx="minor">
+            <a:schemeClr val="tx1"/>
+          </a:fontRef>
+        </p:style>
+        <p:txBody>
+          <a:bodyPr rtlCol="0" anchor="ctr"/>
+          <a:lstStyle/>
+          <a:p>
+            <a:pPr algn="ctr"/>
+            <a:endParaRPr lang="en-US" sz="1600"/>
+          </a:p>
+        </p:txBody>
+      </p:sp>
+      <p:pic>
+        <p:nvPicPr>
+          <p:cNvPr id="13" name="図 12">
+            <a:extLst>
+              <a:ext uri="{FF2B5EF4-FFF2-40B4-BE49-F238E27FC236}">
+                <a16:creationId xmlns:a16="http://schemas.microsoft.com/office/drawing/2014/main" id="{BF7E0A68-DAF5-4B98-8D7D-7DDDF0426E7B}"/>
+              </a:ext>
+            </a:extLst>
+          </p:cNvPr>
+          <p:cNvPicPr>
+            <a:picLocks noChangeAspect="1"/>
+          </p:cNvPicPr>
+          <p:nvPr/>
+        </p:nvPicPr>
+        <p:blipFill>
+          <a:blip r:embed="rId2"/>
+          <a:stretch>
+            <a:fillRect/>
+          </a:stretch>
+        </p:blipFill>
+        <p:spPr>
+          <a:xfrm>
+            <a:off x="7987779" y="1700766"/>
+            <a:ext cx="199159" cy="242455"/>
+          </a:xfrm>
+          <a:prstGeom prst="rect">
+            <a:avLst/>
+          </a:prstGeom>
+        </p:spPr>
+      </p:pic>
+      <p:sp>
+        <p:nvSpPr>
+          <p:cNvPr id="14" name="テキスト ボックス 13">
+            <a:extLst>
+              <a:ext uri="{FF2B5EF4-FFF2-40B4-BE49-F238E27FC236}">
+                <a16:creationId xmlns:a16="http://schemas.microsoft.com/office/drawing/2014/main" id="{C27E70F4-64C5-4D2F-87A9-621F337FC48F}"/>
+              </a:ext>
+            </a:extLst>
+          </p:cNvPr>
+          <p:cNvSpPr txBox="1"/>
+          <p:nvPr/>
+        </p:nvSpPr>
+        <p:spPr>
+          <a:xfrm>
+            <a:off x="7748157" y="1103662"/>
+            <a:ext cx="310786" cy="335756"/>
+          </a:xfrm>
+          <a:prstGeom prst="rect">
+            <a:avLst/>
+          </a:prstGeom>
+          <a:noFill/>
+        </p:spPr>
+        <p:txBody>
+          <a:bodyPr wrap="square" rtlCol="0">
+            <a:spAutoFit/>
+          </a:bodyPr>
+          <a:lstStyle/>
+          <a:p>
+            <a:r>
+              <a:rPr lang="en-US" altLang="ja-JP" sz="1600" dirty="0"/>
+              <a:t>A</a:t>
+            </a:r>
+            <a:endParaRPr lang="en-US" sz="1600" dirty="0"/>
+          </a:p>
+        </p:txBody>
+      </p:sp>
+      <p:sp>
+        <p:nvSpPr>
+          <p:cNvPr id="15" name="テキスト ボックス 14">
+            <a:extLst>
+              <a:ext uri="{FF2B5EF4-FFF2-40B4-BE49-F238E27FC236}">
+                <a16:creationId xmlns:a16="http://schemas.microsoft.com/office/drawing/2014/main" id="{725A2967-5E11-4B4B-A7F5-6C4F9798E5A6}"/>
+              </a:ext>
+            </a:extLst>
+          </p:cNvPr>
+          <p:cNvSpPr txBox="1"/>
+          <p:nvPr/>
+        </p:nvSpPr>
+        <p:spPr>
+          <a:xfrm>
+            <a:off x="8476071" y="1877411"/>
+            <a:ext cx="310786" cy="335756"/>
+          </a:xfrm>
+          <a:prstGeom prst="rect">
+            <a:avLst/>
+          </a:prstGeom>
+          <a:noFill/>
+        </p:spPr>
+        <p:txBody>
+          <a:bodyPr wrap="square" rtlCol="0">
+            <a:spAutoFit/>
+          </a:bodyPr>
+          <a:lstStyle/>
+          <a:p>
+            <a:r>
+              <a:rPr lang="en-US" altLang="ja-JP" sz="1600" dirty="0"/>
+              <a:t>B</a:t>
+            </a:r>
+            <a:endParaRPr lang="en-US" sz="1600" dirty="0"/>
+          </a:p>
+        </p:txBody>
+      </p:sp>
+      <p:sp>
+        <p:nvSpPr>
+          <p:cNvPr id="16" name="テキスト ボックス 15">
+            <a:extLst>
+              <a:ext uri="{FF2B5EF4-FFF2-40B4-BE49-F238E27FC236}">
+                <a16:creationId xmlns:a16="http://schemas.microsoft.com/office/drawing/2014/main" id="{4770CE47-DE7A-447C-B321-0D7E6AF8F25D}"/>
+              </a:ext>
+            </a:extLst>
+          </p:cNvPr>
+          <p:cNvSpPr txBox="1"/>
+          <p:nvPr/>
+        </p:nvSpPr>
+        <p:spPr>
+          <a:xfrm>
+            <a:off x="7795939" y="2454049"/>
+            <a:ext cx="310786" cy="335756"/>
+          </a:xfrm>
+          <a:prstGeom prst="rect">
+            <a:avLst/>
+          </a:prstGeom>
+          <a:noFill/>
+        </p:spPr>
+        <p:txBody>
+          <a:bodyPr wrap="square" rtlCol="0">
+            <a:spAutoFit/>
+          </a:bodyPr>
+          <a:lstStyle/>
+          <a:p>
+            <a:r>
+              <a:rPr lang="en-US" altLang="ja-JP" sz="1600" dirty="0"/>
+              <a:t>X</a:t>
+            </a:r>
+            <a:endParaRPr lang="en-US" sz="1600" dirty="0"/>
+          </a:p>
+        </p:txBody>
+      </p:sp>
+      <p:sp>
+        <p:nvSpPr>
+          <p:cNvPr id="17" name="テキスト ボックス 16">
+            <a:extLst>
+              <a:ext uri="{FF2B5EF4-FFF2-40B4-BE49-F238E27FC236}">
+                <a16:creationId xmlns:a16="http://schemas.microsoft.com/office/drawing/2014/main" id="{49E1D45A-843F-431A-A8FE-019D0FB94326}"/>
+              </a:ext>
+            </a:extLst>
+          </p:cNvPr>
+          <p:cNvSpPr txBox="1"/>
+          <p:nvPr/>
+        </p:nvSpPr>
+        <p:spPr>
+          <a:xfrm>
+            <a:off x="6952737" y="1623888"/>
+            <a:ext cx="310786" cy="335756"/>
+          </a:xfrm>
+          <a:prstGeom prst="rect">
+            <a:avLst/>
+          </a:prstGeom>
+          <a:noFill/>
+        </p:spPr>
+        <p:txBody>
+          <a:bodyPr wrap="square" rtlCol="0">
+            <a:spAutoFit/>
+          </a:bodyPr>
+          <a:lstStyle/>
+          <a:p>
+            <a:r>
+              <a:rPr lang="en-US" altLang="ja-JP" sz="1600" dirty="0"/>
+              <a:t>Y</a:t>
+            </a:r>
+            <a:endParaRPr lang="en-US" sz="1600" dirty="0"/>
+          </a:p>
+        </p:txBody>
+      </p:sp>
+      <p:sp>
+        <p:nvSpPr>
+          <p:cNvPr id="18" name="楕円 17">
+            <a:extLst>
+              <a:ext uri="{FF2B5EF4-FFF2-40B4-BE49-F238E27FC236}">
+                <a16:creationId xmlns:a16="http://schemas.microsoft.com/office/drawing/2014/main" id="{947BAAEF-34DF-4773-8F15-2D0BEDA61361}"/>
+              </a:ext>
+            </a:extLst>
+          </p:cNvPr>
+          <p:cNvSpPr/>
+          <p:nvPr/>
+        </p:nvSpPr>
+        <p:spPr>
+          <a:xfrm>
+            <a:off x="9870245" y="1275613"/>
+            <a:ext cx="1279273" cy="1279273"/>
+          </a:xfrm>
+          <a:prstGeom prst="ellipse">
+            <a:avLst/>
+          </a:prstGeom>
+          <a:solidFill>
+            <a:srgbClr val="4472C4">
+              <a:alpha val="50196"/>
+            </a:srgbClr>
+          </a:solidFill>
+          <a:ln>
+            <a:noFill/>
+          </a:ln>
+        </p:spPr>
+        <p:style>
+          <a:lnRef idx="2">
+            <a:schemeClr val="accent1">
+              <a:shade val="50000"/>
+            </a:schemeClr>
+          </a:lnRef>
+          <a:fillRef idx="1">
+            <a:schemeClr val="accent1"/>
+          </a:fillRef>
+          <a:effectRef idx="0">
+            <a:schemeClr val="accent1"/>
+          </a:effectRef>
+          <a:fontRef idx="minor">
+            <a:schemeClr val="lt1"/>
+          </a:fontRef>
+        </p:style>
+        <p:txBody>
+          <a:bodyPr rtlCol="0" anchor="ctr"/>
+          <a:lstStyle/>
+          <a:p>
+            <a:pPr algn="ctr"/>
+            <a:endParaRPr lang="en-US"/>
+          </a:p>
+        </p:txBody>
+      </p:sp>
+      <p:sp>
+        <p:nvSpPr>
+          <p:cNvPr id="19" name="楕円 18">
+            <a:extLst>
+              <a:ext uri="{FF2B5EF4-FFF2-40B4-BE49-F238E27FC236}">
+                <a16:creationId xmlns:a16="http://schemas.microsoft.com/office/drawing/2014/main" id="{3220B10A-A404-49A7-9020-CBA8C1F5CA3B}"/>
+              </a:ext>
+            </a:extLst>
+          </p:cNvPr>
+          <p:cNvSpPr/>
+          <p:nvPr/>
+        </p:nvSpPr>
+        <p:spPr>
+          <a:xfrm>
+            <a:off x="10400405" y="1275612"/>
+            <a:ext cx="1279273" cy="1279273"/>
+          </a:xfrm>
+          <a:prstGeom prst="ellipse">
+            <a:avLst/>
+          </a:prstGeom>
+          <a:solidFill>
+            <a:srgbClr val="92D050">
+              <a:alpha val="50196"/>
+            </a:srgbClr>
+          </a:solidFill>
+          <a:ln>
+            <a:noFill/>
+          </a:ln>
+        </p:spPr>
+        <p:style>
+          <a:lnRef idx="2">
+            <a:schemeClr val="accent1">
+              <a:shade val="50000"/>
+            </a:schemeClr>
+          </a:lnRef>
+          <a:fillRef idx="1">
+            <a:schemeClr val="accent1"/>
+          </a:fillRef>
+          <a:effectRef idx="0">
+            <a:schemeClr val="accent1"/>
+          </a:effectRef>
+          <a:fontRef idx="minor">
+            <a:schemeClr val="lt1"/>
+          </a:fontRef>
+        </p:style>
+        <p:txBody>
+          <a:bodyPr rtlCol="0" anchor="ctr"/>
+          <a:lstStyle/>
+          <a:p>
+            <a:pPr algn="ctr"/>
+            <a:endParaRPr lang="en-US"/>
+          </a:p>
+        </p:txBody>
+      </p:sp>
+      <p:sp>
+        <p:nvSpPr>
+          <p:cNvPr id="20" name="テキスト ボックス 19">
+            <a:extLst>
+              <a:ext uri="{FF2B5EF4-FFF2-40B4-BE49-F238E27FC236}">
+                <a16:creationId xmlns:a16="http://schemas.microsoft.com/office/drawing/2014/main" id="{EB399627-5F01-402E-BDC2-A1B73AFC4711}"/>
+              </a:ext>
+            </a:extLst>
+          </p:cNvPr>
+          <p:cNvSpPr txBox="1"/>
+          <p:nvPr/>
+        </p:nvSpPr>
+        <p:spPr>
+          <a:xfrm>
+            <a:off x="6786214" y="592025"/>
+            <a:ext cx="2236879" cy="276999"/>
+          </a:xfrm>
+          <a:prstGeom prst="rect">
+            <a:avLst/>
+          </a:prstGeom>
+          <a:noFill/>
+        </p:spPr>
+        <p:txBody>
+          <a:bodyPr wrap="square">
+            <a:spAutoFit/>
+          </a:bodyPr>
+          <a:lstStyle/>
+          <a:p>
+            <a:pPr algn="ctr"/>
+            <a:r>
+              <a:rPr lang="en-US" sz="1200" b="1" i="0" dirty="0">
+                <a:solidFill>
+                  <a:srgbClr val="009BD6"/>
+                </a:solidFill>
+                <a:effectLst/>
+                <a:latin typeface="Trebuchet MS" panose="020B0603020202020204" pitchFamily="34" charset="0"/>
+              </a:rPr>
+              <a:t>Cosine Similarity</a:t>
+            </a:r>
+          </a:p>
+        </p:txBody>
+      </p:sp>
+      <p:sp>
+        <p:nvSpPr>
+          <p:cNvPr id="21" name="テキスト ボックス 20">
+            <a:extLst>
+              <a:ext uri="{FF2B5EF4-FFF2-40B4-BE49-F238E27FC236}">
+                <a16:creationId xmlns:a16="http://schemas.microsoft.com/office/drawing/2014/main" id="{4A0A70D0-BEB7-4D2F-8506-475AB4554B03}"/>
+              </a:ext>
+            </a:extLst>
+          </p:cNvPr>
+          <p:cNvSpPr txBox="1"/>
+          <p:nvPr/>
+        </p:nvSpPr>
+        <p:spPr>
+          <a:xfrm>
+            <a:off x="9664841" y="585980"/>
+            <a:ext cx="2236879" cy="276999"/>
+          </a:xfrm>
+          <a:prstGeom prst="rect">
+            <a:avLst/>
+          </a:prstGeom>
+          <a:noFill/>
+        </p:spPr>
+        <p:txBody>
+          <a:bodyPr wrap="square">
+            <a:spAutoFit/>
+          </a:bodyPr>
+          <a:lstStyle/>
+          <a:p>
+            <a:pPr algn="ctr"/>
+            <a:r>
+              <a:rPr lang="en-US" sz="1200" b="1" i="0" dirty="0">
+                <a:solidFill>
+                  <a:srgbClr val="009BD6"/>
+                </a:solidFill>
+                <a:effectLst/>
+                <a:latin typeface="Trebuchet MS" panose="020B0603020202020204" pitchFamily="34" charset="0"/>
+              </a:rPr>
+              <a:t>Jaccard Similarity</a:t>
+            </a:r>
+          </a:p>
+        </p:txBody>
+      </p:sp>
+      <p:sp>
+        <p:nvSpPr>
+          <p:cNvPr id="22" name="テキスト ボックス 21">
+            <a:extLst>
+              <a:ext uri="{FF2B5EF4-FFF2-40B4-BE49-F238E27FC236}">
+                <a16:creationId xmlns:a16="http://schemas.microsoft.com/office/drawing/2014/main" id="{4D20D8E4-8BB0-47D6-9886-3CBC43EC4FDA}"/>
+              </a:ext>
+            </a:extLst>
+          </p:cNvPr>
+          <p:cNvSpPr txBox="1"/>
+          <p:nvPr/>
+        </p:nvSpPr>
+        <p:spPr>
+          <a:xfrm>
+            <a:off x="10013275" y="1747370"/>
+            <a:ext cx="310786" cy="307777"/>
+          </a:xfrm>
+          <a:prstGeom prst="rect">
+            <a:avLst/>
+          </a:prstGeom>
+          <a:noFill/>
+        </p:spPr>
+        <p:txBody>
+          <a:bodyPr wrap="square" rtlCol="0">
+            <a:spAutoFit/>
+          </a:bodyPr>
+          <a:lstStyle/>
+          <a:p>
+            <a:pPr algn="ctr"/>
+            <a:r>
+              <a:rPr lang="en-US" sz="1400" b="0" i="0" dirty="0">
+                <a:solidFill>
+                  <a:srgbClr val="222222"/>
+                </a:solidFill>
+                <a:effectLst/>
+                <a:latin typeface="Roboto"/>
+              </a:rPr>
+              <a:t>A</a:t>
+            </a:r>
+            <a:endParaRPr lang="en-US" sz="1400" dirty="0"/>
+          </a:p>
+        </p:txBody>
+      </p:sp>
+      <p:sp>
+        <p:nvSpPr>
+          <p:cNvPr id="23" name="テキスト ボックス 22">
+            <a:extLst>
+              <a:ext uri="{FF2B5EF4-FFF2-40B4-BE49-F238E27FC236}">
+                <a16:creationId xmlns:a16="http://schemas.microsoft.com/office/drawing/2014/main" id="{91B366B6-F7D9-4730-AE32-EBA8E8405C46}"/>
+              </a:ext>
+            </a:extLst>
+          </p:cNvPr>
+          <p:cNvSpPr txBox="1"/>
+          <p:nvPr/>
+        </p:nvSpPr>
+        <p:spPr>
+          <a:xfrm>
+            <a:off x="11244954" y="1747370"/>
+            <a:ext cx="310786" cy="307777"/>
+          </a:xfrm>
+          <a:prstGeom prst="rect">
+            <a:avLst/>
+          </a:prstGeom>
+          <a:noFill/>
+        </p:spPr>
+        <p:txBody>
+          <a:bodyPr wrap="square" rtlCol="0">
+            <a:spAutoFit/>
+          </a:bodyPr>
+          <a:lstStyle/>
+          <a:p>
+            <a:pPr algn="ctr"/>
+            <a:r>
+              <a:rPr lang="en-US" sz="1400" b="0" i="0" dirty="0">
+                <a:solidFill>
+                  <a:srgbClr val="222222"/>
+                </a:solidFill>
+                <a:effectLst/>
+                <a:latin typeface="Roboto"/>
+              </a:rPr>
+              <a:t>B</a:t>
+            </a:r>
+            <a:endParaRPr lang="en-US" sz="1400" dirty="0"/>
+          </a:p>
+        </p:txBody>
+      </p:sp>
+      <p:sp>
+        <p:nvSpPr>
+          <p:cNvPr id="24" name="テキスト ボックス 23">
+            <a:extLst>
+              <a:ext uri="{FF2B5EF4-FFF2-40B4-BE49-F238E27FC236}">
+                <a16:creationId xmlns:a16="http://schemas.microsoft.com/office/drawing/2014/main" id="{0ECA2AF2-946E-484A-B195-C498E5B2D657}"/>
+              </a:ext>
+            </a:extLst>
+          </p:cNvPr>
+          <p:cNvSpPr txBox="1"/>
+          <p:nvPr/>
+        </p:nvSpPr>
+        <p:spPr>
+          <a:xfrm>
+            <a:off x="10416869" y="1747370"/>
+            <a:ext cx="732820" cy="307777"/>
+          </a:xfrm>
+          <a:prstGeom prst="rect">
+            <a:avLst/>
+          </a:prstGeom>
+          <a:noFill/>
+        </p:spPr>
+        <p:txBody>
+          <a:bodyPr wrap="square" rtlCol="0">
+            <a:spAutoFit/>
+          </a:bodyPr>
+          <a:lstStyle/>
+          <a:p>
+            <a:pPr algn="ctr"/>
+            <a:r>
+              <a:rPr lang="en-US" sz="1400" b="0" i="0" dirty="0">
+                <a:solidFill>
+                  <a:srgbClr val="222222"/>
+                </a:solidFill>
+                <a:effectLst/>
+                <a:latin typeface="Roboto"/>
+              </a:rPr>
+              <a:t>A ∩ B</a:t>
+            </a:r>
+            <a:endParaRPr lang="en-US" sz="1400" dirty="0"/>
+          </a:p>
+        </p:txBody>
+      </p:sp>
+      <p:sp>
+        <p:nvSpPr>
+          <p:cNvPr id="25" name="正方形/長方形 24">
+            <a:extLst>
+              <a:ext uri="{FF2B5EF4-FFF2-40B4-BE49-F238E27FC236}">
+                <a16:creationId xmlns:a16="http://schemas.microsoft.com/office/drawing/2014/main" id="{E9BEB3AD-F4EC-4475-BC96-AE1F30295553}"/>
+              </a:ext>
+            </a:extLst>
+          </p:cNvPr>
+          <p:cNvSpPr/>
+          <p:nvPr/>
+        </p:nvSpPr>
+        <p:spPr>
+          <a:xfrm>
+            <a:off x="468374" y="443481"/>
+            <a:ext cx="2460567" cy="2360814"/>
+          </a:xfrm>
+          <a:prstGeom prst="rect">
+            <a:avLst/>
+          </a:prstGeom>
+          <a:solidFill>
+            <a:schemeClr val="bg1">
+              <a:lumMod val="95000"/>
+            </a:schemeClr>
+          </a:solidFill>
+          <a:ln>
+            <a:noFill/>
+          </a:ln>
+        </p:spPr>
+        <p:style>
+          <a:lnRef idx="2">
+            <a:schemeClr val="accent1">
+              <a:shade val="50000"/>
+            </a:schemeClr>
+          </a:lnRef>
+          <a:fillRef idx="1">
+            <a:schemeClr val="accent1"/>
+          </a:fillRef>
+          <a:effectRef idx="0">
+            <a:schemeClr val="accent1"/>
+          </a:effectRef>
+          <a:fontRef idx="minor">
+            <a:schemeClr val="lt1"/>
+          </a:fontRef>
+        </p:style>
+        <p:txBody>
+          <a:bodyPr rtlCol="0" anchor="ctr"/>
+          <a:lstStyle/>
+          <a:p>
+            <a:pPr algn="ctr"/>
+            <a:endParaRPr lang="en-US" sz="1600"/>
+          </a:p>
+        </p:txBody>
+      </p:sp>
+      <p:sp>
+        <p:nvSpPr>
+          <p:cNvPr id="26" name="正方形/長方形 25">
+            <a:extLst>
+              <a:ext uri="{FF2B5EF4-FFF2-40B4-BE49-F238E27FC236}">
+                <a16:creationId xmlns:a16="http://schemas.microsoft.com/office/drawing/2014/main" id="{ED63ADE8-FF3C-4238-9B7B-84F20DCE1A98}"/>
+              </a:ext>
+            </a:extLst>
+          </p:cNvPr>
+          <p:cNvSpPr/>
+          <p:nvPr/>
+        </p:nvSpPr>
+        <p:spPr>
+          <a:xfrm>
+            <a:off x="580219" y="550790"/>
+            <a:ext cx="2236879" cy="2146195"/>
+          </a:xfrm>
+          <a:prstGeom prst="rect">
+            <a:avLst/>
+          </a:prstGeom>
+          <a:solidFill>
+            <a:schemeClr val="bg1"/>
+          </a:solidFill>
+          <a:ln>
+            <a:noFill/>
+          </a:ln>
+        </p:spPr>
+        <p:style>
+          <a:lnRef idx="2">
+            <a:schemeClr val="accent1">
+              <a:shade val="50000"/>
+            </a:schemeClr>
+          </a:lnRef>
+          <a:fillRef idx="1">
+            <a:schemeClr val="accent1"/>
+          </a:fillRef>
+          <a:effectRef idx="0">
+            <a:schemeClr val="accent1"/>
+          </a:effectRef>
+          <a:fontRef idx="minor">
+            <a:schemeClr val="lt1"/>
+          </a:fontRef>
+        </p:style>
+        <p:txBody>
+          <a:bodyPr rtlCol="0" anchor="ctr"/>
+          <a:lstStyle/>
+          <a:p>
+            <a:pPr algn="ctr"/>
+            <a:endParaRPr lang="en-US" sz="1600"/>
+          </a:p>
+        </p:txBody>
+      </p:sp>
+      <p:cxnSp>
+        <p:nvCxnSpPr>
+          <p:cNvPr id="27" name="直線コネクタ 26">
+            <a:extLst>
+              <a:ext uri="{FF2B5EF4-FFF2-40B4-BE49-F238E27FC236}">
+                <a16:creationId xmlns:a16="http://schemas.microsoft.com/office/drawing/2014/main" id="{9B5885B7-2CA8-40D0-B9AF-1BB4C0964AA4}"/>
+              </a:ext>
+            </a:extLst>
+          </p:cNvPr>
+          <p:cNvCxnSpPr/>
+          <p:nvPr/>
+        </p:nvCxnSpPr>
+        <p:spPr>
+          <a:xfrm flipV="1">
+            <a:off x="1073440" y="1019821"/>
+            <a:ext cx="0" cy="1632318"/>
+          </a:xfrm>
+          <a:prstGeom prst="line">
+            <a:avLst/>
+          </a:prstGeom>
+          <a:ln w="28575">
+            <a:solidFill>
+              <a:schemeClr val="tx1">
+                <a:lumMod val="50000"/>
+                <a:lumOff val="50000"/>
+              </a:schemeClr>
+            </a:solidFill>
+          </a:ln>
+        </p:spPr>
+        <p:style>
+          <a:lnRef idx="1">
+            <a:schemeClr val="accent1"/>
+          </a:lnRef>
+          <a:fillRef idx="0">
+            <a:schemeClr val="accent1"/>
+          </a:fillRef>
+          <a:effectRef idx="0">
+            <a:schemeClr val="accent1"/>
+          </a:effectRef>
+          <a:fontRef idx="minor">
+            <a:schemeClr val="tx1"/>
+          </a:fontRef>
+        </p:style>
+      </p:cxnSp>
+      <p:cxnSp>
+        <p:nvCxnSpPr>
+          <p:cNvPr id="28" name="直線コネクタ 27">
+            <a:extLst>
+              <a:ext uri="{FF2B5EF4-FFF2-40B4-BE49-F238E27FC236}">
+                <a16:creationId xmlns:a16="http://schemas.microsoft.com/office/drawing/2014/main" id="{CEADAD69-8FC7-4DA0-835A-2831B70D08C3}"/>
+              </a:ext>
+            </a:extLst>
+          </p:cNvPr>
+          <p:cNvCxnSpPr>
+            <a:cxnSpLocks/>
+          </p:cNvCxnSpPr>
+          <p:nvPr/>
+        </p:nvCxnSpPr>
+        <p:spPr>
+          <a:xfrm rot="16200000" flipV="1">
+            <a:off x="1635177" y="1581560"/>
+            <a:ext cx="0" cy="1632317"/>
+          </a:xfrm>
+          <a:prstGeom prst="line">
+            <a:avLst/>
+          </a:prstGeom>
+          <a:ln w="28575">
+            <a:solidFill>
+              <a:schemeClr val="tx1">
+                <a:lumMod val="50000"/>
+                <a:lumOff val="50000"/>
+              </a:schemeClr>
+            </a:solidFill>
+          </a:ln>
+        </p:spPr>
+        <p:style>
+          <a:lnRef idx="1">
+            <a:schemeClr val="accent1"/>
+          </a:lnRef>
+          <a:fillRef idx="0">
+            <a:schemeClr val="accent1"/>
+          </a:fillRef>
+          <a:effectRef idx="0">
+            <a:schemeClr val="accent1"/>
+          </a:effectRef>
+          <a:fontRef idx="minor">
+            <a:schemeClr val="tx1"/>
+          </a:fontRef>
+        </p:style>
+      </p:cxnSp>
+      <p:sp>
+        <p:nvSpPr>
+          <p:cNvPr id="35" name="テキスト ボックス 34">
+            <a:extLst>
+              <a:ext uri="{FF2B5EF4-FFF2-40B4-BE49-F238E27FC236}">
+                <a16:creationId xmlns:a16="http://schemas.microsoft.com/office/drawing/2014/main" id="{BB5DAEA5-5A0B-40B8-9231-9211D312D9C6}"/>
+              </a:ext>
+            </a:extLst>
+          </p:cNvPr>
+          <p:cNvSpPr txBox="1"/>
+          <p:nvPr/>
+        </p:nvSpPr>
+        <p:spPr>
+          <a:xfrm>
+            <a:off x="1578106" y="2412617"/>
+            <a:ext cx="310786" cy="335756"/>
+          </a:xfrm>
+          <a:prstGeom prst="rect">
+            <a:avLst/>
+          </a:prstGeom>
+          <a:noFill/>
+        </p:spPr>
+        <p:txBody>
+          <a:bodyPr wrap="square" rtlCol="0">
+            <a:spAutoFit/>
+          </a:bodyPr>
+          <a:lstStyle/>
+          <a:p>
+            <a:r>
+              <a:rPr lang="en-US" altLang="ja-JP" sz="1600" dirty="0"/>
+              <a:t>X</a:t>
+            </a:r>
+            <a:endParaRPr lang="en-US" sz="1600" dirty="0"/>
+          </a:p>
+        </p:txBody>
+      </p:sp>
+      <p:sp>
+        <p:nvSpPr>
+          <p:cNvPr id="36" name="テキスト ボックス 35">
+            <a:extLst>
+              <a:ext uri="{FF2B5EF4-FFF2-40B4-BE49-F238E27FC236}">
+                <a16:creationId xmlns:a16="http://schemas.microsoft.com/office/drawing/2014/main" id="{F7D4681D-2AB2-49F0-ADA1-DD35E890869C}"/>
+              </a:ext>
+            </a:extLst>
+          </p:cNvPr>
+          <p:cNvSpPr txBox="1"/>
+          <p:nvPr/>
+        </p:nvSpPr>
+        <p:spPr>
+          <a:xfrm>
+            <a:off x="734904" y="1582456"/>
+            <a:ext cx="310786" cy="335756"/>
+          </a:xfrm>
+          <a:prstGeom prst="rect">
+            <a:avLst/>
+          </a:prstGeom>
+          <a:noFill/>
+        </p:spPr>
+        <p:txBody>
+          <a:bodyPr wrap="square" rtlCol="0">
+            <a:spAutoFit/>
+          </a:bodyPr>
+          <a:lstStyle/>
+          <a:p>
+            <a:r>
+              <a:rPr lang="en-US" altLang="ja-JP" sz="1600" dirty="0"/>
+              <a:t>Y</a:t>
+            </a:r>
+            <a:endParaRPr lang="en-US" sz="1600" dirty="0"/>
+          </a:p>
+        </p:txBody>
+      </p:sp>
+      <p:sp>
+        <p:nvSpPr>
+          <p:cNvPr id="37" name="テキスト ボックス 36">
+            <a:extLst>
+              <a:ext uri="{FF2B5EF4-FFF2-40B4-BE49-F238E27FC236}">
+                <a16:creationId xmlns:a16="http://schemas.microsoft.com/office/drawing/2014/main" id="{DD82DCD4-C318-4312-806C-F886C8562A7D}"/>
+              </a:ext>
+            </a:extLst>
+          </p:cNvPr>
+          <p:cNvSpPr txBox="1"/>
+          <p:nvPr/>
+        </p:nvSpPr>
+        <p:spPr>
+          <a:xfrm>
+            <a:off x="568381" y="550593"/>
+            <a:ext cx="2236879" cy="276999"/>
+          </a:xfrm>
+          <a:prstGeom prst="rect">
+            <a:avLst/>
+          </a:prstGeom>
+          <a:noFill/>
+        </p:spPr>
+        <p:txBody>
+          <a:bodyPr wrap="square">
+            <a:spAutoFit/>
+          </a:bodyPr>
+          <a:lstStyle/>
+          <a:p>
+            <a:pPr algn="ctr"/>
+            <a:r>
+              <a:rPr lang="en-US" sz="1200" b="1" i="0" dirty="0">
+                <a:solidFill>
+                  <a:srgbClr val="009BD6"/>
+                </a:solidFill>
+                <a:effectLst/>
+                <a:latin typeface="Trebuchet MS" panose="020B0603020202020204" pitchFamily="34" charset="0"/>
+              </a:rPr>
+              <a:t>Pearson’s correlation</a:t>
+            </a:r>
+          </a:p>
+        </p:txBody>
+      </p:sp>
+      <p:sp>
+        <p:nvSpPr>
+          <p:cNvPr id="39" name="楕円 38">
+            <a:extLst>
+              <a:ext uri="{FF2B5EF4-FFF2-40B4-BE49-F238E27FC236}">
+                <a16:creationId xmlns:a16="http://schemas.microsoft.com/office/drawing/2014/main" id="{89DEB80A-0C3F-42C6-8BF2-AC77B1DDC930}"/>
+              </a:ext>
+            </a:extLst>
+          </p:cNvPr>
+          <p:cNvSpPr/>
+          <p:nvPr/>
+        </p:nvSpPr>
+        <p:spPr>
+          <a:xfrm>
+            <a:off x="1265313" y="1735645"/>
+            <a:ext cx="103439" cy="103439"/>
+          </a:xfrm>
+          <a:prstGeom prst="ellipse">
+            <a:avLst/>
+          </a:prstGeom>
+          <a:solidFill>
+            <a:srgbClr val="4472C4">
+              <a:alpha val="50196"/>
+            </a:srgbClr>
+          </a:solidFill>
+          <a:ln>
+            <a:noFill/>
+          </a:ln>
+        </p:spPr>
+        <p:style>
+          <a:lnRef idx="2">
+            <a:schemeClr val="accent1">
+              <a:shade val="50000"/>
+            </a:schemeClr>
+          </a:lnRef>
+          <a:fillRef idx="1">
+            <a:schemeClr val="accent1"/>
+          </a:fillRef>
+          <a:effectRef idx="0">
+            <a:schemeClr val="accent1"/>
+          </a:effectRef>
+          <a:fontRef idx="minor">
+            <a:schemeClr val="lt1"/>
+          </a:fontRef>
+        </p:style>
+        <p:txBody>
+          <a:bodyPr rtlCol="0" anchor="ctr"/>
+          <a:lstStyle/>
+          <a:p>
+            <a:pPr algn="ctr"/>
+            <a:endParaRPr lang="en-US"/>
+          </a:p>
+        </p:txBody>
+      </p:sp>
+      <p:sp>
+        <p:nvSpPr>
+          <p:cNvPr id="40" name="楕円 39">
+            <a:extLst>
+              <a:ext uri="{FF2B5EF4-FFF2-40B4-BE49-F238E27FC236}">
+                <a16:creationId xmlns:a16="http://schemas.microsoft.com/office/drawing/2014/main" id="{CDF327D7-B2DD-4A21-9A1E-94983D668068}"/>
+              </a:ext>
+            </a:extLst>
+          </p:cNvPr>
+          <p:cNvSpPr/>
+          <p:nvPr/>
+        </p:nvSpPr>
+        <p:spPr>
+          <a:xfrm>
+            <a:off x="1462102" y="1994577"/>
+            <a:ext cx="103439" cy="103439"/>
+          </a:xfrm>
+          <a:prstGeom prst="ellipse">
+            <a:avLst/>
+          </a:prstGeom>
+          <a:solidFill>
+            <a:srgbClr val="4472C4">
+              <a:alpha val="50196"/>
+            </a:srgbClr>
+          </a:solidFill>
+          <a:ln>
+            <a:noFill/>
+          </a:ln>
+        </p:spPr>
+        <p:style>
+          <a:lnRef idx="2">
+            <a:schemeClr val="accent1">
+              <a:shade val="50000"/>
+            </a:schemeClr>
+          </a:lnRef>
+          <a:fillRef idx="1">
+            <a:schemeClr val="accent1"/>
+          </a:fillRef>
+          <a:effectRef idx="0">
+            <a:schemeClr val="accent1"/>
+          </a:effectRef>
+          <a:fontRef idx="minor">
+            <a:schemeClr val="lt1"/>
+          </a:fontRef>
+        </p:style>
+        <p:txBody>
+          <a:bodyPr rtlCol="0" anchor="ctr"/>
+          <a:lstStyle/>
+          <a:p>
+            <a:pPr algn="ctr"/>
+            <a:endParaRPr lang="en-US"/>
+          </a:p>
+        </p:txBody>
+      </p:sp>
+      <p:sp>
+        <p:nvSpPr>
+          <p:cNvPr id="41" name="楕円 40">
+            <a:extLst>
+              <a:ext uri="{FF2B5EF4-FFF2-40B4-BE49-F238E27FC236}">
+                <a16:creationId xmlns:a16="http://schemas.microsoft.com/office/drawing/2014/main" id="{BD838A43-BF6C-4EF0-9E25-E635265A73E6}"/>
+              </a:ext>
+            </a:extLst>
+          </p:cNvPr>
+          <p:cNvSpPr/>
+          <p:nvPr/>
+        </p:nvSpPr>
+        <p:spPr>
+          <a:xfrm>
+            <a:off x="1675167" y="1435282"/>
+            <a:ext cx="103439" cy="103439"/>
+          </a:xfrm>
+          <a:prstGeom prst="ellipse">
+            <a:avLst/>
+          </a:prstGeom>
+          <a:solidFill>
+            <a:srgbClr val="4472C4">
+              <a:alpha val="50196"/>
+            </a:srgbClr>
+          </a:solidFill>
+          <a:ln>
+            <a:noFill/>
+          </a:ln>
+        </p:spPr>
+        <p:style>
+          <a:lnRef idx="2">
+            <a:schemeClr val="accent1">
+              <a:shade val="50000"/>
+            </a:schemeClr>
+          </a:lnRef>
+          <a:fillRef idx="1">
+            <a:schemeClr val="accent1"/>
+          </a:fillRef>
+          <a:effectRef idx="0">
+            <a:schemeClr val="accent1"/>
+          </a:effectRef>
+          <a:fontRef idx="minor">
+            <a:schemeClr val="lt1"/>
+          </a:fontRef>
+        </p:style>
+        <p:txBody>
+          <a:bodyPr rtlCol="0" anchor="ctr"/>
+          <a:lstStyle/>
+          <a:p>
+            <a:pPr algn="ctr"/>
+            <a:endParaRPr lang="en-US"/>
+          </a:p>
+        </p:txBody>
+      </p:sp>
+      <p:sp>
+        <p:nvSpPr>
+          <p:cNvPr id="42" name="楕円 41">
+            <a:extLst>
+              <a:ext uri="{FF2B5EF4-FFF2-40B4-BE49-F238E27FC236}">
+                <a16:creationId xmlns:a16="http://schemas.microsoft.com/office/drawing/2014/main" id="{1886B858-2BE8-4D62-AE34-D1FFE47C7661}"/>
+              </a:ext>
+            </a:extLst>
+          </p:cNvPr>
+          <p:cNvSpPr/>
+          <p:nvPr/>
+        </p:nvSpPr>
+        <p:spPr>
+          <a:xfrm>
+            <a:off x="1905985" y="1781513"/>
+            <a:ext cx="103439" cy="103439"/>
+          </a:xfrm>
+          <a:prstGeom prst="ellipse">
+            <a:avLst/>
+          </a:prstGeom>
+          <a:solidFill>
+            <a:srgbClr val="4472C4">
+              <a:alpha val="50196"/>
+            </a:srgbClr>
+          </a:solidFill>
+          <a:ln>
+            <a:noFill/>
+          </a:ln>
+        </p:spPr>
+        <p:style>
+          <a:lnRef idx="2">
+            <a:schemeClr val="accent1">
+              <a:shade val="50000"/>
+            </a:schemeClr>
+          </a:lnRef>
+          <a:fillRef idx="1">
+            <a:schemeClr val="accent1"/>
+          </a:fillRef>
+          <a:effectRef idx="0">
+            <a:schemeClr val="accent1"/>
+          </a:effectRef>
+          <a:fontRef idx="minor">
+            <a:schemeClr val="lt1"/>
+          </a:fontRef>
+        </p:style>
+        <p:txBody>
+          <a:bodyPr rtlCol="0" anchor="ctr"/>
+          <a:lstStyle/>
+          <a:p>
+            <a:pPr algn="ctr"/>
+            <a:endParaRPr lang="en-US"/>
+          </a:p>
+        </p:txBody>
+      </p:sp>
+      <p:sp>
+        <p:nvSpPr>
+          <p:cNvPr id="43" name="楕円 42">
+            <a:extLst>
+              <a:ext uri="{FF2B5EF4-FFF2-40B4-BE49-F238E27FC236}">
+                <a16:creationId xmlns:a16="http://schemas.microsoft.com/office/drawing/2014/main" id="{F279C512-38E7-41F0-B155-B3D36E7A1474}"/>
+              </a:ext>
+            </a:extLst>
+          </p:cNvPr>
+          <p:cNvSpPr/>
+          <p:nvPr/>
+        </p:nvSpPr>
+        <p:spPr>
+          <a:xfrm>
+            <a:off x="2074661" y="1382019"/>
+            <a:ext cx="103439" cy="103439"/>
+          </a:xfrm>
+          <a:prstGeom prst="ellipse">
+            <a:avLst/>
+          </a:prstGeom>
+          <a:solidFill>
+            <a:srgbClr val="4472C4">
+              <a:alpha val="50196"/>
+            </a:srgbClr>
+          </a:solidFill>
+          <a:ln>
+            <a:noFill/>
+          </a:ln>
+        </p:spPr>
+        <p:style>
+          <a:lnRef idx="2">
+            <a:schemeClr val="accent1">
+              <a:shade val="50000"/>
+            </a:schemeClr>
+          </a:lnRef>
+          <a:fillRef idx="1">
+            <a:schemeClr val="accent1"/>
+          </a:fillRef>
+          <a:effectRef idx="0">
+            <a:schemeClr val="accent1"/>
+          </a:effectRef>
+          <a:fontRef idx="minor">
+            <a:schemeClr val="lt1"/>
+          </a:fontRef>
+        </p:style>
+        <p:txBody>
+          <a:bodyPr rtlCol="0" anchor="ctr"/>
+          <a:lstStyle/>
+          <a:p>
+            <a:pPr algn="ctr"/>
+            <a:endParaRPr lang="en-US"/>
+          </a:p>
+        </p:txBody>
+      </p:sp>
+      <p:cxnSp>
+        <p:nvCxnSpPr>
+          <p:cNvPr id="44" name="直線矢印コネクタ 43">
+            <a:extLst>
+              <a:ext uri="{FF2B5EF4-FFF2-40B4-BE49-F238E27FC236}">
+                <a16:creationId xmlns:a16="http://schemas.microsoft.com/office/drawing/2014/main" id="{D2B5717C-B016-4F65-889F-19CDBE1CC509}"/>
+              </a:ext>
+            </a:extLst>
+          </p:cNvPr>
+          <p:cNvCxnSpPr>
+            <a:cxnSpLocks/>
+          </p:cNvCxnSpPr>
+          <p:nvPr/>
+        </p:nvCxnSpPr>
+        <p:spPr>
+          <a:xfrm flipV="1">
+            <a:off x="1129871" y="1300482"/>
+            <a:ext cx="1204566" cy="812432"/>
+          </a:xfrm>
+          <a:prstGeom prst="straightConnector1">
+            <a:avLst/>
+          </a:prstGeom>
+          <a:ln w="19050">
+            <a:solidFill>
+              <a:schemeClr val="accent1">
+                <a:lumMod val="75000"/>
+              </a:schemeClr>
+            </a:solidFill>
+            <a:headEnd type="none" w="med" len="med"/>
+            <a:tailEnd type="none" w="med" len="med"/>
+          </a:ln>
+        </p:spPr>
+        <p:style>
+          <a:lnRef idx="1">
+            <a:schemeClr val="accent1"/>
+          </a:lnRef>
+          <a:fillRef idx="0">
+            <a:schemeClr val="accent1"/>
+          </a:fillRef>
+          <a:effectRef idx="0">
+            <a:schemeClr val="accent1"/>
+          </a:effectRef>
+          <a:fontRef idx="minor">
+            <a:schemeClr val="tx1"/>
+          </a:fontRef>
+        </p:style>
+      </p:cxnSp>
+      <p:cxnSp>
+        <p:nvCxnSpPr>
+          <p:cNvPr id="48" name="直線コネクタ 47">
+            <a:extLst>
+              <a:ext uri="{FF2B5EF4-FFF2-40B4-BE49-F238E27FC236}">
+                <a16:creationId xmlns:a16="http://schemas.microsoft.com/office/drawing/2014/main" id="{E6D0AAC5-A33C-4ABB-9351-54DEC9A50483}"/>
+              </a:ext>
+            </a:extLst>
+          </p:cNvPr>
+          <p:cNvCxnSpPr>
+            <a:cxnSpLocks/>
+          </p:cNvCxnSpPr>
+          <p:nvPr/>
+        </p:nvCxnSpPr>
+        <p:spPr>
+          <a:xfrm>
+            <a:off x="1722715" y="1523476"/>
+            <a:ext cx="8342" cy="175785"/>
+          </a:xfrm>
+          <a:prstGeom prst="line">
+            <a:avLst/>
+          </a:prstGeom>
+          <a:ln w="12700"/>
+        </p:spPr>
+        <p:style>
+          <a:lnRef idx="1">
+            <a:schemeClr val="accent1"/>
+          </a:lnRef>
+          <a:fillRef idx="0">
+            <a:schemeClr val="accent1"/>
+          </a:fillRef>
+          <a:effectRef idx="0">
+            <a:schemeClr val="accent1"/>
+          </a:effectRef>
+          <a:fontRef idx="minor">
+            <a:schemeClr val="tx1"/>
+          </a:fontRef>
+        </p:style>
+      </p:cxnSp>
+      <p:cxnSp>
+        <p:nvCxnSpPr>
+          <p:cNvPr id="49" name="直線コネクタ 48">
+            <a:extLst>
+              <a:ext uri="{FF2B5EF4-FFF2-40B4-BE49-F238E27FC236}">
+                <a16:creationId xmlns:a16="http://schemas.microsoft.com/office/drawing/2014/main" id="{DE288865-4E09-45CF-83F6-49D44C3282A4}"/>
+              </a:ext>
+            </a:extLst>
+          </p:cNvPr>
+          <p:cNvCxnSpPr>
+            <a:cxnSpLocks/>
+          </p:cNvCxnSpPr>
+          <p:nvPr/>
+        </p:nvCxnSpPr>
+        <p:spPr>
+          <a:xfrm>
+            <a:off x="1953533" y="1558004"/>
+            <a:ext cx="8342" cy="233970"/>
+          </a:xfrm>
+          <a:prstGeom prst="line">
+            <a:avLst/>
+          </a:prstGeom>
+          <a:ln w="12700"/>
+        </p:spPr>
+        <p:style>
+          <a:lnRef idx="1">
+            <a:schemeClr val="accent1"/>
+          </a:lnRef>
+          <a:fillRef idx="0">
+            <a:schemeClr val="accent1"/>
+          </a:fillRef>
+          <a:effectRef idx="0">
+            <a:schemeClr val="accent1"/>
+          </a:effectRef>
+          <a:fontRef idx="minor">
+            <a:schemeClr val="tx1"/>
+          </a:fontRef>
+        </p:style>
+      </p:cxnSp>
+      <p:cxnSp>
+        <p:nvCxnSpPr>
+          <p:cNvPr id="50" name="直線コネクタ 49">
+            <a:extLst>
+              <a:ext uri="{FF2B5EF4-FFF2-40B4-BE49-F238E27FC236}">
+                <a16:creationId xmlns:a16="http://schemas.microsoft.com/office/drawing/2014/main" id="{CCCD2C86-1834-4AB8-AD60-D616058F399B}"/>
+              </a:ext>
+            </a:extLst>
+          </p:cNvPr>
+          <p:cNvCxnSpPr>
+            <a:cxnSpLocks/>
+          </p:cNvCxnSpPr>
+          <p:nvPr/>
+        </p:nvCxnSpPr>
+        <p:spPr>
+          <a:xfrm>
+            <a:off x="1500772" y="1872978"/>
+            <a:ext cx="8342" cy="120064"/>
+          </a:xfrm>
+          <a:prstGeom prst="line">
+            <a:avLst/>
+          </a:prstGeom>
+          <a:ln w="12700"/>
+        </p:spPr>
+        <p:style>
+          <a:lnRef idx="1">
+            <a:schemeClr val="accent1"/>
+          </a:lnRef>
+          <a:fillRef idx="0">
+            <a:schemeClr val="accent1"/>
+          </a:fillRef>
+          <a:effectRef idx="0">
+            <a:schemeClr val="accent1"/>
+          </a:effectRef>
+          <a:fontRef idx="minor">
+            <a:schemeClr val="tx1"/>
+          </a:fontRef>
+        </p:style>
+      </p:cxnSp>
+      <p:cxnSp>
+        <p:nvCxnSpPr>
+          <p:cNvPr id="51" name="直線コネクタ 50">
+            <a:extLst>
+              <a:ext uri="{FF2B5EF4-FFF2-40B4-BE49-F238E27FC236}">
+                <a16:creationId xmlns:a16="http://schemas.microsoft.com/office/drawing/2014/main" id="{5D0ED91C-12CA-4CE1-AD10-E945A5153FC7}"/>
+              </a:ext>
+            </a:extLst>
+          </p:cNvPr>
+          <p:cNvCxnSpPr>
+            <a:cxnSpLocks/>
+          </p:cNvCxnSpPr>
+          <p:nvPr/>
+        </p:nvCxnSpPr>
+        <p:spPr>
+          <a:xfrm>
+            <a:off x="1312861" y="1834088"/>
+            <a:ext cx="8342" cy="145277"/>
+          </a:xfrm>
+          <a:prstGeom prst="line">
+            <a:avLst/>
+          </a:prstGeom>
+          <a:ln w="12700"/>
+        </p:spPr>
+        <p:style>
+          <a:lnRef idx="1">
+            <a:schemeClr val="accent1"/>
+          </a:lnRef>
+          <a:fillRef idx="0">
+            <a:schemeClr val="accent1"/>
+          </a:fillRef>
+          <a:effectRef idx="0">
+            <a:schemeClr val="accent1"/>
+          </a:effectRef>
+          <a:fontRef idx="minor">
+            <a:schemeClr val="tx1"/>
+          </a:fontRef>
+        </p:style>
+      </p:cxnSp>
+      <p:sp>
+        <p:nvSpPr>
+          <p:cNvPr id="52" name="正方形/長方形 51">
+            <a:extLst>
+              <a:ext uri="{FF2B5EF4-FFF2-40B4-BE49-F238E27FC236}">
+                <a16:creationId xmlns:a16="http://schemas.microsoft.com/office/drawing/2014/main" id="{2B24A9E2-698C-40BF-BA7E-FE0C18DF7D06}"/>
+              </a:ext>
+            </a:extLst>
+          </p:cNvPr>
+          <p:cNvSpPr/>
+          <p:nvPr/>
+        </p:nvSpPr>
+        <p:spPr>
+          <a:xfrm>
+            <a:off x="3477283" y="506216"/>
+            <a:ext cx="2460567" cy="2360814"/>
+          </a:xfrm>
+          <a:prstGeom prst="rect">
+            <a:avLst/>
+          </a:prstGeom>
+          <a:solidFill>
+            <a:schemeClr val="bg1">
+              <a:lumMod val="95000"/>
+            </a:schemeClr>
+          </a:solidFill>
+          <a:ln>
+            <a:noFill/>
+          </a:ln>
+        </p:spPr>
+        <p:style>
+          <a:lnRef idx="2">
+            <a:schemeClr val="accent1">
+              <a:shade val="50000"/>
+            </a:schemeClr>
+          </a:lnRef>
+          <a:fillRef idx="1">
+            <a:schemeClr val="accent1"/>
+          </a:fillRef>
+          <a:effectRef idx="0">
+            <a:schemeClr val="accent1"/>
+          </a:effectRef>
+          <a:fontRef idx="minor">
+            <a:schemeClr val="lt1"/>
+          </a:fontRef>
+        </p:style>
+        <p:txBody>
+          <a:bodyPr rtlCol="0" anchor="ctr"/>
+          <a:lstStyle/>
+          <a:p>
+            <a:pPr algn="ctr"/>
+            <a:endParaRPr lang="en-US" sz="1600"/>
+          </a:p>
+        </p:txBody>
+      </p:sp>
+      <p:sp>
+        <p:nvSpPr>
+          <p:cNvPr id="53" name="正方形/長方形 52">
+            <a:extLst>
+              <a:ext uri="{FF2B5EF4-FFF2-40B4-BE49-F238E27FC236}">
+                <a16:creationId xmlns:a16="http://schemas.microsoft.com/office/drawing/2014/main" id="{B5467E16-0353-4304-A3E6-D8FAB3764EEF}"/>
+              </a:ext>
+            </a:extLst>
+          </p:cNvPr>
+          <p:cNvSpPr/>
+          <p:nvPr/>
+        </p:nvSpPr>
+        <p:spPr>
+          <a:xfrm>
+            <a:off x="3589128" y="613525"/>
+            <a:ext cx="2236879" cy="2146195"/>
+          </a:xfrm>
+          <a:prstGeom prst="rect">
+            <a:avLst/>
+          </a:prstGeom>
+          <a:solidFill>
+            <a:schemeClr val="bg1"/>
+          </a:solidFill>
+          <a:ln>
+            <a:noFill/>
+          </a:ln>
+        </p:spPr>
+        <p:style>
+          <a:lnRef idx="2">
+            <a:schemeClr val="accent1">
+              <a:shade val="50000"/>
+            </a:schemeClr>
+          </a:lnRef>
+          <a:fillRef idx="1">
+            <a:schemeClr val="accent1"/>
+          </a:fillRef>
+          <a:effectRef idx="0">
+            <a:schemeClr val="accent1"/>
+          </a:effectRef>
+          <a:fontRef idx="minor">
+            <a:schemeClr val="lt1"/>
+          </a:fontRef>
+        </p:style>
+        <p:txBody>
+          <a:bodyPr rtlCol="0" anchor="ctr"/>
+          <a:lstStyle/>
+          <a:p>
+            <a:pPr algn="ctr"/>
+            <a:endParaRPr lang="en-US" sz="1600"/>
+          </a:p>
+        </p:txBody>
+      </p:sp>
+      <p:cxnSp>
+        <p:nvCxnSpPr>
+          <p:cNvPr id="54" name="直線コネクタ 53">
+            <a:extLst>
+              <a:ext uri="{FF2B5EF4-FFF2-40B4-BE49-F238E27FC236}">
+                <a16:creationId xmlns:a16="http://schemas.microsoft.com/office/drawing/2014/main" id="{AB1CBB55-9AFB-4B91-A6C2-D5C81A921CD6}"/>
+              </a:ext>
+            </a:extLst>
+          </p:cNvPr>
+          <p:cNvCxnSpPr/>
+          <p:nvPr/>
+        </p:nvCxnSpPr>
+        <p:spPr>
+          <a:xfrm flipV="1">
+            <a:off x="4082349" y="1082556"/>
+            <a:ext cx="0" cy="1632318"/>
+          </a:xfrm>
+          <a:prstGeom prst="line">
+            <a:avLst/>
+          </a:prstGeom>
+          <a:ln w="28575">
+            <a:solidFill>
+              <a:schemeClr val="tx1">
+                <a:lumMod val="50000"/>
+                <a:lumOff val="50000"/>
+              </a:schemeClr>
+            </a:solidFill>
+          </a:ln>
+        </p:spPr>
+        <p:style>
+          <a:lnRef idx="1">
+            <a:schemeClr val="accent1"/>
+          </a:lnRef>
+          <a:fillRef idx="0">
+            <a:schemeClr val="accent1"/>
+          </a:fillRef>
+          <a:effectRef idx="0">
+            <a:schemeClr val="accent1"/>
+          </a:effectRef>
+          <a:fontRef idx="minor">
+            <a:schemeClr val="tx1"/>
+          </a:fontRef>
+        </p:style>
+      </p:cxnSp>
+      <p:cxnSp>
+        <p:nvCxnSpPr>
+          <p:cNvPr id="55" name="直線コネクタ 54">
+            <a:extLst>
+              <a:ext uri="{FF2B5EF4-FFF2-40B4-BE49-F238E27FC236}">
+                <a16:creationId xmlns:a16="http://schemas.microsoft.com/office/drawing/2014/main" id="{9C6A164F-F168-4AED-BA86-5C512798E1C3}"/>
+              </a:ext>
+            </a:extLst>
+          </p:cNvPr>
+          <p:cNvCxnSpPr>
+            <a:cxnSpLocks/>
+          </p:cNvCxnSpPr>
+          <p:nvPr/>
+        </p:nvCxnSpPr>
+        <p:spPr>
+          <a:xfrm rot="16200000" flipV="1">
+            <a:off x="4644086" y="1644295"/>
+            <a:ext cx="0" cy="1632317"/>
+          </a:xfrm>
+          <a:prstGeom prst="line">
+            <a:avLst/>
+          </a:prstGeom>
+          <a:ln w="28575">
+            <a:solidFill>
+              <a:schemeClr val="tx1">
+                <a:lumMod val="50000"/>
+                <a:lumOff val="50000"/>
+              </a:schemeClr>
+            </a:solidFill>
+          </a:ln>
+        </p:spPr>
+        <p:style>
+          <a:lnRef idx="1">
+            <a:schemeClr val="accent1"/>
+          </a:lnRef>
+          <a:fillRef idx="0">
+            <a:schemeClr val="accent1"/>
+          </a:fillRef>
+          <a:effectRef idx="0">
+            <a:schemeClr val="accent1"/>
+          </a:effectRef>
+          <a:fontRef idx="minor">
+            <a:schemeClr val="tx1"/>
+          </a:fontRef>
+        </p:style>
+      </p:cxnSp>
+      <p:sp>
+        <p:nvSpPr>
+          <p:cNvPr id="56" name="テキスト ボックス 55">
+            <a:extLst>
+              <a:ext uri="{FF2B5EF4-FFF2-40B4-BE49-F238E27FC236}">
+                <a16:creationId xmlns:a16="http://schemas.microsoft.com/office/drawing/2014/main" id="{09FB597D-AA4E-4840-A52F-C0511CEA4576}"/>
+              </a:ext>
+            </a:extLst>
+          </p:cNvPr>
+          <p:cNvSpPr txBox="1"/>
+          <p:nvPr/>
+        </p:nvSpPr>
+        <p:spPr>
+          <a:xfrm>
+            <a:off x="4587015" y="2475352"/>
+            <a:ext cx="310786" cy="335756"/>
+          </a:xfrm>
+          <a:prstGeom prst="rect">
+            <a:avLst/>
+          </a:prstGeom>
+          <a:noFill/>
+        </p:spPr>
+        <p:txBody>
+          <a:bodyPr wrap="square" rtlCol="0">
+            <a:spAutoFit/>
+          </a:bodyPr>
+          <a:lstStyle/>
+          <a:p>
+            <a:r>
+              <a:rPr lang="en-US" altLang="ja-JP" sz="1600" dirty="0"/>
+              <a:t>X</a:t>
+            </a:r>
+            <a:endParaRPr lang="en-US" sz="1600" dirty="0"/>
+          </a:p>
+        </p:txBody>
+      </p:sp>
+      <p:sp>
+        <p:nvSpPr>
+          <p:cNvPr id="57" name="テキスト ボックス 56">
+            <a:extLst>
+              <a:ext uri="{FF2B5EF4-FFF2-40B4-BE49-F238E27FC236}">
+                <a16:creationId xmlns:a16="http://schemas.microsoft.com/office/drawing/2014/main" id="{243017B6-A692-4033-9078-EED6E4FEDC1D}"/>
+              </a:ext>
+            </a:extLst>
+          </p:cNvPr>
+          <p:cNvSpPr txBox="1"/>
+          <p:nvPr/>
+        </p:nvSpPr>
+        <p:spPr>
+          <a:xfrm>
+            <a:off x="3743813" y="1645191"/>
+            <a:ext cx="310786" cy="335756"/>
+          </a:xfrm>
+          <a:prstGeom prst="rect">
+            <a:avLst/>
+          </a:prstGeom>
+          <a:noFill/>
+        </p:spPr>
+        <p:txBody>
+          <a:bodyPr wrap="square" rtlCol="0">
+            <a:spAutoFit/>
+          </a:bodyPr>
+          <a:lstStyle/>
+          <a:p>
+            <a:r>
+              <a:rPr lang="en-US" altLang="ja-JP" sz="1600" dirty="0"/>
+              <a:t>Y</a:t>
+            </a:r>
+            <a:endParaRPr lang="en-US" sz="1600" dirty="0"/>
+          </a:p>
+        </p:txBody>
+      </p:sp>
+      <p:sp>
+        <p:nvSpPr>
+          <p:cNvPr id="58" name="テキスト ボックス 57">
+            <a:extLst>
+              <a:ext uri="{FF2B5EF4-FFF2-40B4-BE49-F238E27FC236}">
+                <a16:creationId xmlns:a16="http://schemas.microsoft.com/office/drawing/2014/main" id="{F5C7BD9B-6232-4826-ADC5-3B293159A108}"/>
+              </a:ext>
+            </a:extLst>
+          </p:cNvPr>
+          <p:cNvSpPr txBox="1"/>
+          <p:nvPr/>
+        </p:nvSpPr>
+        <p:spPr>
+          <a:xfrm>
+            <a:off x="3577290" y="613328"/>
+            <a:ext cx="2236879" cy="276999"/>
+          </a:xfrm>
+          <a:prstGeom prst="rect">
+            <a:avLst/>
+          </a:prstGeom>
+          <a:noFill/>
+        </p:spPr>
+        <p:txBody>
+          <a:bodyPr wrap="square">
+            <a:spAutoFit/>
+          </a:bodyPr>
+          <a:lstStyle/>
+          <a:p>
+            <a:pPr algn="ctr"/>
+            <a:r>
+              <a:rPr lang="en-US" sz="1200" b="1" i="0" dirty="0">
+                <a:solidFill>
+                  <a:srgbClr val="009BD6"/>
+                </a:solidFill>
+                <a:effectLst/>
+                <a:latin typeface="Trebuchet MS" panose="020B0603020202020204" pitchFamily="34" charset="0"/>
+              </a:rPr>
+              <a:t>Spearman’s correlation</a:t>
+            </a:r>
+          </a:p>
+        </p:txBody>
+      </p:sp>
+      <p:sp>
+        <p:nvSpPr>
+          <p:cNvPr id="59" name="楕円 58">
+            <a:extLst>
+              <a:ext uri="{FF2B5EF4-FFF2-40B4-BE49-F238E27FC236}">
+                <a16:creationId xmlns:a16="http://schemas.microsoft.com/office/drawing/2014/main" id="{66751803-20CC-459B-9538-2EDFCDD74D26}"/>
+              </a:ext>
+            </a:extLst>
+          </p:cNvPr>
+          <p:cNvSpPr/>
+          <p:nvPr/>
+        </p:nvSpPr>
+        <p:spPr>
+          <a:xfrm>
+            <a:off x="4274222" y="1780624"/>
+            <a:ext cx="103439" cy="103439"/>
+          </a:xfrm>
+          <a:prstGeom prst="ellipse">
+            <a:avLst/>
+          </a:prstGeom>
+          <a:solidFill>
+            <a:srgbClr val="4472C4">
+              <a:alpha val="50196"/>
+            </a:srgbClr>
+          </a:solidFill>
+          <a:ln>
+            <a:noFill/>
+          </a:ln>
+        </p:spPr>
+        <p:style>
+          <a:lnRef idx="2">
+            <a:schemeClr val="accent1">
+              <a:shade val="50000"/>
+            </a:schemeClr>
+          </a:lnRef>
+          <a:fillRef idx="1">
+            <a:schemeClr val="accent1"/>
+          </a:fillRef>
+          <a:effectRef idx="0">
+            <a:schemeClr val="accent1"/>
+          </a:effectRef>
+          <a:fontRef idx="minor">
+            <a:schemeClr val="lt1"/>
+          </a:fontRef>
+        </p:style>
+        <p:txBody>
+          <a:bodyPr rtlCol="0" anchor="ctr"/>
+          <a:lstStyle/>
+          <a:p>
+            <a:pPr algn="ctr"/>
+            <a:endParaRPr lang="en-US"/>
+          </a:p>
+        </p:txBody>
+      </p:sp>
+      <p:sp>
+        <p:nvSpPr>
+          <p:cNvPr id="60" name="楕円 59">
+            <a:extLst>
+              <a:ext uri="{FF2B5EF4-FFF2-40B4-BE49-F238E27FC236}">
+                <a16:creationId xmlns:a16="http://schemas.microsoft.com/office/drawing/2014/main" id="{61782287-619E-4EAC-A83F-B3197C341323}"/>
+              </a:ext>
+            </a:extLst>
+          </p:cNvPr>
+          <p:cNvSpPr/>
+          <p:nvPr/>
+        </p:nvSpPr>
+        <p:spPr>
+          <a:xfrm>
+            <a:off x="4462133" y="2057312"/>
+            <a:ext cx="103439" cy="103439"/>
+          </a:xfrm>
+          <a:prstGeom prst="ellipse">
+            <a:avLst/>
+          </a:prstGeom>
+          <a:solidFill>
+            <a:srgbClr val="4472C4">
+              <a:alpha val="50196"/>
+            </a:srgbClr>
+          </a:solidFill>
+          <a:ln>
+            <a:noFill/>
+          </a:ln>
+        </p:spPr>
+        <p:style>
+          <a:lnRef idx="2">
+            <a:schemeClr val="accent1">
+              <a:shade val="50000"/>
+            </a:schemeClr>
+          </a:lnRef>
+          <a:fillRef idx="1">
+            <a:schemeClr val="accent1"/>
+          </a:fillRef>
+          <a:effectRef idx="0">
+            <a:schemeClr val="accent1"/>
+          </a:effectRef>
+          <a:fontRef idx="minor">
+            <a:schemeClr val="lt1"/>
+          </a:fontRef>
+        </p:style>
+        <p:txBody>
+          <a:bodyPr rtlCol="0" anchor="ctr"/>
+          <a:lstStyle/>
+          <a:p>
+            <a:pPr algn="ctr"/>
+            <a:endParaRPr lang="en-US"/>
+          </a:p>
+        </p:txBody>
+      </p:sp>
+      <p:sp>
+        <p:nvSpPr>
+          <p:cNvPr id="61" name="楕円 60">
+            <a:extLst>
+              <a:ext uri="{FF2B5EF4-FFF2-40B4-BE49-F238E27FC236}">
+                <a16:creationId xmlns:a16="http://schemas.microsoft.com/office/drawing/2014/main" id="{6068A76A-BAF1-4A27-AAFB-2A19520B59EC}"/>
+              </a:ext>
+            </a:extLst>
+          </p:cNvPr>
+          <p:cNvSpPr/>
+          <p:nvPr/>
+        </p:nvSpPr>
+        <p:spPr>
+          <a:xfrm>
+            <a:off x="4684076" y="1506895"/>
+            <a:ext cx="103439" cy="103439"/>
+          </a:xfrm>
+          <a:prstGeom prst="ellipse">
+            <a:avLst/>
+          </a:prstGeom>
+          <a:solidFill>
+            <a:srgbClr val="4472C4">
+              <a:alpha val="50196"/>
+            </a:srgbClr>
+          </a:solidFill>
+          <a:ln>
+            <a:noFill/>
+          </a:ln>
+        </p:spPr>
+        <p:style>
+          <a:lnRef idx="2">
+            <a:schemeClr val="accent1">
+              <a:shade val="50000"/>
+            </a:schemeClr>
+          </a:lnRef>
+          <a:fillRef idx="1">
+            <a:schemeClr val="accent1"/>
+          </a:fillRef>
+          <a:effectRef idx="0">
+            <a:schemeClr val="accent1"/>
+          </a:effectRef>
+          <a:fontRef idx="minor">
+            <a:schemeClr val="lt1"/>
+          </a:fontRef>
+        </p:style>
+        <p:txBody>
+          <a:bodyPr rtlCol="0" anchor="ctr"/>
+          <a:lstStyle/>
+          <a:p>
+            <a:pPr algn="ctr"/>
+            <a:endParaRPr lang="en-US"/>
+          </a:p>
+        </p:txBody>
+      </p:sp>
+      <p:sp>
+        <p:nvSpPr>
+          <p:cNvPr id="62" name="楕円 61">
+            <a:extLst>
+              <a:ext uri="{FF2B5EF4-FFF2-40B4-BE49-F238E27FC236}">
+                <a16:creationId xmlns:a16="http://schemas.microsoft.com/office/drawing/2014/main" id="{8B526C37-FD73-42D2-A519-68729E8131B5}"/>
+              </a:ext>
+            </a:extLst>
+          </p:cNvPr>
+          <p:cNvSpPr/>
+          <p:nvPr/>
+        </p:nvSpPr>
+        <p:spPr>
+          <a:xfrm>
+            <a:off x="4914894" y="1835370"/>
+            <a:ext cx="103439" cy="103439"/>
+          </a:xfrm>
+          <a:prstGeom prst="ellipse">
+            <a:avLst/>
+          </a:prstGeom>
+          <a:solidFill>
+            <a:srgbClr val="4472C4">
+              <a:alpha val="50196"/>
+            </a:srgbClr>
+          </a:solidFill>
+          <a:ln>
+            <a:noFill/>
+          </a:ln>
+        </p:spPr>
+        <p:style>
+          <a:lnRef idx="2">
+            <a:schemeClr val="accent1">
+              <a:shade val="50000"/>
+            </a:schemeClr>
+          </a:lnRef>
+          <a:fillRef idx="1">
+            <a:schemeClr val="accent1"/>
+          </a:fillRef>
+          <a:effectRef idx="0">
+            <a:schemeClr val="accent1"/>
+          </a:effectRef>
+          <a:fontRef idx="minor">
+            <a:schemeClr val="lt1"/>
+          </a:fontRef>
+        </p:style>
+        <p:txBody>
+          <a:bodyPr rtlCol="0" anchor="ctr"/>
+          <a:lstStyle/>
+          <a:p>
+            <a:pPr algn="ctr"/>
+            <a:endParaRPr lang="en-US"/>
+          </a:p>
+        </p:txBody>
+      </p:sp>
+      <p:sp>
+        <p:nvSpPr>
+          <p:cNvPr id="63" name="楕円 62">
+            <a:extLst>
+              <a:ext uri="{FF2B5EF4-FFF2-40B4-BE49-F238E27FC236}">
+                <a16:creationId xmlns:a16="http://schemas.microsoft.com/office/drawing/2014/main" id="{B78D1AA3-CA44-4E01-A1F8-07C27A128389}"/>
+              </a:ext>
+            </a:extLst>
+          </p:cNvPr>
+          <p:cNvSpPr/>
+          <p:nvPr/>
+        </p:nvSpPr>
+        <p:spPr>
+          <a:xfrm>
+            <a:off x="5083570" y="1444754"/>
+            <a:ext cx="103439" cy="103439"/>
+          </a:xfrm>
+          <a:prstGeom prst="ellipse">
+            <a:avLst/>
+          </a:prstGeom>
+          <a:solidFill>
+            <a:srgbClr val="4472C4">
+              <a:alpha val="50196"/>
+            </a:srgbClr>
+          </a:solidFill>
+          <a:ln>
+            <a:noFill/>
+          </a:ln>
+        </p:spPr>
+        <p:style>
+          <a:lnRef idx="2">
+            <a:schemeClr val="accent1">
+              <a:shade val="50000"/>
+            </a:schemeClr>
+          </a:lnRef>
+          <a:fillRef idx="1">
+            <a:schemeClr val="accent1"/>
+          </a:fillRef>
+          <a:effectRef idx="0">
+            <a:schemeClr val="accent1"/>
+          </a:effectRef>
+          <a:fontRef idx="minor">
+            <a:schemeClr val="lt1"/>
+          </a:fontRef>
+        </p:style>
+        <p:txBody>
+          <a:bodyPr rtlCol="0" anchor="ctr"/>
+          <a:lstStyle/>
+          <a:p>
+            <a:pPr algn="ctr"/>
+            <a:endParaRPr lang="en-US"/>
+          </a:p>
+        </p:txBody>
+      </p:sp>
+      <p:sp>
+        <p:nvSpPr>
+          <p:cNvPr id="73" name="フリーフォーム: 図形 72">
+            <a:extLst>
+              <a:ext uri="{FF2B5EF4-FFF2-40B4-BE49-F238E27FC236}">
+                <a16:creationId xmlns:a16="http://schemas.microsoft.com/office/drawing/2014/main" id="{F1D43641-6EEF-44BA-AA5F-89B219C156E6}"/>
+              </a:ext>
+            </a:extLst>
+          </p:cNvPr>
+          <p:cNvSpPr/>
+          <p:nvPr/>
+        </p:nvSpPr>
+        <p:spPr>
+          <a:xfrm>
+            <a:off x="4130943" y="1411971"/>
+            <a:ext cx="1191852" cy="1003627"/>
+          </a:xfrm>
+          <a:custGeom>
+            <a:avLst/>
+            <a:gdLst>
+              <a:gd name="connsiteX0" fmla="*/ 0 w 790113"/>
+              <a:gd name="connsiteY0" fmla="*/ 1038687 h 1038687"/>
+              <a:gd name="connsiteX1" fmla="*/ 142043 w 790113"/>
+              <a:gd name="connsiteY1" fmla="*/ 612559 h 1038687"/>
+              <a:gd name="connsiteX2" fmla="*/ 435006 w 790113"/>
+              <a:gd name="connsiteY2" fmla="*/ 230819 h 1038687"/>
+              <a:gd name="connsiteX3" fmla="*/ 790113 w 790113"/>
+              <a:gd name="connsiteY3" fmla="*/ 0 h 1038687"/>
+            </a:gdLst>
+            <a:ahLst/>
+            <a:cxnLst>
+              <a:cxn ang="0">
+                <a:pos x="connsiteX0" y="connsiteY0"/>
+              </a:cxn>
+              <a:cxn ang="0">
+                <a:pos x="connsiteX1" y="connsiteY1"/>
+              </a:cxn>
+              <a:cxn ang="0">
+                <a:pos x="connsiteX2" y="connsiteY2"/>
+              </a:cxn>
+              <a:cxn ang="0">
+                <a:pos x="connsiteX3" y="connsiteY3"/>
+              </a:cxn>
+            </a:cxnLst>
+            <a:rect l="l" t="t" r="r" b="b"/>
+            <a:pathLst>
+              <a:path w="790113" h="1038687">
+                <a:moveTo>
+                  <a:pt x="0" y="1038687"/>
+                </a:moveTo>
+                <a:cubicBezTo>
+                  <a:pt x="34771" y="892945"/>
+                  <a:pt x="69542" y="747204"/>
+                  <a:pt x="142043" y="612559"/>
+                </a:cubicBezTo>
+                <a:cubicBezTo>
+                  <a:pt x="214544" y="477914"/>
+                  <a:pt x="326994" y="332912"/>
+                  <a:pt x="435006" y="230819"/>
+                </a:cubicBezTo>
+                <a:cubicBezTo>
+                  <a:pt x="543018" y="128726"/>
+                  <a:pt x="666565" y="64363"/>
+                  <a:pt x="790113" y="0"/>
+                </a:cubicBezTo>
+              </a:path>
+            </a:pathLst>
+          </a:custGeom>
+          <a:noFill/>
+          <a:ln w="19050"/>
+        </p:spPr>
+        <p:style>
+          <a:lnRef idx="2">
+            <a:schemeClr val="accent1">
+              <a:shade val="50000"/>
+            </a:schemeClr>
+          </a:lnRef>
+          <a:fillRef idx="1">
+            <a:schemeClr val="accent1"/>
+          </a:fillRef>
+          <a:effectRef idx="0">
+            <a:schemeClr val="accent1"/>
+          </a:effectRef>
+          <a:fontRef idx="minor">
+            <a:schemeClr val="lt1"/>
+          </a:fontRef>
+        </p:style>
+        <p:txBody>
+          <a:bodyPr rtlCol="0" anchor="ctr"/>
+          <a:lstStyle/>
+          <a:p>
+            <a:pPr algn="ctr"/>
+            <a:endParaRPr lang="en-US"/>
+          </a:p>
+        </p:txBody>
+      </p:sp>
+    </p:spTree>
+    <p:extLst>
+      <p:ext uri="{BB962C8B-B14F-4D97-AF65-F5344CB8AC3E}">
+        <p14:creationId xmlns:p14="http://schemas.microsoft.com/office/powerpoint/2010/main" val="1086649758"/>
       </p:ext>
     </p:extLst>
   </p:cSld>

--- a/contents/articles/Similarity-and-Distance-algorithms/img.pptx
+++ b/contents/articles/Similarity-and-Distance-algorithms/img.pptx
@@ -9470,6 +9470,682 @@
           </a:p>
         </p:txBody>
       </p:sp>
+      <p:sp>
+        <p:nvSpPr>
+          <p:cNvPr id="64" name="正方形/長方形 63">
+            <a:extLst>
+              <a:ext uri="{FF2B5EF4-FFF2-40B4-BE49-F238E27FC236}">
+                <a16:creationId xmlns:a16="http://schemas.microsoft.com/office/drawing/2014/main" id="{4E78E1DA-55F9-4FB3-AE4E-A37078D425A1}"/>
+              </a:ext>
+            </a:extLst>
+          </p:cNvPr>
+          <p:cNvSpPr/>
+          <p:nvPr/>
+        </p:nvSpPr>
+        <p:spPr>
+          <a:xfrm>
+            <a:off x="3465629" y="3273903"/>
+            <a:ext cx="2460567" cy="2360814"/>
+          </a:xfrm>
+          <a:prstGeom prst="rect">
+            <a:avLst/>
+          </a:prstGeom>
+          <a:solidFill>
+            <a:schemeClr val="bg1">
+              <a:lumMod val="95000"/>
+            </a:schemeClr>
+          </a:solidFill>
+          <a:ln>
+            <a:noFill/>
+          </a:ln>
+        </p:spPr>
+        <p:style>
+          <a:lnRef idx="2">
+            <a:schemeClr val="accent1">
+              <a:shade val="50000"/>
+            </a:schemeClr>
+          </a:lnRef>
+          <a:fillRef idx="1">
+            <a:schemeClr val="accent1"/>
+          </a:fillRef>
+          <a:effectRef idx="0">
+            <a:schemeClr val="accent1"/>
+          </a:effectRef>
+          <a:fontRef idx="minor">
+            <a:schemeClr val="lt1"/>
+          </a:fontRef>
+        </p:style>
+        <p:txBody>
+          <a:bodyPr rtlCol="0" anchor="ctr"/>
+          <a:lstStyle/>
+          <a:p>
+            <a:pPr algn="ctr"/>
+            <a:endParaRPr lang="en-US" sz="1600"/>
+          </a:p>
+        </p:txBody>
+      </p:sp>
+      <p:sp>
+        <p:nvSpPr>
+          <p:cNvPr id="65" name="正方形/長方形 64">
+            <a:extLst>
+              <a:ext uri="{FF2B5EF4-FFF2-40B4-BE49-F238E27FC236}">
+                <a16:creationId xmlns:a16="http://schemas.microsoft.com/office/drawing/2014/main" id="{6F7FB39F-75ED-4551-AE08-452ACB1746AF}"/>
+              </a:ext>
+            </a:extLst>
+          </p:cNvPr>
+          <p:cNvSpPr/>
+          <p:nvPr/>
+        </p:nvSpPr>
+        <p:spPr>
+          <a:xfrm>
+            <a:off x="3577474" y="3381212"/>
+            <a:ext cx="2236879" cy="2146195"/>
+          </a:xfrm>
+          <a:prstGeom prst="rect">
+            <a:avLst/>
+          </a:prstGeom>
+          <a:solidFill>
+            <a:schemeClr val="bg1"/>
+          </a:solidFill>
+          <a:ln>
+            <a:noFill/>
+          </a:ln>
+        </p:spPr>
+        <p:style>
+          <a:lnRef idx="2">
+            <a:schemeClr val="accent1">
+              <a:shade val="50000"/>
+            </a:schemeClr>
+          </a:lnRef>
+          <a:fillRef idx="1">
+            <a:schemeClr val="accent1"/>
+          </a:fillRef>
+          <a:effectRef idx="0">
+            <a:schemeClr val="accent1"/>
+          </a:effectRef>
+          <a:fontRef idx="minor">
+            <a:schemeClr val="lt1"/>
+          </a:fontRef>
+        </p:style>
+        <p:txBody>
+          <a:bodyPr rtlCol="0" anchor="ctr"/>
+          <a:lstStyle/>
+          <a:p>
+            <a:pPr algn="ctr"/>
+            <a:endParaRPr lang="en-US" sz="1600"/>
+          </a:p>
+        </p:txBody>
+      </p:sp>
+      <p:cxnSp>
+        <p:nvCxnSpPr>
+          <p:cNvPr id="66" name="直線コネクタ 65">
+            <a:extLst>
+              <a:ext uri="{FF2B5EF4-FFF2-40B4-BE49-F238E27FC236}">
+                <a16:creationId xmlns:a16="http://schemas.microsoft.com/office/drawing/2014/main" id="{EFE6CCF3-4F13-4927-BAA4-E3C280095A7D}"/>
+              </a:ext>
+            </a:extLst>
+          </p:cNvPr>
+          <p:cNvCxnSpPr/>
+          <p:nvPr/>
+        </p:nvCxnSpPr>
+        <p:spPr>
+          <a:xfrm flipV="1">
+            <a:off x="4070695" y="3850243"/>
+            <a:ext cx="0" cy="1632318"/>
+          </a:xfrm>
+          <a:prstGeom prst="line">
+            <a:avLst/>
+          </a:prstGeom>
+          <a:ln w="28575">
+            <a:solidFill>
+              <a:schemeClr val="tx1">
+                <a:lumMod val="50000"/>
+                <a:lumOff val="50000"/>
+              </a:schemeClr>
+            </a:solidFill>
+          </a:ln>
+        </p:spPr>
+        <p:style>
+          <a:lnRef idx="1">
+            <a:schemeClr val="accent1"/>
+          </a:lnRef>
+          <a:fillRef idx="0">
+            <a:schemeClr val="accent1"/>
+          </a:fillRef>
+          <a:effectRef idx="0">
+            <a:schemeClr val="accent1"/>
+          </a:effectRef>
+          <a:fontRef idx="minor">
+            <a:schemeClr val="tx1"/>
+          </a:fontRef>
+        </p:style>
+      </p:cxnSp>
+      <p:cxnSp>
+        <p:nvCxnSpPr>
+          <p:cNvPr id="67" name="直線コネクタ 66">
+            <a:extLst>
+              <a:ext uri="{FF2B5EF4-FFF2-40B4-BE49-F238E27FC236}">
+                <a16:creationId xmlns:a16="http://schemas.microsoft.com/office/drawing/2014/main" id="{9DDAB874-F604-41A2-BD18-DFCDF7A24D05}"/>
+              </a:ext>
+            </a:extLst>
+          </p:cNvPr>
+          <p:cNvCxnSpPr>
+            <a:cxnSpLocks/>
+          </p:cNvCxnSpPr>
+          <p:nvPr/>
+        </p:nvCxnSpPr>
+        <p:spPr>
+          <a:xfrm rot="16200000" flipV="1">
+            <a:off x="4632432" y="4411982"/>
+            <a:ext cx="0" cy="1632317"/>
+          </a:xfrm>
+          <a:prstGeom prst="line">
+            <a:avLst/>
+          </a:prstGeom>
+          <a:ln w="28575">
+            <a:solidFill>
+              <a:schemeClr val="tx1">
+                <a:lumMod val="50000"/>
+                <a:lumOff val="50000"/>
+              </a:schemeClr>
+            </a:solidFill>
+          </a:ln>
+        </p:spPr>
+        <p:style>
+          <a:lnRef idx="1">
+            <a:schemeClr val="accent1"/>
+          </a:lnRef>
+          <a:fillRef idx="0">
+            <a:schemeClr val="accent1"/>
+          </a:fillRef>
+          <a:effectRef idx="0">
+            <a:schemeClr val="accent1"/>
+          </a:effectRef>
+          <a:fontRef idx="minor">
+            <a:schemeClr val="tx1"/>
+          </a:fontRef>
+        </p:style>
+      </p:cxnSp>
+      <p:sp>
+        <p:nvSpPr>
+          <p:cNvPr id="68" name="テキスト ボックス 67">
+            <a:extLst>
+              <a:ext uri="{FF2B5EF4-FFF2-40B4-BE49-F238E27FC236}">
+                <a16:creationId xmlns:a16="http://schemas.microsoft.com/office/drawing/2014/main" id="{30F164EE-41A4-4AAE-92BA-E1D58F8CEC24}"/>
+              </a:ext>
+            </a:extLst>
+          </p:cNvPr>
+          <p:cNvSpPr txBox="1"/>
+          <p:nvPr/>
+        </p:nvSpPr>
+        <p:spPr>
+          <a:xfrm>
+            <a:off x="4575361" y="5243039"/>
+            <a:ext cx="310786" cy="335756"/>
+          </a:xfrm>
+          <a:prstGeom prst="rect">
+            <a:avLst/>
+          </a:prstGeom>
+          <a:noFill/>
+        </p:spPr>
+        <p:txBody>
+          <a:bodyPr wrap="square" rtlCol="0">
+            <a:spAutoFit/>
+          </a:bodyPr>
+          <a:lstStyle/>
+          <a:p>
+            <a:r>
+              <a:rPr lang="en-US" altLang="ja-JP" sz="1600" dirty="0"/>
+              <a:t>X</a:t>
+            </a:r>
+            <a:endParaRPr lang="en-US" sz="1600" dirty="0"/>
+          </a:p>
+        </p:txBody>
+      </p:sp>
+      <p:sp>
+        <p:nvSpPr>
+          <p:cNvPr id="69" name="テキスト ボックス 68">
+            <a:extLst>
+              <a:ext uri="{FF2B5EF4-FFF2-40B4-BE49-F238E27FC236}">
+                <a16:creationId xmlns:a16="http://schemas.microsoft.com/office/drawing/2014/main" id="{848D72D5-0F6E-4F07-8BBF-FB5BED2C00E6}"/>
+              </a:ext>
+            </a:extLst>
+          </p:cNvPr>
+          <p:cNvSpPr txBox="1"/>
+          <p:nvPr/>
+        </p:nvSpPr>
+        <p:spPr>
+          <a:xfrm>
+            <a:off x="3732159" y="4412878"/>
+            <a:ext cx="310786" cy="335756"/>
+          </a:xfrm>
+          <a:prstGeom prst="rect">
+            <a:avLst/>
+          </a:prstGeom>
+          <a:noFill/>
+        </p:spPr>
+        <p:txBody>
+          <a:bodyPr wrap="square" rtlCol="0">
+            <a:spAutoFit/>
+          </a:bodyPr>
+          <a:lstStyle/>
+          <a:p>
+            <a:r>
+              <a:rPr lang="en-US" altLang="ja-JP" sz="1600" dirty="0"/>
+              <a:t>Y</a:t>
+            </a:r>
+            <a:endParaRPr lang="en-US" sz="1600" dirty="0"/>
+          </a:p>
+        </p:txBody>
+      </p:sp>
+      <p:sp>
+        <p:nvSpPr>
+          <p:cNvPr id="70" name="テキスト ボックス 69">
+            <a:extLst>
+              <a:ext uri="{FF2B5EF4-FFF2-40B4-BE49-F238E27FC236}">
+                <a16:creationId xmlns:a16="http://schemas.microsoft.com/office/drawing/2014/main" id="{D5CE3E23-CEDB-478A-8446-031DA862372F}"/>
+              </a:ext>
+            </a:extLst>
+          </p:cNvPr>
+          <p:cNvSpPr txBox="1"/>
+          <p:nvPr/>
+        </p:nvSpPr>
+        <p:spPr>
+          <a:xfrm>
+            <a:off x="3565636" y="3381015"/>
+            <a:ext cx="2236879" cy="276999"/>
+          </a:xfrm>
+          <a:prstGeom prst="rect">
+            <a:avLst/>
+          </a:prstGeom>
+          <a:noFill/>
+        </p:spPr>
+        <p:txBody>
+          <a:bodyPr wrap="square">
+            <a:spAutoFit/>
+          </a:bodyPr>
+          <a:lstStyle/>
+          <a:p>
+            <a:pPr algn="ctr"/>
+            <a:r>
+              <a:rPr lang="en-US" sz="1200" b="1" i="0" dirty="0">
+                <a:solidFill>
+                  <a:srgbClr val="009BD6"/>
+                </a:solidFill>
+                <a:effectLst/>
+                <a:latin typeface="Trebuchet MS" panose="020B0603020202020204" pitchFamily="34" charset="0"/>
+              </a:rPr>
+              <a:t>Kendall’s Tau correlation</a:t>
+            </a:r>
+          </a:p>
+        </p:txBody>
+      </p:sp>
+      <p:sp>
+        <p:nvSpPr>
+          <p:cNvPr id="71" name="楕円 70">
+            <a:extLst>
+              <a:ext uri="{FF2B5EF4-FFF2-40B4-BE49-F238E27FC236}">
+                <a16:creationId xmlns:a16="http://schemas.microsoft.com/office/drawing/2014/main" id="{B4004761-8974-4981-88EE-C0B47C0A4711}"/>
+              </a:ext>
+            </a:extLst>
+          </p:cNvPr>
+          <p:cNvSpPr/>
+          <p:nvPr/>
+        </p:nvSpPr>
+        <p:spPr>
+          <a:xfrm>
+            <a:off x="4262568" y="4548311"/>
+            <a:ext cx="103439" cy="103439"/>
+          </a:xfrm>
+          <a:prstGeom prst="ellipse">
+            <a:avLst/>
+          </a:prstGeom>
+          <a:solidFill>
+            <a:srgbClr val="4472C4">
+              <a:alpha val="50196"/>
+            </a:srgbClr>
+          </a:solidFill>
+          <a:ln>
+            <a:noFill/>
+          </a:ln>
+        </p:spPr>
+        <p:style>
+          <a:lnRef idx="2">
+            <a:schemeClr val="accent1">
+              <a:shade val="50000"/>
+            </a:schemeClr>
+          </a:lnRef>
+          <a:fillRef idx="1">
+            <a:schemeClr val="accent1"/>
+          </a:fillRef>
+          <a:effectRef idx="0">
+            <a:schemeClr val="accent1"/>
+          </a:effectRef>
+          <a:fontRef idx="minor">
+            <a:schemeClr val="lt1"/>
+          </a:fontRef>
+        </p:style>
+        <p:txBody>
+          <a:bodyPr rtlCol="0" anchor="ctr"/>
+          <a:lstStyle/>
+          <a:p>
+            <a:pPr algn="ctr"/>
+            <a:endParaRPr lang="en-US"/>
+          </a:p>
+        </p:txBody>
+      </p:sp>
+      <p:sp>
+        <p:nvSpPr>
+          <p:cNvPr id="72" name="楕円 71">
+            <a:extLst>
+              <a:ext uri="{FF2B5EF4-FFF2-40B4-BE49-F238E27FC236}">
+                <a16:creationId xmlns:a16="http://schemas.microsoft.com/office/drawing/2014/main" id="{2D02C8F9-7DC4-4F37-9B81-91BA2164C5E2}"/>
+              </a:ext>
+            </a:extLst>
+          </p:cNvPr>
+          <p:cNvSpPr/>
+          <p:nvPr/>
+        </p:nvSpPr>
+        <p:spPr>
+          <a:xfrm>
+            <a:off x="4450479" y="4824999"/>
+            <a:ext cx="103439" cy="103439"/>
+          </a:xfrm>
+          <a:prstGeom prst="ellipse">
+            <a:avLst/>
+          </a:prstGeom>
+          <a:solidFill>
+            <a:srgbClr val="4472C4">
+              <a:alpha val="50196"/>
+            </a:srgbClr>
+          </a:solidFill>
+          <a:ln>
+            <a:noFill/>
+          </a:ln>
+        </p:spPr>
+        <p:style>
+          <a:lnRef idx="2">
+            <a:schemeClr val="accent1">
+              <a:shade val="50000"/>
+            </a:schemeClr>
+          </a:lnRef>
+          <a:fillRef idx="1">
+            <a:schemeClr val="accent1"/>
+          </a:fillRef>
+          <a:effectRef idx="0">
+            <a:schemeClr val="accent1"/>
+          </a:effectRef>
+          <a:fontRef idx="minor">
+            <a:schemeClr val="lt1"/>
+          </a:fontRef>
+        </p:style>
+        <p:txBody>
+          <a:bodyPr rtlCol="0" anchor="ctr"/>
+          <a:lstStyle/>
+          <a:p>
+            <a:pPr algn="ctr"/>
+            <a:endParaRPr lang="en-US"/>
+          </a:p>
+        </p:txBody>
+      </p:sp>
+      <p:sp>
+        <p:nvSpPr>
+          <p:cNvPr id="74" name="楕円 73">
+            <a:extLst>
+              <a:ext uri="{FF2B5EF4-FFF2-40B4-BE49-F238E27FC236}">
+                <a16:creationId xmlns:a16="http://schemas.microsoft.com/office/drawing/2014/main" id="{A330BC58-8633-4D7D-A06B-20D707A7A47F}"/>
+              </a:ext>
+            </a:extLst>
+          </p:cNvPr>
+          <p:cNvSpPr/>
+          <p:nvPr/>
+        </p:nvSpPr>
+        <p:spPr>
+          <a:xfrm>
+            <a:off x="4672422" y="4274582"/>
+            <a:ext cx="103439" cy="103439"/>
+          </a:xfrm>
+          <a:prstGeom prst="ellipse">
+            <a:avLst/>
+          </a:prstGeom>
+          <a:solidFill>
+            <a:srgbClr val="4472C4">
+              <a:alpha val="50196"/>
+            </a:srgbClr>
+          </a:solidFill>
+          <a:ln>
+            <a:noFill/>
+          </a:ln>
+        </p:spPr>
+        <p:style>
+          <a:lnRef idx="2">
+            <a:schemeClr val="accent1">
+              <a:shade val="50000"/>
+            </a:schemeClr>
+          </a:lnRef>
+          <a:fillRef idx="1">
+            <a:schemeClr val="accent1"/>
+          </a:fillRef>
+          <a:effectRef idx="0">
+            <a:schemeClr val="accent1"/>
+          </a:effectRef>
+          <a:fontRef idx="minor">
+            <a:schemeClr val="lt1"/>
+          </a:fontRef>
+        </p:style>
+        <p:txBody>
+          <a:bodyPr rtlCol="0" anchor="ctr"/>
+          <a:lstStyle/>
+          <a:p>
+            <a:pPr algn="ctr"/>
+            <a:endParaRPr lang="en-US"/>
+          </a:p>
+        </p:txBody>
+      </p:sp>
+      <p:sp>
+        <p:nvSpPr>
+          <p:cNvPr id="75" name="楕円 74">
+            <a:extLst>
+              <a:ext uri="{FF2B5EF4-FFF2-40B4-BE49-F238E27FC236}">
+                <a16:creationId xmlns:a16="http://schemas.microsoft.com/office/drawing/2014/main" id="{987946C3-2B73-4617-BE11-E8224901EB71}"/>
+              </a:ext>
+            </a:extLst>
+          </p:cNvPr>
+          <p:cNvSpPr/>
+          <p:nvPr/>
+        </p:nvSpPr>
+        <p:spPr>
+          <a:xfrm>
+            <a:off x="4903240" y="4603057"/>
+            <a:ext cx="103439" cy="103439"/>
+          </a:xfrm>
+          <a:prstGeom prst="ellipse">
+            <a:avLst/>
+          </a:prstGeom>
+          <a:solidFill>
+            <a:srgbClr val="4472C4">
+              <a:alpha val="50196"/>
+            </a:srgbClr>
+          </a:solidFill>
+          <a:ln>
+            <a:noFill/>
+          </a:ln>
+        </p:spPr>
+        <p:style>
+          <a:lnRef idx="2">
+            <a:schemeClr val="accent1">
+              <a:shade val="50000"/>
+            </a:schemeClr>
+          </a:lnRef>
+          <a:fillRef idx="1">
+            <a:schemeClr val="accent1"/>
+          </a:fillRef>
+          <a:effectRef idx="0">
+            <a:schemeClr val="accent1"/>
+          </a:effectRef>
+          <a:fontRef idx="minor">
+            <a:schemeClr val="lt1"/>
+          </a:fontRef>
+        </p:style>
+        <p:txBody>
+          <a:bodyPr rtlCol="0" anchor="ctr"/>
+          <a:lstStyle/>
+          <a:p>
+            <a:pPr algn="ctr"/>
+            <a:endParaRPr lang="en-US"/>
+          </a:p>
+        </p:txBody>
+      </p:sp>
+      <p:sp>
+        <p:nvSpPr>
+          <p:cNvPr id="76" name="楕円 75">
+            <a:extLst>
+              <a:ext uri="{FF2B5EF4-FFF2-40B4-BE49-F238E27FC236}">
+                <a16:creationId xmlns:a16="http://schemas.microsoft.com/office/drawing/2014/main" id="{F167A670-AE1E-45EE-92F5-8D860BDF27F4}"/>
+              </a:ext>
+            </a:extLst>
+          </p:cNvPr>
+          <p:cNvSpPr/>
+          <p:nvPr/>
+        </p:nvSpPr>
+        <p:spPr>
+          <a:xfrm>
+            <a:off x="5071916" y="4212441"/>
+            <a:ext cx="103439" cy="103439"/>
+          </a:xfrm>
+          <a:prstGeom prst="ellipse">
+            <a:avLst/>
+          </a:prstGeom>
+          <a:solidFill>
+            <a:srgbClr val="4472C4">
+              <a:alpha val="50196"/>
+            </a:srgbClr>
+          </a:solidFill>
+          <a:ln>
+            <a:noFill/>
+          </a:ln>
+        </p:spPr>
+        <p:style>
+          <a:lnRef idx="2">
+            <a:schemeClr val="accent1">
+              <a:shade val="50000"/>
+            </a:schemeClr>
+          </a:lnRef>
+          <a:fillRef idx="1">
+            <a:schemeClr val="accent1"/>
+          </a:fillRef>
+          <a:effectRef idx="0">
+            <a:schemeClr val="accent1"/>
+          </a:effectRef>
+          <a:fontRef idx="minor">
+            <a:schemeClr val="lt1"/>
+          </a:fontRef>
+        </p:style>
+        <p:txBody>
+          <a:bodyPr rtlCol="0" anchor="ctr"/>
+          <a:lstStyle/>
+          <a:p>
+            <a:pPr algn="ctr"/>
+            <a:endParaRPr lang="en-US"/>
+          </a:p>
+        </p:txBody>
+      </p:sp>
+      <p:sp>
+        <p:nvSpPr>
+          <p:cNvPr id="77" name="フリーフォーム: 図形 76">
+            <a:extLst>
+              <a:ext uri="{FF2B5EF4-FFF2-40B4-BE49-F238E27FC236}">
+                <a16:creationId xmlns:a16="http://schemas.microsoft.com/office/drawing/2014/main" id="{A13AD327-500A-4918-A679-B03CFD2E85E5}"/>
+              </a:ext>
+            </a:extLst>
+          </p:cNvPr>
+          <p:cNvSpPr/>
+          <p:nvPr/>
+        </p:nvSpPr>
+        <p:spPr>
+          <a:xfrm>
+            <a:off x="4119289" y="4179658"/>
+            <a:ext cx="1191852" cy="1003627"/>
+          </a:xfrm>
+          <a:custGeom>
+            <a:avLst/>
+            <a:gdLst>
+              <a:gd name="connsiteX0" fmla="*/ 0 w 790113"/>
+              <a:gd name="connsiteY0" fmla="*/ 1038687 h 1038687"/>
+              <a:gd name="connsiteX1" fmla="*/ 142043 w 790113"/>
+              <a:gd name="connsiteY1" fmla="*/ 612559 h 1038687"/>
+              <a:gd name="connsiteX2" fmla="*/ 435006 w 790113"/>
+              <a:gd name="connsiteY2" fmla="*/ 230819 h 1038687"/>
+              <a:gd name="connsiteX3" fmla="*/ 790113 w 790113"/>
+              <a:gd name="connsiteY3" fmla="*/ 0 h 1038687"/>
+            </a:gdLst>
+            <a:ahLst/>
+            <a:cxnLst>
+              <a:cxn ang="0">
+                <a:pos x="connsiteX0" y="connsiteY0"/>
+              </a:cxn>
+              <a:cxn ang="0">
+                <a:pos x="connsiteX1" y="connsiteY1"/>
+              </a:cxn>
+              <a:cxn ang="0">
+                <a:pos x="connsiteX2" y="connsiteY2"/>
+              </a:cxn>
+              <a:cxn ang="0">
+                <a:pos x="connsiteX3" y="connsiteY3"/>
+              </a:cxn>
+            </a:cxnLst>
+            <a:rect l="l" t="t" r="r" b="b"/>
+            <a:pathLst>
+              <a:path w="790113" h="1038687">
+                <a:moveTo>
+                  <a:pt x="0" y="1038687"/>
+                </a:moveTo>
+                <a:cubicBezTo>
+                  <a:pt x="34771" y="892945"/>
+                  <a:pt x="69542" y="747204"/>
+                  <a:pt x="142043" y="612559"/>
+                </a:cubicBezTo>
+                <a:cubicBezTo>
+                  <a:pt x="214544" y="477914"/>
+                  <a:pt x="326994" y="332912"/>
+                  <a:pt x="435006" y="230819"/>
+                </a:cubicBezTo>
+                <a:cubicBezTo>
+                  <a:pt x="543018" y="128726"/>
+                  <a:pt x="666565" y="64363"/>
+                  <a:pt x="790113" y="0"/>
+                </a:cubicBezTo>
+              </a:path>
+            </a:pathLst>
+          </a:custGeom>
+          <a:noFill/>
+          <a:ln w="19050"/>
+        </p:spPr>
+        <p:style>
+          <a:lnRef idx="2">
+            <a:schemeClr val="accent1">
+              <a:shade val="50000"/>
+            </a:schemeClr>
+          </a:lnRef>
+          <a:fillRef idx="1">
+            <a:schemeClr val="accent1"/>
+          </a:fillRef>
+          <a:effectRef idx="0">
+            <a:schemeClr val="accent1"/>
+          </a:effectRef>
+          <a:fontRef idx="minor">
+            <a:schemeClr val="lt1"/>
+          </a:fontRef>
+        </p:style>
+        <p:txBody>
+          <a:bodyPr rtlCol="0" anchor="ctr"/>
+          <a:lstStyle/>
+          <a:p>
+            <a:pPr algn="ctr"/>
+            <a:endParaRPr lang="en-US"/>
+          </a:p>
+        </p:txBody>
+      </p:sp>
     </p:spTree>
     <p:extLst>
       <p:ext uri="{BB962C8B-B14F-4D97-AF65-F5344CB8AC3E}">
